--- a/SIGMOD 2018.pptx
+++ b/SIGMOD 2018.pptx
@@ -9,14 +9,14 @@
   </p:notesMasterIdLst>
   <p:sldIdLst>
     <p:sldId id="258" r:id="rId2"/>
-    <p:sldId id="340" r:id="rId3"/>
-    <p:sldId id="358" r:id="rId4"/>
-    <p:sldId id="359" r:id="rId5"/>
-    <p:sldId id="368" r:id="rId6"/>
-    <p:sldId id="356" r:id="rId7"/>
-    <p:sldId id="365" r:id="rId8"/>
-    <p:sldId id="338" r:id="rId9"/>
-    <p:sldId id="339" r:id="rId10"/>
+    <p:sldId id="338" r:id="rId3"/>
+    <p:sldId id="340" r:id="rId4"/>
+    <p:sldId id="358" r:id="rId5"/>
+    <p:sldId id="359" r:id="rId6"/>
+    <p:sldId id="368" r:id="rId7"/>
+    <p:sldId id="356" r:id="rId8"/>
+    <p:sldId id="339" r:id="rId9"/>
+    <p:sldId id="365" r:id="rId10"/>
     <p:sldId id="259" r:id="rId11"/>
     <p:sldId id="326" r:id="rId12"/>
     <p:sldId id="361" r:id="rId13"/>
@@ -5565,7 +5565,7 @@
           <a:p>
             <a:fld id="{252B4151-56EE-4502-A7DB-3590B57D33A8}" type="datetimeFigureOut">
               <a:rPr lang="en-US" smtClean="0"/>
-              <a:t>6/11/2018</a:t>
+              <a:t>6/12/2018</a:t>
             </a:fld>
             <a:endParaRPr lang="en-US" dirty="0"/>
           </a:p>
@@ -5948,12 +5948,7 @@
             <p:ph type="sldImg"/>
           </p:nvPr>
         </p:nvSpPr>
-        <p:spPr>
-          <a:xfrm>
-            <a:off x="2546350" y="876300"/>
-            <a:ext cx="4203700" cy="2365375"/>
-          </a:xfrm>
-        </p:spPr>
+        <p:spPr/>
       </p:sp>
       <p:sp>
         <p:nvSpPr>
@@ -5972,7 +5967,25 @@
           <a:p>
             <a:r>
               <a:rPr lang="en-US" dirty="0"/>
-              <a:t>TODO: Adjust the alignment of the legend and the bar</a:t>
+              <a:t>Make time shorter on this slide</a:t>
+            </a:r>
+          </a:p>
+          <a:p>
+            <a:endParaRPr lang="en-US" dirty="0"/>
+          </a:p>
+          <a:p>
+            <a:r>
+              <a:rPr lang="en-US" dirty="0"/>
+              <a:t>Do not mention Zipfian multiple times</a:t>
+            </a:r>
+          </a:p>
+          <a:p>
+            <a:endParaRPr lang="en-US" dirty="0"/>
+          </a:p>
+          <a:p>
+            <a:r>
+              <a:rPr lang="en-US" dirty="0"/>
+              <a:t>Mention we also have VARCHAR and email workload, but did not show them in the talk. We observe similar trends for VARCHAR and email</a:t>
             </a:r>
           </a:p>
         </p:txBody>
@@ -5992,18 +6005,18 @@
           <a:bodyPr/>
           <a:lstStyle/>
           <a:p>
-            <a:fld id="{3E54FBBC-CD1F-491F-8B16-36697FA09AA1}" type="slidenum">
+            <a:fld id="{7F8F4080-5D05-4700-9057-E29ADBE9EE03}" type="slidenum">
               <a:rPr lang="en-US" smtClean="0"/>
-              <a:t>13</a:t>
+              <a:t>12</a:t>
             </a:fld>
-            <a:endParaRPr lang="en-US"/>
+            <a:endParaRPr lang="en-US" dirty="0"/>
           </a:p>
         </p:txBody>
       </p:sp>
     </p:spTree>
     <p:extLst>
       <p:ext uri="{BB962C8B-B14F-4D97-AF65-F5344CB8AC3E}">
-        <p14:creationId xmlns:p14="http://schemas.microsoft.com/office/powerpoint/2010/main" val="3785080031"/>
+        <p14:creationId xmlns:p14="http://schemas.microsoft.com/office/powerpoint/2010/main" val="2893969331"/>
       </p:ext>
     </p:extLst>
   </p:cSld>
@@ -6062,19 +6075,7 @@
           <a:bodyPr/>
           <a:lstStyle/>
           <a:p>
-            <a:r>
-              <a:rPr lang="en-US" dirty="0"/>
-              <a:t>ART is good because: (1) partial ordering (2) Only stores the partial key and relies on a full key comparison</a:t>
-            </a:r>
-          </a:p>
-          <a:p>
             <a:endParaRPr lang="en-US" dirty="0"/>
-          </a:p>
-          <a:p>
-            <a:r>
-              <a:rPr lang="en-US" dirty="0"/>
-              <a:t>Do not mention it only in conclusion</a:t>
-            </a:r>
           </a:p>
         </p:txBody>
       </p:sp>
@@ -6095,7 +6096,7 @@
           <a:p>
             <a:fld id="{3E54FBBC-CD1F-491F-8B16-36697FA09AA1}" type="slidenum">
               <a:rPr lang="en-US" smtClean="0"/>
-              <a:t>14</a:t>
+              <a:t>13</a:t>
             </a:fld>
             <a:endParaRPr lang="en-US"/>
           </a:p>
@@ -6104,7 +6105,7 @@
     </p:spTree>
     <p:extLst>
       <p:ext uri="{BB962C8B-B14F-4D97-AF65-F5344CB8AC3E}">
-        <p14:creationId xmlns:p14="http://schemas.microsoft.com/office/powerpoint/2010/main" val="750465041"/>
+        <p14:creationId xmlns:p14="http://schemas.microsoft.com/office/powerpoint/2010/main" val="3785080031"/>
       </p:ext>
     </p:extLst>
   </p:cSld>
@@ -6163,7 +6164,19 @@
           <a:bodyPr/>
           <a:lstStyle/>
           <a:p>
+            <a:r>
+              <a:rPr lang="en-US" dirty="0"/>
+              <a:t>ART is good because: (1) partial ordering (2) Only stores the partial key and relies on a full key comparison</a:t>
+            </a:r>
+          </a:p>
+          <a:p>
             <a:endParaRPr lang="en-US" dirty="0"/>
+          </a:p>
+          <a:p>
+            <a:r>
+              <a:rPr lang="en-US" dirty="0"/>
+              <a:t>Do not mention it only in conclusion</a:t>
+            </a:r>
           </a:p>
         </p:txBody>
       </p:sp>
@@ -6184,16 +6197,16 @@
           <a:p>
             <a:fld id="{3E54FBBC-CD1F-491F-8B16-36697FA09AA1}" type="slidenum">
               <a:rPr lang="en-US" smtClean="0"/>
-              <a:t>15</a:t>
+              <a:t>14</a:t>
             </a:fld>
-            <a:endParaRPr lang="en-US" dirty="0"/>
+            <a:endParaRPr lang="en-US"/>
           </a:p>
         </p:txBody>
       </p:sp>
     </p:spTree>
     <p:extLst>
       <p:ext uri="{BB962C8B-B14F-4D97-AF65-F5344CB8AC3E}">
-        <p14:creationId xmlns:p14="http://schemas.microsoft.com/office/powerpoint/2010/main" val="2029895617"/>
+        <p14:creationId xmlns:p14="http://schemas.microsoft.com/office/powerpoint/2010/main" val="750465041"/>
       </p:ext>
     </p:extLst>
   </p:cSld>
@@ -6252,18 +6265,6 @@
           <a:bodyPr/>
           <a:lstStyle/>
           <a:p>
-            <a:r>
-              <a:rPr lang="en-US" altLang="zh-CN" dirty="0"/>
-              <a:t>If we put 50 million insert only LLC misses with 50 million insert only throughput, there is an interesting observation. We can find a clear correspondence between LLC misses and throughput. The higher miss numbers are, the lower </a:t>
-            </a:r>
-            <a:r>
-              <a:rPr lang="en-US" altLang="zh-CN" dirty="0" err="1"/>
-              <a:t>thoughput</a:t>
-            </a:r>
-            <a:r>
-              <a:rPr lang="en-US" altLang="zh-CN" dirty="0"/>
-              <a:t> it will be.</a:t>
-            </a:r>
             <a:endParaRPr lang="en-US" dirty="0"/>
           </a:p>
         </p:txBody>
@@ -6285,7 +6286,7 @@
           <a:p>
             <a:fld id="{3E54FBBC-CD1F-491F-8B16-36697FA09AA1}" type="slidenum">
               <a:rPr lang="en-US" smtClean="0"/>
-              <a:t>16</a:t>
+              <a:t>15</a:t>
             </a:fld>
             <a:endParaRPr lang="en-US" dirty="0"/>
           </a:p>
@@ -6294,7 +6295,7 @@
     </p:spTree>
     <p:extLst>
       <p:ext uri="{BB962C8B-B14F-4D97-AF65-F5344CB8AC3E}">
-        <p14:creationId xmlns:p14="http://schemas.microsoft.com/office/powerpoint/2010/main" val="3860170437"/>
+        <p14:creationId xmlns:p14="http://schemas.microsoft.com/office/powerpoint/2010/main" val="2029895617"/>
       </p:ext>
     </p:extLst>
   </p:cSld>
@@ -6331,7 +6332,12 @@
             <p:ph type="sldImg"/>
           </p:nvPr>
         </p:nvSpPr>
-        <p:spPr/>
+        <p:spPr>
+          <a:xfrm>
+            <a:off x="2546350" y="876300"/>
+            <a:ext cx="4203700" cy="2365375"/>
+          </a:xfrm>
+        </p:spPr>
       </p:sp>
       <p:sp>
         <p:nvSpPr>
@@ -6349,32 +6355,17 @@
           <a:lstStyle/>
           <a:p>
             <a:r>
-              <a:rPr lang="en-US" dirty="0"/>
-              <a:t>Add: Higher is better, lower is better</a:t>
-            </a:r>
-          </a:p>
-          <a:p>
-            <a:r>
-              <a:rPr lang="en-US" dirty="0"/>
-              <a:t>Add: Key type</a:t>
-            </a:r>
-          </a:p>
-          <a:p>
-            <a:r>
-              <a:rPr lang="en-US" dirty="0"/>
-              <a:t>Add: Hardware configuration</a:t>
-            </a:r>
-          </a:p>
-          <a:p>
-            <a:endParaRPr lang="en-US" dirty="0"/>
-          </a:p>
-          <a:p>
-            <a:r>
-              <a:rPr lang="en-US" dirty="0"/>
-              <a:t>Only use insert-only or read-only to demonstrate</a:t>
-            </a:r>
-          </a:p>
-          <a:p>
+              <a:rPr lang="en-US" altLang="zh-CN" dirty="0"/>
+              <a:t>If we put 50 million insert only LLC misses with 50 million insert only throughput, there is an interesting observation. We can find a clear correspondence between LLC misses and throughput. The higher miss numbers are, the lower </a:t>
+            </a:r>
+            <a:r>
+              <a:rPr lang="en-US" altLang="zh-CN" dirty="0" err="1"/>
+              <a:t>thoughput</a:t>
+            </a:r>
+            <a:r>
+              <a:rPr lang="en-US" altLang="zh-CN" dirty="0"/>
+              <a:t> it will be.</a:t>
+            </a:r>
             <a:endParaRPr lang="en-US" dirty="0"/>
           </a:p>
         </p:txBody>
@@ -6394,9 +6385,9 @@
           <a:bodyPr/>
           <a:lstStyle/>
           <a:p>
-            <a:fld id="{7F8F4080-5D05-4700-9057-E29ADBE9EE03}" type="slidenum">
+            <a:fld id="{3E54FBBC-CD1F-491F-8B16-36697FA09AA1}" type="slidenum">
               <a:rPr lang="en-US" smtClean="0"/>
-              <a:t>17</a:t>
+              <a:t>16</a:t>
             </a:fld>
             <a:endParaRPr lang="en-US" dirty="0"/>
           </a:p>
@@ -6405,7 +6396,7 @@
     </p:spTree>
     <p:extLst>
       <p:ext uri="{BB962C8B-B14F-4D97-AF65-F5344CB8AC3E}">
-        <p14:creationId xmlns:p14="http://schemas.microsoft.com/office/powerpoint/2010/main" val="2958866269"/>
+        <p14:creationId xmlns:p14="http://schemas.microsoft.com/office/powerpoint/2010/main" val="3860170437"/>
       </p:ext>
     </p:extLst>
   </p:cSld>
@@ -6461,6 +6452,125 @@
           <a:p>
             <a:r>
               <a:rPr lang="en-US" dirty="0"/>
+              <a:t>Add: Higher is better, lower is better</a:t>
+            </a:r>
+          </a:p>
+          <a:p>
+            <a:r>
+              <a:rPr lang="en-US" dirty="0"/>
+              <a:t>Add: Key type</a:t>
+            </a:r>
+          </a:p>
+          <a:p>
+            <a:r>
+              <a:rPr lang="en-US" dirty="0"/>
+              <a:t>Add: Hardware configuration</a:t>
+            </a:r>
+          </a:p>
+          <a:p>
+            <a:endParaRPr lang="en-US" dirty="0"/>
+          </a:p>
+          <a:p>
+            <a:r>
+              <a:rPr lang="en-US" dirty="0"/>
+              <a:t>Make </a:t>
+            </a:r>
+            <a:r>
+              <a:rPr lang="en-US" dirty="0" err="1"/>
+              <a:t>B+Tree</a:t>
+            </a:r>
+            <a:r>
+              <a:rPr lang="en-US" dirty="0"/>
+              <a:t> line longer</a:t>
+            </a:r>
+          </a:p>
+          <a:p>
+            <a:endParaRPr lang="en-US" dirty="0"/>
+          </a:p>
+        </p:txBody>
+      </p:sp>
+      <p:sp>
+        <p:nvSpPr>
+          <p:cNvPr id="4" name="Slide Number Placeholder 3"/>
+          <p:cNvSpPr>
+            <a:spLocks noGrp="1"/>
+          </p:cNvSpPr>
+          <p:nvPr>
+            <p:ph type="sldNum" sz="quarter" idx="10"/>
+          </p:nvPr>
+        </p:nvSpPr>
+        <p:spPr/>
+        <p:txBody>
+          <a:bodyPr/>
+          <a:lstStyle/>
+          <a:p>
+            <a:fld id="{7F8F4080-5D05-4700-9057-E29ADBE9EE03}" type="slidenum">
+              <a:rPr lang="en-US" smtClean="0"/>
+              <a:t>17</a:t>
+            </a:fld>
+            <a:endParaRPr lang="en-US" dirty="0"/>
+          </a:p>
+        </p:txBody>
+      </p:sp>
+    </p:spTree>
+    <p:extLst>
+      <p:ext uri="{BB962C8B-B14F-4D97-AF65-F5344CB8AC3E}">
+        <p14:creationId xmlns:p14="http://schemas.microsoft.com/office/powerpoint/2010/main" val="2958866269"/>
+      </p:ext>
+    </p:extLst>
+  </p:cSld>
+  <p:clrMapOvr>
+    <a:masterClrMapping/>
+  </p:clrMapOvr>
+</p:notes>
+</file>
+
+<file path=ppt/notesSlides/notesSlide16.xml><?xml version="1.0" encoding="utf-8"?>
+<p:notes xmlns:a="http://schemas.openxmlformats.org/drawingml/2006/main" xmlns:r="http://schemas.openxmlformats.org/officeDocument/2006/relationships" xmlns:p="http://schemas.openxmlformats.org/presentationml/2006/main">
+  <p:cSld>
+    <p:spTree>
+      <p:nvGrpSpPr>
+        <p:cNvPr id="1" name=""/>
+        <p:cNvGrpSpPr/>
+        <p:nvPr/>
+      </p:nvGrpSpPr>
+      <p:grpSpPr>
+        <a:xfrm>
+          <a:off x="0" y="0"/>
+          <a:ext cx="0" cy="0"/>
+          <a:chOff x="0" y="0"/>
+          <a:chExt cx="0" cy="0"/>
+        </a:xfrm>
+      </p:grpSpPr>
+      <p:sp>
+        <p:nvSpPr>
+          <p:cNvPr id="2" name="Slide Image Placeholder 1"/>
+          <p:cNvSpPr>
+            <a:spLocks noGrp="1" noRot="1" noChangeAspect="1"/>
+          </p:cNvSpPr>
+          <p:nvPr>
+            <p:ph type="sldImg"/>
+          </p:nvPr>
+        </p:nvSpPr>
+        <p:spPr/>
+      </p:sp>
+      <p:sp>
+        <p:nvSpPr>
+          <p:cNvPr id="3" name="Notes Placeholder 2"/>
+          <p:cNvSpPr>
+            <a:spLocks noGrp="1"/>
+          </p:cNvSpPr>
+          <p:nvPr>
+            <p:ph type="body" idx="1"/>
+          </p:nvPr>
+        </p:nvSpPr>
+        <p:spPr/>
+        <p:txBody>
+          <a:bodyPr/>
+          <a:lstStyle/>
+          <a:p>
+            <a:r>
+              <a:rPr lang="en-US" dirty="0"/>
               <a:t>As a supplement, there has been some extensive studies into the cost of lock-freedom on data structures. The experiments from those papers mainly focused on garbage collection, abort/retry mechanism, and so on. Our result here just extends the list of potential source of slowness.</a:t>
             </a:r>
           </a:p>
@@ -6532,7 +6642,12 @@
             <p:ph type="sldImg"/>
           </p:nvPr>
         </p:nvSpPr>
-        <p:spPr/>
+        <p:spPr>
+          <a:xfrm>
+            <a:off x="2546350" y="876300"/>
+            <a:ext cx="4203700" cy="2365375"/>
+          </a:xfrm>
+        </p:spPr>
       </p:sp>
       <p:sp>
         <p:nvSpPr>
@@ -6549,29 +6664,72 @@
           <a:bodyPr/>
           <a:lstStyle/>
           <a:p>
-            <a:endParaRPr lang="en-US" dirty="0"/>
-          </a:p>
-          <a:p>
             <a:r>
               <a:rPr lang="en-US" dirty="0"/>
-              <a:t>It is an over simplified example of </a:t>
+              <a:t>Add: Animation to illustrate how </a:t>
             </a:r>
             <a:r>
               <a:rPr lang="en-US" dirty="0" err="1"/>
               <a:t>BwTree</a:t>
             </a:r>
+            <a:r>
+              <a:rPr lang="en-US" dirty="0"/>
+              <a:t> update works</a:t>
+            </a:r>
+          </a:p>
+          <a:p>
+            <a:r>
+              <a:rPr lang="en-US" dirty="0"/>
+              <a:t>Add: Motivation, background design, etc.</a:t>
+            </a:r>
+          </a:p>
+          <a:p>
+            <a:r>
+              <a:rPr lang="en-US" dirty="0"/>
+              <a:t>---------</a:t>
+            </a:r>
+          </a:p>
+          <a:p>
+            <a:r>
+              <a:rPr lang="en-US" dirty="0"/>
+              <a:t>Come up with a use case of the </a:t>
+            </a:r>
+            <a:r>
+              <a:rPr lang="en-US" dirty="0" err="1"/>
+              <a:t>BwTree</a:t>
+            </a:r>
+            <a:r>
+              <a:rPr lang="en-US" dirty="0"/>
+              <a:t> compared with </a:t>
+            </a:r>
+            <a:r>
+              <a:rPr lang="en-US" dirty="0" err="1"/>
+              <a:t>B+Tree</a:t>
+            </a:r>
             <a:endParaRPr lang="en-US" dirty="0"/>
           </a:p>
           <a:p>
+            <a:endParaRPr lang="en-US" dirty="0"/>
+          </a:p>
+          <a:p>
             <a:r>
               <a:rPr lang="en-US" dirty="0"/>
-              <a:t>Two types of nodes: base and delta</a:t>
+              <a:t>Shorten the first slide (The goal of the talk) </a:t>
             </a:r>
           </a:p>
           <a:p>
             <a:r>
               <a:rPr lang="en-US" dirty="0"/>
-              <a:t>Worker threads replay the delta</a:t>
+              <a:t>Clear end-to-end message</a:t>
+            </a:r>
+          </a:p>
+          <a:p>
+            <a:endParaRPr lang="en-US" dirty="0"/>
+          </a:p>
+          <a:p>
+            <a:r>
+              <a:rPr lang="en-US" dirty="0"/>
+              <a:t>Fix titles with meaningful points</a:t>
             </a:r>
           </a:p>
         </p:txBody>
@@ -6591,18 +6749,18 @@
           <a:bodyPr/>
           <a:lstStyle/>
           <a:p>
-            <a:fld id="{7F8F4080-5D05-4700-9057-E29ADBE9EE03}" type="slidenum">
+            <a:fld id="{3E54FBBC-CD1F-491F-8B16-36697FA09AA1}" type="slidenum">
               <a:rPr lang="en-US" smtClean="0"/>
               <a:t>2</a:t>
             </a:fld>
-            <a:endParaRPr lang="en-US" dirty="0"/>
+            <a:endParaRPr lang="en-US"/>
           </a:p>
         </p:txBody>
       </p:sp>
     </p:spTree>
     <p:extLst>
       <p:ext uri="{BB962C8B-B14F-4D97-AF65-F5344CB8AC3E}">
-        <p14:creationId xmlns:p14="http://schemas.microsoft.com/office/powerpoint/2010/main" val="2357061730"/>
+        <p14:creationId xmlns:p14="http://schemas.microsoft.com/office/powerpoint/2010/main" val="413142828"/>
       </p:ext>
     </p:extLst>
   </p:cSld>
@@ -6656,9 +6814,46 @@
           <a:bodyPr/>
           <a:lstStyle/>
           <a:p>
+            <a:endParaRPr lang="en-US" dirty="0"/>
+          </a:p>
+          <a:p>
             <a:r>
               <a:rPr lang="en-US" dirty="0"/>
-              <a:t>Worker threads are serialized by CAS instruction</a:t>
+              <a:t>At the beginning of the talk, we first of all have a brief overview of </a:t>
+            </a:r>
+            <a:r>
+              <a:rPr lang="en-US" dirty="0" err="1"/>
+              <a:t>bwtree’s</a:t>
+            </a:r>
+            <a:r>
+              <a:rPr lang="en-US" dirty="0"/>
+              <a:t> delta update mechanism</a:t>
+            </a:r>
+          </a:p>
+          <a:p>
+            <a:endParaRPr lang="en-US" dirty="0"/>
+          </a:p>
+          <a:p>
+            <a:r>
+              <a:rPr lang="en-US" dirty="0"/>
+              <a:t>It is an over simplified example of </a:t>
+            </a:r>
+            <a:r>
+              <a:rPr lang="en-US" dirty="0" err="1"/>
+              <a:t>BwTree</a:t>
+            </a:r>
+            <a:endParaRPr lang="en-US" dirty="0"/>
+          </a:p>
+          <a:p>
+            <a:r>
+              <a:rPr lang="en-US" dirty="0"/>
+              <a:t>Two types of nodes: base and delta</a:t>
+            </a:r>
+          </a:p>
+          <a:p>
+            <a:r>
+              <a:rPr lang="en-US" dirty="0"/>
+              <a:t>Worker threads replay the delta</a:t>
             </a:r>
           </a:p>
         </p:txBody>
@@ -6689,7 +6884,7 @@
     </p:spTree>
     <p:extLst>
       <p:ext uri="{BB962C8B-B14F-4D97-AF65-F5344CB8AC3E}">
-        <p14:creationId xmlns:p14="http://schemas.microsoft.com/office/powerpoint/2010/main" val="2813242255"/>
+        <p14:creationId xmlns:p14="http://schemas.microsoft.com/office/powerpoint/2010/main" val="2357061730"/>
       </p:ext>
     </p:extLst>
   </p:cSld>
@@ -6745,13 +6940,7 @@
           <a:p>
             <a:r>
               <a:rPr lang="en-US" dirty="0"/>
-              <a:t>Add: Mention the possible cause of performance problems in this diagram</a:t>
-            </a:r>
-          </a:p>
-          <a:p>
-            <a:r>
-              <a:rPr lang="en-US" dirty="0"/>
-              <a:t>Add: </a:t>
+              <a:t>Worker threads are serialized by CAS instruction</a:t>
             </a:r>
           </a:p>
         </p:txBody>
@@ -6773,7 +6962,7 @@
           <a:p>
             <a:fld id="{7F8F4080-5D05-4700-9057-E29ADBE9EE03}" type="slidenum">
               <a:rPr lang="en-US" smtClean="0"/>
-              <a:t>5</a:t>
+              <a:t>4</a:t>
             </a:fld>
             <a:endParaRPr lang="en-US" dirty="0"/>
           </a:p>
@@ -6782,7 +6971,7 @@
     </p:spTree>
     <p:extLst>
       <p:ext uri="{BB962C8B-B14F-4D97-AF65-F5344CB8AC3E}">
-        <p14:creationId xmlns:p14="http://schemas.microsoft.com/office/powerpoint/2010/main" val="3296458808"/>
+        <p14:creationId xmlns:p14="http://schemas.microsoft.com/office/powerpoint/2010/main" val="2813242255"/>
       </p:ext>
     </p:extLst>
   </p:cSld>
@@ -6838,16 +7027,13 @@
           <a:p>
             <a:r>
               <a:rPr lang="en-US" dirty="0"/>
-              <a:t>Mention: mapping table, delta chain and CAS can all cause slow down</a:t>
-            </a:r>
-          </a:p>
-          <a:p>
-            <a:endParaRPr lang="en-US" dirty="0"/>
+              <a:t>Add: Mention the possible cause of performance problems in this diagram</a:t>
+            </a:r>
           </a:p>
           <a:p>
             <a:r>
               <a:rPr lang="en-US" dirty="0"/>
-              <a:t>None of these three will make it faster for sure. Now the only remaining question is whether they cause slow down</a:t>
+              <a:t>Add: </a:t>
             </a:r>
           </a:p>
         </p:txBody>
@@ -6878,7 +7064,7 @@
     </p:spTree>
     <p:extLst>
       <p:ext uri="{BB962C8B-B14F-4D97-AF65-F5344CB8AC3E}">
-        <p14:creationId xmlns:p14="http://schemas.microsoft.com/office/powerpoint/2010/main" val="608633561"/>
+        <p14:creationId xmlns:p14="http://schemas.microsoft.com/office/powerpoint/2010/main" val="3296458808"/>
       </p:ext>
     </p:extLst>
   </p:cSld>
@@ -6915,12 +7101,7 @@
             <p:ph type="sldImg"/>
           </p:nvPr>
         </p:nvSpPr>
-        <p:spPr>
-          <a:xfrm>
-            <a:off x="2546350" y="876300"/>
-            <a:ext cx="4203700" cy="2365375"/>
-          </a:xfrm>
-        </p:spPr>
+        <p:spPr/>
       </p:sp>
       <p:sp>
         <p:nvSpPr>
@@ -6939,70 +7120,25 @@
           <a:p>
             <a:r>
               <a:rPr lang="en-US" dirty="0"/>
-              <a:t>Add: Animation to illustrate how </a:t>
-            </a:r>
-            <a:r>
-              <a:rPr lang="en-US" dirty="0" err="1"/>
-              <a:t>BwTree</a:t>
-            </a:r>
+              <a:t>Mention: mapping table, delta chain and CAS can all cause slow down</a:t>
+            </a:r>
+          </a:p>
+          <a:p>
+            <a:endParaRPr lang="en-US" dirty="0"/>
+          </a:p>
+          <a:p>
             <a:r>
               <a:rPr lang="en-US" dirty="0"/>
-              <a:t> update works</a:t>
-            </a:r>
+              <a:t>None of these three will make it faster for sure. Now the only remaining question is whether they cause slow down</a:t>
+            </a:r>
+          </a:p>
+          <a:p>
+            <a:endParaRPr lang="en-US" dirty="0"/>
           </a:p>
           <a:p>
             <a:r>
               <a:rPr lang="en-US" dirty="0"/>
-              <a:t>Add: Motivation, background design, etc.</a:t>
-            </a:r>
-          </a:p>
-          <a:p>
-            <a:r>
-              <a:rPr lang="en-US" dirty="0"/>
-              <a:t>---------</a:t>
-            </a:r>
-          </a:p>
-          <a:p>
-            <a:r>
-              <a:rPr lang="en-US" dirty="0"/>
-              <a:t>Come up with a use case of the </a:t>
-            </a:r>
-            <a:r>
-              <a:rPr lang="en-US" dirty="0" err="1"/>
-              <a:t>BwTree</a:t>
-            </a:r>
-            <a:r>
-              <a:rPr lang="en-US" dirty="0"/>
-              <a:t> compared with </a:t>
-            </a:r>
-            <a:r>
-              <a:rPr lang="en-US" dirty="0" err="1"/>
-              <a:t>B+Tree</a:t>
-            </a:r>
-            <a:endParaRPr lang="en-US" dirty="0"/>
-          </a:p>
-          <a:p>
-            <a:endParaRPr lang="en-US" dirty="0"/>
-          </a:p>
-          <a:p>
-            <a:r>
-              <a:rPr lang="en-US" dirty="0"/>
-              <a:t>Shorten the first slide (The goal of the talk) </a:t>
-            </a:r>
-          </a:p>
-          <a:p>
-            <a:r>
-              <a:rPr lang="en-US" dirty="0"/>
-              <a:t>Clear end-to-end message</a:t>
-            </a:r>
-          </a:p>
-          <a:p>
-            <a:endParaRPr lang="en-US" dirty="0"/>
-          </a:p>
-          <a:p>
-            <a:r>
-              <a:rPr lang="en-US" dirty="0"/>
-              <a:t>Fix titles with meaningful points</a:t>
+              <a:t>Bigger font </a:t>
             </a:r>
           </a:p>
         </p:txBody>
@@ -7022,18 +7158,18 @@
           <a:bodyPr/>
           <a:lstStyle/>
           <a:p>
-            <a:fld id="{3E54FBBC-CD1F-491F-8B16-36697FA09AA1}" type="slidenum">
+            <a:fld id="{7F8F4080-5D05-4700-9057-E29ADBE9EE03}" type="slidenum">
               <a:rPr lang="en-US" smtClean="0"/>
-              <a:t>8</a:t>
+              <a:t>7</a:t>
             </a:fld>
-            <a:endParaRPr lang="en-US"/>
+            <a:endParaRPr lang="en-US" dirty="0"/>
           </a:p>
         </p:txBody>
       </p:sp>
     </p:spTree>
     <p:extLst>
       <p:ext uri="{BB962C8B-B14F-4D97-AF65-F5344CB8AC3E}">
-        <p14:creationId xmlns:p14="http://schemas.microsoft.com/office/powerpoint/2010/main" val="413142828"/>
+        <p14:creationId xmlns:p14="http://schemas.microsoft.com/office/powerpoint/2010/main" val="608633561"/>
       </p:ext>
     </p:extLst>
   </p:cSld>
@@ -7139,7 +7275,7 @@
           <a:p>
             <a:fld id="{3E54FBBC-CD1F-491F-8B16-36697FA09AA1}" type="slidenum">
               <a:rPr lang="en-US" smtClean="0"/>
-              <a:t>9</a:t>
+              <a:t>8</a:t>
             </a:fld>
             <a:endParaRPr lang="en-US"/>
           </a:p>
@@ -7206,6 +7342,17 @@
             <a:r>
               <a:rPr lang="en-US" dirty="0"/>
               <a:t>Add: Optimizations, enhancements, etc. that the paper did not cover (we called MSR and found out that they also did these..)</a:t>
+            </a:r>
+          </a:p>
+          <a:p>
+            <a:pPr defTabSz="931774"/>
+            <a:endParaRPr lang="en-US" dirty="0"/>
+          </a:p>
+          <a:p>
+            <a:pPr defTabSz="931774"/>
+            <a:r>
+              <a:rPr lang="en-US" dirty="0"/>
+              <a:t>Add optimizations in short phrases</a:t>
             </a:r>
           </a:p>
           <a:p>
@@ -7507,7 +7654,7 @@
           <a:p>
             <a:fld id="{B14C155F-AFBA-415F-A32F-372502411C27}" type="datetime1">
               <a:rPr lang="en-US" smtClean="0"/>
-              <a:t>6/11/2018</a:t>
+              <a:t>6/12/2018</a:t>
             </a:fld>
             <a:endParaRPr lang="en-US" dirty="0"/>
           </a:p>
@@ -7705,7 +7852,7 @@
           <a:p>
             <a:fld id="{71FCFF4A-D5CE-4891-BE64-1FA93631FABE}" type="datetime1">
               <a:rPr lang="en-US" smtClean="0"/>
-              <a:t>6/11/2018</a:t>
+              <a:t>6/12/2018</a:t>
             </a:fld>
             <a:endParaRPr lang="en-US" dirty="0"/>
           </a:p>
@@ -7913,7 +8060,7 @@
           <a:p>
             <a:fld id="{6FA191F3-9C4F-4E59-BDC0-6E701DEB6230}" type="datetime1">
               <a:rPr lang="en-US" smtClean="0"/>
-              <a:t>6/11/2018</a:t>
+              <a:t>6/12/2018</a:t>
             </a:fld>
             <a:endParaRPr lang="en-US" dirty="0"/>
           </a:p>
@@ -8111,7 +8258,7 @@
           <a:p>
             <a:fld id="{E52D7F5B-AA6B-4542-8A79-BC66BBC97616}" type="datetime1">
               <a:rPr lang="en-US" smtClean="0"/>
-              <a:t>6/11/2018</a:t>
+              <a:t>6/12/2018</a:t>
             </a:fld>
             <a:endParaRPr lang="en-US" dirty="0"/>
           </a:p>
@@ -8386,7 +8533,7 @@
           <a:p>
             <a:fld id="{F86A5632-E053-4035-A908-E64F409D4120}" type="datetime1">
               <a:rPr lang="en-US" smtClean="0"/>
-              <a:t>6/11/2018</a:t>
+              <a:t>6/12/2018</a:t>
             </a:fld>
             <a:endParaRPr lang="en-US" dirty="0"/>
           </a:p>
@@ -8651,7 +8798,7 @@
           <a:p>
             <a:fld id="{675679C3-897F-4BA9-BD25-47D3195B9ABB}" type="datetime1">
               <a:rPr lang="en-US" smtClean="0"/>
-              <a:t>6/11/2018</a:t>
+              <a:t>6/12/2018</a:t>
             </a:fld>
             <a:endParaRPr lang="en-US" dirty="0"/>
           </a:p>
@@ -9063,7 +9210,7 @@
           <a:p>
             <a:fld id="{AB96FCB1-0359-4D9C-B6B7-3CA0B99C8F98}" type="datetime1">
               <a:rPr lang="en-US" smtClean="0"/>
-              <a:t>6/11/2018</a:t>
+              <a:t>6/12/2018</a:t>
             </a:fld>
             <a:endParaRPr lang="en-US" dirty="0"/>
           </a:p>
@@ -9204,7 +9351,7 @@
           <a:p>
             <a:fld id="{C172BB88-8114-4CCF-9306-3A43D8DD1C63}" type="datetime1">
               <a:rPr lang="en-US" smtClean="0"/>
-              <a:t>6/11/2018</a:t>
+              <a:t>6/12/2018</a:t>
             </a:fld>
             <a:endParaRPr lang="en-US" dirty="0"/>
           </a:p>
@@ -9317,7 +9464,7 @@
           <a:p>
             <a:fld id="{7BE4B3BD-B5A4-4E5F-A1BC-82FF1C544654}" type="datetime1">
               <a:rPr lang="en-US" smtClean="0"/>
-              <a:t>6/11/2018</a:t>
+              <a:t>6/12/2018</a:t>
             </a:fld>
             <a:endParaRPr lang="en-US" dirty="0"/>
           </a:p>
@@ -9628,7 +9775,7 @@
           <a:p>
             <a:fld id="{A0DEF3E7-B925-4539-925F-74F559665CD0}" type="datetime1">
               <a:rPr lang="en-US" smtClean="0"/>
-              <a:t>6/11/2018</a:t>
+              <a:t>6/12/2018</a:t>
             </a:fld>
             <a:endParaRPr lang="en-US" dirty="0"/>
           </a:p>
@@ -9916,7 +10063,7 @@
           <a:p>
             <a:fld id="{FFEA1B3D-5CB6-4224-9C43-48578E487605}" type="datetime1">
               <a:rPr lang="en-US" smtClean="0"/>
-              <a:t>6/11/2018</a:t>
+              <a:t>6/12/2018</a:t>
             </a:fld>
             <a:endParaRPr lang="en-US" dirty="0"/>
           </a:p>
@@ -10157,7 +10304,7 @@
           <a:p>
             <a:fld id="{198BBC91-9AF8-4637-898E-8420F5D9A044}" type="datetime1">
               <a:rPr lang="en-US" smtClean="0"/>
-              <a:t>6/11/2018</a:t>
+              <a:t>6/12/2018</a:t>
             </a:fld>
             <a:endParaRPr lang="en-US" dirty="0"/>
           </a:p>
@@ -11159,12 +11306,8 @@
             <a:pPr lvl="1"/>
             <a:r>
               <a:rPr lang="en-US" dirty="0"/>
-              <a:t>No SSD</a:t>
-            </a:r>
-          </a:p>
-          <a:p>
-            <a:pPr lvl="1"/>
-            <a:endParaRPr lang="en-US" dirty="0"/>
+              <a:t>Focus on OLTP</a:t>
+            </a:r>
           </a:p>
         </p:txBody>
       </p:sp>
@@ -11279,7 +11422,12 @@
             <p:ph idx="1"/>
           </p:nvPr>
         </p:nvSpPr>
-        <p:spPr/>
+        <p:spPr>
+          <a:xfrm>
+            <a:off x="838200" y="1838877"/>
+            <a:ext cx="10515600" cy="4351338"/>
+          </a:xfrm>
+        </p:spPr>
         <p:txBody>
           <a:bodyPr>
             <a:normAutofit/>
@@ -11290,7 +11438,10 @@
               <a:rPr lang="en-US" dirty="0" err="1"/>
               <a:t>Masstree</a:t>
             </a:r>
-            <a:endParaRPr lang="en-US" dirty="0"/>
+            <a:r>
+              <a:rPr lang="en-US" dirty="0"/>
+              <a:t> (MIT, Harvard; Eurosys’12)</a:t>
+            </a:r>
           </a:p>
           <a:p>
             <a:pPr lvl="1"/>
@@ -11314,12 +11465,24 @@
           </a:p>
           <a:p>
             <a:r>
+              <a:rPr lang="en-US" dirty="0"/>
+              <a:t>No hot spot non-blocking </a:t>
+            </a:r>
+            <a:r>
               <a:rPr lang="en-US" dirty="0" err="1"/>
               <a:t>Skiplist</a:t>
             </a:r>
             <a:r>
               <a:rPr lang="en-US" dirty="0"/>
-              <a:t> (no-hotspot lock-free)</a:t>
+              <a:t> (</a:t>
+            </a:r>
+            <a:r>
+              <a:rPr lang="en-US" dirty="0" err="1"/>
+              <a:t>synchrobench</a:t>
+            </a:r>
+            <a:r>
+              <a:rPr lang="en-US" dirty="0"/>
+              <a:t>; ICDCS’13)</a:t>
             </a:r>
           </a:p>
           <a:p>
@@ -11336,7 +11499,7 @@
             </a:r>
             <a:r>
               <a:rPr lang="en-US" dirty="0"/>
-              <a:t>, ARTOLC</a:t>
+              <a:t>, ARTOLC (TUM, DaMoN’16)  </a:t>
             </a:r>
           </a:p>
           <a:p>
@@ -11485,7 +11648,12 @@
             <p:ph idx="1"/>
           </p:nvPr>
         </p:nvSpPr>
-        <p:spPr/>
+        <p:spPr>
+          <a:xfrm>
+            <a:off x="838200" y="1838877"/>
+            <a:ext cx="10515600" cy="4351338"/>
+          </a:xfrm>
+        </p:spPr>
         <p:txBody>
           <a:bodyPr>
             <a:normAutofit/>
@@ -11637,23 +11805,7 @@
           <a:p>
             <a:r>
               <a:rPr lang="en-US" sz="3200" dirty="0"/>
-              <a:t>Insert Only: </a:t>
-            </a:r>
-            <a:r>
-              <a:rPr lang="en-US" sz="3200" dirty="0" err="1"/>
-              <a:t>OpenBw</a:t>
-            </a:r>
-            <a:r>
-              <a:rPr lang="en-US" sz="3200" dirty="0"/>
-              <a:t>-Tree is Slightly Faster than </a:t>
-            </a:r>
-            <a:r>
-              <a:rPr lang="en-US" sz="3200" dirty="0" err="1"/>
-              <a:t>BTreeOLC</a:t>
-            </a:r>
-            <a:r>
-              <a:rPr lang="en-US" sz="3200" dirty="0"/>
-              <a:t> </a:t>
+              <a:t>Insert Only Benchmark</a:t>
             </a:r>
           </a:p>
         </p:txBody>
@@ -11731,8 +11883,8 @@
         </p:nvSpPr>
         <p:spPr>
           <a:xfrm>
-            <a:off x="838200" y="1424840"/>
-            <a:ext cx="4522648" cy="830997"/>
+            <a:off x="838200" y="1438092"/>
+            <a:ext cx="4684552" cy="830997"/>
           </a:xfrm>
           <a:prstGeom prst="rect">
             <a:avLst/>
@@ -11754,6 +11906,197 @@
             <a:r>
               <a:rPr lang="en-US" sz="2400" b="1" dirty="0"/>
               <a:t>Higher is better</a:t>
+            </a:r>
+          </a:p>
+        </p:txBody>
+      </p:sp>
+      <p:sp>
+        <p:nvSpPr>
+          <p:cNvPr id="3" name="TextBox 2">
+            <a:extLst>
+              <a:ext uri="{FF2B5EF4-FFF2-40B4-BE49-F238E27FC236}">
+                <a16:creationId xmlns:a16="http://schemas.microsoft.com/office/drawing/2014/main" id="{77B046FE-2133-4A9E-9024-052935D8D3DD}"/>
+              </a:ext>
+            </a:extLst>
+          </p:cNvPr>
+          <p:cNvSpPr txBox="1"/>
+          <p:nvPr/>
+        </p:nvSpPr>
+        <p:spPr>
+          <a:xfrm>
+            <a:off x="2955235" y="4837044"/>
+            <a:ext cx="718466" cy="461665"/>
+          </a:xfrm>
+          <a:prstGeom prst="rect">
+            <a:avLst/>
+          </a:prstGeom>
+          <a:noFill/>
+        </p:spPr>
+        <p:txBody>
+          <a:bodyPr wrap="none" rtlCol="0">
+            <a:spAutoFit/>
+          </a:bodyPr>
+          <a:lstStyle/>
+          <a:p>
+            <a:r>
+              <a:rPr lang="en-US" sz="2400" b="1" dirty="0"/>
+              <a:t>1.0x</a:t>
+            </a:r>
+          </a:p>
+        </p:txBody>
+      </p:sp>
+      <p:sp>
+        <p:nvSpPr>
+          <p:cNvPr id="7" name="TextBox 6">
+            <a:extLst>
+              <a:ext uri="{FF2B5EF4-FFF2-40B4-BE49-F238E27FC236}">
+                <a16:creationId xmlns:a16="http://schemas.microsoft.com/office/drawing/2014/main" id="{CCBAFFE5-C069-4A25-816D-821F2E200236}"/>
+              </a:ext>
+            </a:extLst>
+          </p:cNvPr>
+          <p:cNvSpPr txBox="1"/>
+          <p:nvPr/>
+        </p:nvSpPr>
+        <p:spPr>
+          <a:xfrm>
+            <a:off x="4302395" y="5298709"/>
+            <a:ext cx="873957" cy="461665"/>
+          </a:xfrm>
+          <a:prstGeom prst="rect">
+            <a:avLst/>
+          </a:prstGeom>
+          <a:noFill/>
+        </p:spPr>
+        <p:txBody>
+          <a:bodyPr wrap="none" rtlCol="0">
+            <a:spAutoFit/>
+          </a:bodyPr>
+          <a:lstStyle/>
+          <a:p>
+            <a:r>
+              <a:rPr lang="en-US" sz="2400" b="1" dirty="0">
+                <a:solidFill>
+                  <a:srgbClr val="FF0000"/>
+                </a:solidFill>
+              </a:rPr>
+              <a:t>0.25x</a:t>
+            </a:r>
+          </a:p>
+        </p:txBody>
+      </p:sp>
+      <p:sp>
+        <p:nvSpPr>
+          <p:cNvPr id="8" name="TextBox 7">
+            <a:extLst>
+              <a:ext uri="{FF2B5EF4-FFF2-40B4-BE49-F238E27FC236}">
+                <a16:creationId xmlns:a16="http://schemas.microsoft.com/office/drawing/2014/main" id="{825063A3-15F2-4238-A59E-39A9AEC3E29A}"/>
+              </a:ext>
+            </a:extLst>
+          </p:cNvPr>
+          <p:cNvSpPr txBox="1"/>
+          <p:nvPr/>
+        </p:nvSpPr>
+        <p:spPr>
+          <a:xfrm>
+            <a:off x="5730191" y="4314973"/>
+            <a:ext cx="787395" cy="461665"/>
+          </a:xfrm>
+          <a:prstGeom prst="rect">
+            <a:avLst/>
+          </a:prstGeom>
+          <a:noFill/>
+        </p:spPr>
+        <p:txBody>
+          <a:bodyPr wrap="none" rtlCol="0">
+            <a:spAutoFit/>
+          </a:bodyPr>
+          <a:lstStyle/>
+          <a:p>
+            <a:r>
+              <a:rPr lang="en-US" sz="2400" b="1" dirty="0">
+                <a:solidFill>
+                  <a:schemeClr val="accent6"/>
+                </a:solidFill>
+              </a:rPr>
+              <a:t>1.8x </a:t>
+            </a:r>
+          </a:p>
+        </p:txBody>
+      </p:sp>
+      <p:sp>
+        <p:nvSpPr>
+          <p:cNvPr id="11" name="TextBox 10">
+            <a:extLst>
+              <a:ext uri="{FF2B5EF4-FFF2-40B4-BE49-F238E27FC236}">
+                <a16:creationId xmlns:a16="http://schemas.microsoft.com/office/drawing/2014/main" id="{899417C9-5B1C-4E74-8D72-45AF255A02D2}"/>
+              </a:ext>
+            </a:extLst>
+          </p:cNvPr>
+          <p:cNvSpPr txBox="1"/>
+          <p:nvPr/>
+        </p:nvSpPr>
+        <p:spPr>
+          <a:xfrm>
+            <a:off x="7104982" y="4958243"/>
+            <a:ext cx="873957" cy="461665"/>
+          </a:xfrm>
+          <a:prstGeom prst="rect">
+            <a:avLst/>
+          </a:prstGeom>
+          <a:noFill/>
+        </p:spPr>
+        <p:txBody>
+          <a:bodyPr wrap="none" rtlCol="0">
+            <a:spAutoFit/>
+          </a:bodyPr>
+          <a:lstStyle/>
+          <a:p>
+            <a:r>
+              <a:rPr lang="en-US" sz="2400" b="1" dirty="0">
+                <a:solidFill>
+                  <a:srgbClr val="FF0000"/>
+                </a:solidFill>
+              </a:rPr>
+              <a:t>0.81x</a:t>
+            </a:r>
+          </a:p>
+        </p:txBody>
+      </p:sp>
+      <p:sp>
+        <p:nvSpPr>
+          <p:cNvPr id="12" name="TextBox 11">
+            <a:extLst>
+              <a:ext uri="{FF2B5EF4-FFF2-40B4-BE49-F238E27FC236}">
+                <a16:creationId xmlns:a16="http://schemas.microsoft.com/office/drawing/2014/main" id="{7D50FAB8-EE43-4B1B-BFAA-D7E9034AFAEB}"/>
+              </a:ext>
+            </a:extLst>
+          </p:cNvPr>
+          <p:cNvSpPr txBox="1"/>
+          <p:nvPr/>
+        </p:nvSpPr>
+        <p:spPr>
+          <a:xfrm>
+            <a:off x="8544340" y="2486871"/>
+            <a:ext cx="718466" cy="461665"/>
+          </a:xfrm>
+          <a:prstGeom prst="rect">
+            <a:avLst/>
+          </a:prstGeom>
+          <a:noFill/>
+        </p:spPr>
+        <p:txBody>
+          <a:bodyPr wrap="none" rtlCol="0">
+            <a:spAutoFit/>
+          </a:bodyPr>
+          <a:lstStyle/>
+          <a:p>
+            <a:r>
+              <a:rPr lang="en-US" sz="2400" b="1" dirty="0">
+                <a:solidFill>
+                  <a:schemeClr val="accent6"/>
+                </a:solidFill>
+              </a:rPr>
+              <a:t>4.5x</a:t>
             </a:r>
           </a:p>
         </p:txBody>
@@ -11813,21 +12156,8 @@
           <a:p>
             <a:r>
               <a:rPr lang="en-US" sz="3200" dirty="0"/>
-              <a:t>Read Update: </a:t>
-            </a:r>
-            <a:r>
-              <a:rPr lang="en-US" sz="3200" dirty="0" err="1"/>
-              <a:t>OpenBw</a:t>
-            </a:r>
-            <a:r>
-              <a:rPr lang="en-US" sz="3200" dirty="0"/>
-              <a:t>-Tree is Slower than All Except </a:t>
-            </a:r>
-            <a:r>
-              <a:rPr lang="en-US" sz="3200" dirty="0" err="1"/>
-              <a:t>Skiplist</a:t>
-            </a:r>
-            <a:endParaRPr lang="en-US" sz="3200" dirty="0"/>
+              <a:t>Read Update Benchmark</a:t>
+            </a:r>
           </a:p>
         </p:txBody>
       </p:sp>
@@ -11905,7 +12235,7 @@
         <p:spPr>
           <a:xfrm>
             <a:off x="838200" y="1424840"/>
-            <a:ext cx="8330807" cy="830997"/>
+            <a:ext cx="7353423" cy="830997"/>
           </a:xfrm>
           <a:prstGeom prst="rect">
             <a:avLst/>
@@ -11920,13 +12250,204 @@
           <a:p>
             <a:r>
               <a:rPr lang="en-US" sz="2400" dirty="0"/>
-              <a:t>20 threads; 50 Million Zipfian (YCSB-A) key; 50% read 50% update</a:t>
+              <a:t>20 threads; 50 Million Zipfian key; 50% read 50% update</a:t>
             </a:r>
           </a:p>
           <a:p>
             <a:r>
               <a:rPr lang="en-US" sz="2400" b="1" dirty="0"/>
               <a:t>Higher is better</a:t>
+            </a:r>
+          </a:p>
+        </p:txBody>
+      </p:sp>
+      <p:sp>
+        <p:nvSpPr>
+          <p:cNvPr id="6" name="TextBox 5">
+            <a:extLst>
+              <a:ext uri="{FF2B5EF4-FFF2-40B4-BE49-F238E27FC236}">
+                <a16:creationId xmlns:a16="http://schemas.microsoft.com/office/drawing/2014/main" id="{62A47E3B-1F75-4007-B635-84973FADB42E}"/>
+              </a:ext>
+            </a:extLst>
+          </p:cNvPr>
+          <p:cNvSpPr txBox="1"/>
+          <p:nvPr/>
+        </p:nvSpPr>
+        <p:spPr>
+          <a:xfrm>
+            <a:off x="2928731" y="4651516"/>
+            <a:ext cx="718466" cy="461665"/>
+          </a:xfrm>
+          <a:prstGeom prst="rect">
+            <a:avLst/>
+          </a:prstGeom>
+          <a:noFill/>
+        </p:spPr>
+        <p:txBody>
+          <a:bodyPr wrap="none" rtlCol="0">
+            <a:spAutoFit/>
+          </a:bodyPr>
+          <a:lstStyle/>
+          <a:p>
+            <a:r>
+              <a:rPr lang="en-US" sz="2400" b="1" dirty="0"/>
+              <a:t>1.0x</a:t>
+            </a:r>
+          </a:p>
+        </p:txBody>
+      </p:sp>
+      <p:sp>
+        <p:nvSpPr>
+          <p:cNvPr id="7" name="TextBox 6">
+            <a:extLst>
+              <a:ext uri="{FF2B5EF4-FFF2-40B4-BE49-F238E27FC236}">
+                <a16:creationId xmlns:a16="http://schemas.microsoft.com/office/drawing/2014/main" id="{C7F30467-5DCD-411D-BC51-17D5F3E6EDBC}"/>
+              </a:ext>
+            </a:extLst>
+          </p:cNvPr>
+          <p:cNvSpPr txBox="1"/>
+          <p:nvPr/>
+        </p:nvSpPr>
+        <p:spPr>
+          <a:xfrm>
+            <a:off x="4275891" y="5497491"/>
+            <a:ext cx="873957" cy="461665"/>
+          </a:xfrm>
+          <a:prstGeom prst="rect">
+            <a:avLst/>
+          </a:prstGeom>
+          <a:noFill/>
+        </p:spPr>
+        <p:txBody>
+          <a:bodyPr wrap="none" rtlCol="0">
+            <a:spAutoFit/>
+          </a:bodyPr>
+          <a:lstStyle/>
+          <a:p>
+            <a:r>
+              <a:rPr lang="en-US" sz="2400" b="1" dirty="0">
+                <a:solidFill>
+                  <a:srgbClr val="FF0000"/>
+                </a:solidFill>
+              </a:rPr>
+              <a:t>0.11x</a:t>
+            </a:r>
+          </a:p>
+        </p:txBody>
+      </p:sp>
+      <p:sp>
+        <p:nvSpPr>
+          <p:cNvPr id="8" name="TextBox 7">
+            <a:extLst>
+              <a:ext uri="{FF2B5EF4-FFF2-40B4-BE49-F238E27FC236}">
+                <a16:creationId xmlns:a16="http://schemas.microsoft.com/office/drawing/2014/main" id="{42D87946-BC1B-4C01-8DB5-54FA00E7B797}"/>
+              </a:ext>
+            </a:extLst>
+          </p:cNvPr>
+          <p:cNvSpPr txBox="1"/>
+          <p:nvPr/>
+        </p:nvSpPr>
+        <p:spPr>
+          <a:xfrm>
+            <a:off x="5743443" y="4089689"/>
+            <a:ext cx="718466" cy="461665"/>
+          </a:xfrm>
+          <a:prstGeom prst="rect">
+            <a:avLst/>
+          </a:prstGeom>
+          <a:noFill/>
+        </p:spPr>
+        <p:txBody>
+          <a:bodyPr wrap="none" rtlCol="0">
+            <a:spAutoFit/>
+          </a:bodyPr>
+          <a:lstStyle/>
+          <a:p>
+            <a:r>
+              <a:rPr lang="en-US" sz="2400" b="1" dirty="0">
+                <a:solidFill>
+                  <a:schemeClr val="accent6"/>
+                </a:solidFill>
+              </a:rPr>
+              <a:t>1.7x</a:t>
+            </a:r>
+          </a:p>
+        </p:txBody>
+      </p:sp>
+      <p:sp>
+        <p:nvSpPr>
+          <p:cNvPr id="11" name="TextBox 10">
+            <a:extLst>
+              <a:ext uri="{FF2B5EF4-FFF2-40B4-BE49-F238E27FC236}">
+                <a16:creationId xmlns:a16="http://schemas.microsoft.com/office/drawing/2014/main" id="{3BDFCE58-33DD-49B6-A95E-210FC4C246B8}"/>
+              </a:ext>
+            </a:extLst>
+          </p:cNvPr>
+          <p:cNvSpPr txBox="1"/>
+          <p:nvPr/>
+        </p:nvSpPr>
+        <p:spPr>
+          <a:xfrm>
+            <a:off x="7118234" y="3858312"/>
+            <a:ext cx="718466" cy="461665"/>
+          </a:xfrm>
+          <a:prstGeom prst="rect">
+            <a:avLst/>
+          </a:prstGeom>
+          <a:noFill/>
+        </p:spPr>
+        <p:txBody>
+          <a:bodyPr wrap="none" rtlCol="0">
+            <a:spAutoFit/>
+          </a:bodyPr>
+          <a:lstStyle/>
+          <a:p>
+            <a:r>
+              <a:rPr lang="en-US" sz="2400" b="1" dirty="0">
+                <a:solidFill>
+                  <a:schemeClr val="accent6"/>
+                </a:solidFill>
+              </a:rPr>
+              <a:t>1.9x</a:t>
+            </a:r>
+          </a:p>
+        </p:txBody>
+      </p:sp>
+      <p:sp>
+        <p:nvSpPr>
+          <p:cNvPr id="12" name="TextBox 11">
+            <a:extLst>
+              <a:ext uri="{FF2B5EF4-FFF2-40B4-BE49-F238E27FC236}">
+                <a16:creationId xmlns:a16="http://schemas.microsoft.com/office/drawing/2014/main" id="{389096CC-DF49-4B1A-AE69-E247A186DD0A}"/>
+              </a:ext>
+            </a:extLst>
+          </p:cNvPr>
+          <p:cNvSpPr txBox="1"/>
+          <p:nvPr/>
+        </p:nvSpPr>
+        <p:spPr>
+          <a:xfrm>
+            <a:off x="8517836" y="2698905"/>
+            <a:ext cx="718466" cy="461665"/>
+          </a:xfrm>
+          <a:prstGeom prst="rect">
+            <a:avLst/>
+          </a:prstGeom>
+          <a:noFill/>
+        </p:spPr>
+        <p:txBody>
+          <a:bodyPr wrap="none" rtlCol="0">
+            <a:spAutoFit/>
+          </a:bodyPr>
+          <a:lstStyle/>
+          <a:p>
+            <a:r>
+              <a:rPr lang="en-US" sz="2400" b="1" dirty="0">
+                <a:solidFill>
+                  <a:schemeClr val="accent6"/>
+                </a:solidFill>
+              </a:rPr>
+              <a:t>3.2x</a:t>
             </a:r>
           </a:p>
         </p:txBody>
@@ -12268,7 +12789,7 @@
         <p:spPr>
           <a:xfrm>
             <a:off x="838200" y="1367690"/>
-            <a:ext cx="5997411" cy="1200329"/>
+            <a:ext cx="8881662" cy="1200329"/>
           </a:xfrm>
           <a:prstGeom prst="rect">
             <a:avLst/>
@@ -12291,7 +12812,7 @@
             </a:r>
             <a:r>
               <a:rPr lang="en-US" sz="2400" dirty="0"/>
-              <a:t> key; Insert-Only</a:t>
+              <a:t> key; Insert-Only add a border around it</a:t>
             </a:r>
           </a:p>
           <a:p>
@@ -12540,7 +13061,7 @@
         </p:nvSpPr>
         <p:spPr>
           <a:xfrm>
-            <a:off x="9702800" y="2251274"/>
+            <a:off x="2520115" y="2251274"/>
             <a:ext cx="638316" cy="400110"/>
           </a:xfrm>
           <a:prstGeom prst="rect">
@@ -12575,8 +13096,8 @@
         </p:nvSpPr>
         <p:spPr>
           <a:xfrm>
-            <a:off x="3394277" y="3136612"/>
-            <a:ext cx="1366080" cy="584775"/>
+            <a:off x="3179299" y="3179775"/>
+            <a:ext cx="1834156" cy="523220"/>
           </a:xfrm>
           <a:prstGeom prst="rect">
             <a:avLst/>
@@ -12590,12 +13111,12 @@
           <a:lstStyle/>
           <a:p>
             <a:r>
-              <a:rPr lang="en-US" sz="3200" b="1" dirty="0">
+              <a:rPr lang="en-US" sz="2800" b="1" dirty="0">
                 <a:solidFill>
                   <a:schemeClr val="accent6"/>
                 </a:solidFill>
               </a:rPr>
-              <a:t>23% ↑</a:t>
+              <a:t>0.3/23% ↑</a:t>
             </a:r>
           </a:p>
         </p:txBody>
@@ -12614,8 +13135,8 @@
         </p:nvSpPr>
         <p:spPr>
           <a:xfrm>
-            <a:off x="8219720" y="2815648"/>
-            <a:ext cx="1366080" cy="584775"/>
+            <a:off x="7929106" y="2807074"/>
+            <a:ext cx="1834156" cy="523220"/>
           </a:xfrm>
           <a:prstGeom prst="rect">
             <a:avLst/>
@@ -12629,12 +13150,12 @@
           <a:lstStyle/>
           <a:p>
             <a:r>
-              <a:rPr lang="en-US" sz="3200" b="1" dirty="0">
+              <a:rPr lang="en-US" sz="2800" b="1" dirty="0">
                 <a:solidFill>
                   <a:schemeClr val="accent6"/>
                 </a:solidFill>
               </a:rPr>
-              <a:t>18% ↑</a:t>
+              <a:t>0.3/18% ↑</a:t>
             </a:r>
           </a:p>
         </p:txBody>
@@ -12653,8 +13174,8 @@
         </p:nvSpPr>
         <p:spPr>
           <a:xfrm>
-            <a:off x="10447020" y="2388870"/>
-            <a:ext cx="250456" cy="571500"/>
+            <a:off x="10447019" y="2745132"/>
+            <a:ext cx="330585" cy="414017"/>
           </a:xfrm>
           <a:prstGeom prst="rightBrace">
             <a:avLst/>
@@ -12702,7 +13223,7 @@
         </p:nvSpPr>
         <p:spPr>
           <a:xfrm>
-            <a:off x="10764353" y="2049452"/>
+            <a:off x="10848842" y="2443702"/>
             <a:ext cx="1419106" cy="923330"/>
           </a:xfrm>
           <a:prstGeom prst="rect">
@@ -12783,7 +13304,7 @@
         </p:nvSpPr>
         <p:spPr>
           <a:xfrm>
-            <a:off x="10596326" y="2960370"/>
+            <a:off x="10596326" y="3649486"/>
             <a:ext cx="1726755" cy="1077218"/>
           </a:xfrm>
           <a:prstGeom prst="rect">
@@ -12818,6 +13339,88 @@
           </a:p>
         </p:txBody>
       </p:sp>
+      <p:sp>
+        <p:nvSpPr>
+          <p:cNvPr id="13" name="TextBox 12">
+            <a:extLst>
+              <a:ext uri="{FF2B5EF4-FFF2-40B4-BE49-F238E27FC236}">
+                <a16:creationId xmlns:a16="http://schemas.microsoft.com/office/drawing/2014/main" id="{4F8427AC-A641-4AA5-AE85-A8BD36E8F7DF}"/>
+              </a:ext>
+            </a:extLst>
+          </p:cNvPr>
+          <p:cNvSpPr txBox="1"/>
+          <p:nvPr/>
+        </p:nvSpPr>
+        <p:spPr>
+          <a:xfrm>
+            <a:off x="5555905" y="3068684"/>
+            <a:ext cx="1834156" cy="523220"/>
+          </a:xfrm>
+          <a:prstGeom prst="rect">
+            <a:avLst/>
+          </a:prstGeom>
+          <a:noFill/>
+        </p:spPr>
+        <p:txBody>
+          <a:bodyPr wrap="none" rtlCol="0">
+            <a:spAutoFit/>
+          </a:bodyPr>
+          <a:lstStyle/>
+          <a:p>
+            <a:r>
+              <a:rPr lang="en-US" sz="2800" b="1" dirty="0">
+                <a:solidFill>
+                  <a:schemeClr val="accent6"/>
+                </a:solidFill>
+              </a:rPr>
+              <a:t>0.06/0% ↑</a:t>
+            </a:r>
+          </a:p>
+        </p:txBody>
+      </p:sp>
+      <p:cxnSp>
+        <p:nvCxnSpPr>
+          <p:cNvPr id="14" name="Straight Connector 13">
+            <a:extLst>
+              <a:ext uri="{FF2B5EF4-FFF2-40B4-BE49-F238E27FC236}">
+                <a16:creationId xmlns:a16="http://schemas.microsoft.com/office/drawing/2014/main" id="{2E511088-0658-4D56-8E27-0766953B2CDA}"/>
+              </a:ext>
+            </a:extLst>
+          </p:cNvPr>
+          <p:cNvCxnSpPr>
+            <a:cxnSpLocks/>
+          </p:cNvCxnSpPr>
+          <p:nvPr/>
+        </p:nvCxnSpPr>
+        <p:spPr>
+          <a:xfrm>
+            <a:off x="1669774" y="2727562"/>
+            <a:ext cx="9554817" cy="0"/>
+          </a:xfrm>
+          <a:prstGeom prst="line">
+            <a:avLst/>
+          </a:prstGeom>
+          <a:ln w="34925">
+            <a:solidFill>
+              <a:srgbClr val="FFC000"/>
+            </a:solidFill>
+          </a:ln>
+        </p:spPr>
+        <p:style>
+          <a:lnRef idx="1">
+            <a:schemeClr val="accent1"/>
+          </a:lnRef>
+          <a:fillRef idx="0">
+            <a:schemeClr val="accent1"/>
+          </a:fillRef>
+          <a:effectRef idx="0">
+            <a:schemeClr val="accent1"/>
+          </a:effectRef>
+          <a:fontRef idx="minor">
+            <a:schemeClr val="tx1"/>
+          </a:fontRef>
+        </p:style>
+      </p:cxnSp>
     </p:spTree>
     <p:extLst>
       <p:ext uri="{BB962C8B-B14F-4D97-AF65-F5344CB8AC3E}">
@@ -13117,18 +13720,8 @@
           <a:p>
             <a:r>
               <a:rPr lang="en-US" dirty="0"/>
-              <a:t>Tries and radix trees behave much better on some keys</a:t>
-            </a:r>
-          </a:p>
-          <a:p>
-            <a:pPr lvl="1"/>
-            <a:r>
-              <a:rPr lang="en-US" dirty="0"/>
-              <a:t>Although they make different assumptions about the key</a:t>
-            </a:r>
-          </a:p>
-          <a:p>
-            <a:endParaRPr lang="en-US" dirty="0"/>
+              <a:t>Synchronization using background thread does not work well for large data sets</a:t>
+            </a:r>
           </a:p>
         </p:txBody>
       </p:sp>
@@ -13175,6 +13768,358 @@
 </file>
 
 <file path=ppt/slides/slide2.xml><?xml version="1.0" encoding="utf-8"?>
+<p:sld xmlns:a="http://schemas.openxmlformats.org/drawingml/2006/main" xmlns:r="http://schemas.openxmlformats.org/officeDocument/2006/relationships" xmlns:p="http://schemas.openxmlformats.org/presentationml/2006/main">
+  <p:cSld>
+    <p:spTree>
+      <p:nvGrpSpPr>
+        <p:cNvPr id="1" name=""/>
+        <p:cNvGrpSpPr/>
+        <p:nvPr/>
+      </p:nvGrpSpPr>
+      <p:grpSpPr>
+        <a:xfrm>
+          <a:off x="0" y="0"/>
+          <a:ext cx="0" cy="0"/>
+          <a:chOff x="0" y="0"/>
+          <a:chExt cx="0" cy="0"/>
+        </a:xfrm>
+      </p:grpSpPr>
+      <p:sp>
+        <p:nvSpPr>
+          <p:cNvPr id="2" name="Title 1">
+            <a:extLst>
+              <a:ext uri="{FF2B5EF4-FFF2-40B4-BE49-F238E27FC236}">
+                <a16:creationId xmlns:a16="http://schemas.microsoft.com/office/drawing/2014/main" id="{13679879-E4B2-4B6E-91A6-24034F74EE45}"/>
+              </a:ext>
+            </a:extLst>
+          </p:cNvPr>
+          <p:cNvSpPr>
+            <a:spLocks noGrp="1"/>
+          </p:cNvSpPr>
+          <p:nvPr>
+            <p:ph type="title"/>
+          </p:nvPr>
+        </p:nvSpPr>
+        <p:spPr/>
+        <p:txBody>
+          <a:bodyPr/>
+          <a:lstStyle/>
+          <a:p>
+            <a:r>
+              <a:rPr lang="en-US" dirty="0"/>
+              <a:t>The </a:t>
+            </a:r>
+            <a:r>
+              <a:rPr lang="en-US" dirty="0" err="1"/>
+              <a:t>Bw</a:t>
+            </a:r>
+            <a:r>
+              <a:rPr lang="en-US" dirty="0"/>
+              <a:t>-Tree: Microsoft’s Lock-Free </a:t>
+            </a:r>
+            <a:r>
+              <a:rPr lang="en-US" dirty="0" err="1"/>
+              <a:t>B+Tree</a:t>
+            </a:r>
+            <a:endParaRPr lang="en-US" dirty="0"/>
+          </a:p>
+        </p:txBody>
+      </p:sp>
+      <p:sp>
+        <p:nvSpPr>
+          <p:cNvPr id="3" name="Content Placeholder 2">
+            <a:extLst>
+              <a:ext uri="{FF2B5EF4-FFF2-40B4-BE49-F238E27FC236}">
+                <a16:creationId xmlns:a16="http://schemas.microsoft.com/office/drawing/2014/main" id="{749BB588-1D1E-409D-B41A-6F0C1EB9F75F}"/>
+              </a:ext>
+            </a:extLst>
+          </p:cNvPr>
+          <p:cNvSpPr>
+            <a:spLocks noGrp="1"/>
+          </p:cNvSpPr>
+          <p:nvPr>
+            <p:ph idx="1"/>
+          </p:nvPr>
+        </p:nvSpPr>
+        <p:spPr>
+          <a:xfrm>
+            <a:off x="838200" y="1838877"/>
+            <a:ext cx="10515600" cy="4351338"/>
+          </a:xfrm>
+        </p:spPr>
+        <p:txBody>
+          <a:bodyPr>
+            <a:normAutofit/>
+          </a:bodyPr>
+          <a:lstStyle/>
+          <a:p>
+            <a:r>
+              <a:rPr lang="en-US" dirty="0"/>
+              <a:t>Originally proposed by Microsoft Research</a:t>
+            </a:r>
+          </a:p>
+          <a:p>
+            <a:pPr lvl="1"/>
+            <a:r>
+              <a:rPr lang="en-US" dirty="0"/>
+              <a:t>Published in ICDE’13</a:t>
+            </a:r>
+          </a:p>
+          <a:p>
+            <a:pPr lvl="1"/>
+            <a:r>
+              <a:rPr lang="en-US" dirty="0"/>
+              <a:t>Integrated into SQL Server </a:t>
+            </a:r>
+            <a:r>
+              <a:rPr lang="en-US" dirty="0" err="1"/>
+              <a:t>Hekaton</a:t>
+            </a:r>
+            <a:endParaRPr lang="en-US" dirty="0"/>
+          </a:p>
+          <a:p>
+            <a:pPr lvl="1"/>
+            <a:r>
+              <a:rPr lang="en-US" dirty="0"/>
+              <a:t>2x – 5x faster than </a:t>
+            </a:r>
+            <a:r>
+              <a:rPr lang="en-US" dirty="0" err="1"/>
+              <a:t>Skiplist</a:t>
+            </a:r>
+            <a:r>
+              <a:rPr lang="en-US" dirty="0"/>
+              <a:t> </a:t>
+            </a:r>
+            <a:r>
+              <a:rPr lang="en-US" altLang="zh-CN" dirty="0"/>
+              <a:t>claimed by the paper</a:t>
+            </a:r>
+          </a:p>
+          <a:p>
+            <a:r>
+              <a:rPr lang="en-US" dirty="0"/>
+              <a:t>Key components</a:t>
+            </a:r>
+          </a:p>
+          <a:p>
+            <a:pPr lvl="1"/>
+            <a:r>
+              <a:rPr lang="en-US" dirty="0"/>
+              <a:t>Mapping table</a:t>
+            </a:r>
+          </a:p>
+          <a:p>
+            <a:pPr lvl="1"/>
+            <a:r>
+              <a:rPr lang="en-US" dirty="0"/>
+              <a:t>Delta chain</a:t>
+            </a:r>
+          </a:p>
+          <a:p>
+            <a:pPr lvl="1"/>
+            <a:r>
+              <a:rPr lang="en-US" dirty="0"/>
+              <a:t>Compare-and-Swap</a:t>
+            </a:r>
+          </a:p>
+          <a:p>
+            <a:pPr lvl="1"/>
+            <a:endParaRPr lang="en-US" dirty="0"/>
+          </a:p>
+          <a:p>
+            <a:pPr lvl="1"/>
+            <a:endParaRPr lang="en-US" dirty="0"/>
+          </a:p>
+          <a:p>
+            <a:pPr marL="0" indent="0">
+              <a:buNone/>
+            </a:pPr>
+            <a:endParaRPr lang="en-US" dirty="0"/>
+          </a:p>
+          <a:p>
+            <a:pPr lvl="1"/>
+            <a:endParaRPr lang="en-US" dirty="0"/>
+          </a:p>
+          <a:p>
+            <a:pPr lvl="1"/>
+            <a:endParaRPr lang="en-US" dirty="0"/>
+          </a:p>
+        </p:txBody>
+      </p:sp>
+      <p:sp>
+        <p:nvSpPr>
+          <p:cNvPr id="4" name="Slide Number Placeholder 3">
+            <a:extLst>
+              <a:ext uri="{FF2B5EF4-FFF2-40B4-BE49-F238E27FC236}">
+                <a16:creationId xmlns:a16="http://schemas.microsoft.com/office/drawing/2014/main" id="{13D9160B-5DD2-4C81-897E-473640B6EDBA}"/>
+              </a:ext>
+            </a:extLst>
+          </p:cNvPr>
+          <p:cNvSpPr>
+            <a:spLocks noGrp="1"/>
+          </p:cNvSpPr>
+          <p:nvPr>
+            <p:ph type="sldNum" sz="quarter" idx="12"/>
+          </p:nvPr>
+        </p:nvSpPr>
+        <p:spPr/>
+        <p:txBody>
+          <a:bodyPr/>
+          <a:lstStyle/>
+          <a:p>
+            <a:fld id="{CD800F46-C580-4D0E-ADDF-60DD9E45FDF0}" type="slidenum">
+              <a:rPr lang="en-US" smtClean="0"/>
+              <a:t>2</a:t>
+            </a:fld>
+            <a:endParaRPr lang="en-US"/>
+          </a:p>
+        </p:txBody>
+      </p:sp>
+    </p:spTree>
+    <p:extLst>
+      <p:ext uri="{BB962C8B-B14F-4D97-AF65-F5344CB8AC3E}">
+        <p14:creationId xmlns:p14="http://schemas.microsoft.com/office/powerpoint/2010/main" val="649842590"/>
+      </p:ext>
+    </p:extLst>
+  </p:cSld>
+  <p:clrMapOvr>
+    <a:masterClrMapping/>
+  </p:clrMapOvr>
+</p:sld>
+</file>
+
+<file path=ppt/slides/slide20.xml><?xml version="1.0" encoding="utf-8"?>
+<p:sld xmlns:a="http://schemas.openxmlformats.org/drawingml/2006/main" xmlns:r="http://schemas.openxmlformats.org/officeDocument/2006/relationships" xmlns:p="http://schemas.openxmlformats.org/presentationml/2006/main">
+  <p:cSld>
+    <p:spTree>
+      <p:nvGrpSpPr>
+        <p:cNvPr id="1" name=""/>
+        <p:cNvGrpSpPr/>
+        <p:nvPr/>
+      </p:nvGrpSpPr>
+      <p:grpSpPr>
+        <a:xfrm>
+          <a:off x="0" y="0"/>
+          <a:ext cx="0" cy="0"/>
+          <a:chOff x="0" y="0"/>
+          <a:chExt cx="0" cy="0"/>
+        </a:xfrm>
+      </p:grpSpPr>
+      <p:sp>
+        <p:nvSpPr>
+          <p:cNvPr id="2" name="Title 1">
+            <a:extLst>
+              <a:ext uri="{FF2B5EF4-FFF2-40B4-BE49-F238E27FC236}">
+                <a16:creationId xmlns:a16="http://schemas.microsoft.com/office/drawing/2014/main" id="{D9D099F9-AA5D-4BDF-9A4E-5C4C8193DD69}"/>
+              </a:ext>
+            </a:extLst>
+          </p:cNvPr>
+          <p:cNvSpPr>
+            <a:spLocks noGrp="1"/>
+          </p:cNvSpPr>
+          <p:nvPr>
+            <p:ph type="title"/>
+          </p:nvPr>
+        </p:nvSpPr>
+        <p:spPr/>
+        <p:txBody>
+          <a:bodyPr/>
+          <a:lstStyle/>
+          <a:p>
+            <a:r>
+              <a:rPr lang="en-US" dirty="0"/>
+              <a:t>Future Work</a:t>
+            </a:r>
+          </a:p>
+        </p:txBody>
+      </p:sp>
+      <p:sp>
+        <p:nvSpPr>
+          <p:cNvPr id="3" name="Content Placeholder 2">
+            <a:extLst>
+              <a:ext uri="{FF2B5EF4-FFF2-40B4-BE49-F238E27FC236}">
+                <a16:creationId xmlns:a16="http://schemas.microsoft.com/office/drawing/2014/main" id="{94E04DCE-BAB8-4C98-9E8C-05F1745596E4}"/>
+              </a:ext>
+            </a:extLst>
+          </p:cNvPr>
+          <p:cNvSpPr>
+            <a:spLocks noGrp="1"/>
+          </p:cNvSpPr>
+          <p:nvPr>
+            <p:ph idx="1"/>
+          </p:nvPr>
+        </p:nvSpPr>
+        <p:spPr/>
+        <p:txBody>
+          <a:bodyPr/>
+          <a:lstStyle/>
+          <a:p>
+            <a:r>
+              <a:rPr lang="en-US" dirty="0"/>
+              <a:t>We only evaluated </a:t>
+            </a:r>
+            <a:r>
+              <a:rPr lang="en-US" dirty="0" err="1"/>
+              <a:t>Bw</a:t>
+            </a:r>
+            <a:r>
+              <a:rPr lang="en-US" dirty="0"/>
+              <a:t>-Tree in main-memory environment</a:t>
+            </a:r>
+          </a:p>
+          <a:p>
+            <a:pPr lvl="1"/>
+            <a:r>
+              <a:rPr lang="en-US" dirty="0"/>
+              <a:t>SSD? NVRAM?</a:t>
+            </a:r>
+          </a:p>
+        </p:txBody>
+      </p:sp>
+      <p:sp>
+        <p:nvSpPr>
+          <p:cNvPr id="4" name="Slide Number Placeholder 3">
+            <a:extLst>
+              <a:ext uri="{FF2B5EF4-FFF2-40B4-BE49-F238E27FC236}">
+                <a16:creationId xmlns:a16="http://schemas.microsoft.com/office/drawing/2014/main" id="{40ED5A98-926C-4707-B94D-4BFCB8F59ACE}"/>
+              </a:ext>
+            </a:extLst>
+          </p:cNvPr>
+          <p:cNvSpPr>
+            <a:spLocks noGrp="1"/>
+          </p:cNvSpPr>
+          <p:nvPr>
+            <p:ph type="sldNum" sz="quarter" idx="12"/>
+          </p:nvPr>
+        </p:nvSpPr>
+        <p:spPr/>
+        <p:txBody>
+          <a:bodyPr/>
+          <a:lstStyle/>
+          <a:p>
+            <a:fld id="{47B6D843-D863-45CE-836E-3BAFBA29BED6}" type="slidenum">
+              <a:rPr lang="en-US" smtClean="0"/>
+              <a:t>20</a:t>
+            </a:fld>
+            <a:endParaRPr lang="en-US" dirty="0"/>
+          </a:p>
+        </p:txBody>
+      </p:sp>
+    </p:spTree>
+    <p:extLst>
+      <p:ext uri="{BB962C8B-B14F-4D97-AF65-F5344CB8AC3E}">
+        <p14:creationId xmlns:p14="http://schemas.microsoft.com/office/powerpoint/2010/main" val="1731408233"/>
+      </p:ext>
+    </p:extLst>
+  </p:cSld>
+  <p:clrMapOvr>
+    <a:masterClrMapping/>
+  </p:clrMapOvr>
+</p:sld>
+</file>
+
+<file path=ppt/slides/slide3.xml><?xml version="1.0" encoding="utf-8"?>
 <p:sld xmlns:a="http://schemas.openxmlformats.org/drawingml/2006/main" xmlns:r="http://schemas.openxmlformats.org/officeDocument/2006/relationships" xmlns:p="http://schemas.openxmlformats.org/presentationml/2006/main">
   <p:cSld>
     <p:spTree>
@@ -15221,326 +16166,6 @@
           </a:fontRef>
         </p:style>
       </p:cxnSp>
-      <p:grpSp>
-        <p:nvGrpSpPr>
-          <p:cNvPr id="74" name="Group 73">
-            <a:extLst>
-              <a:ext uri="{FF2B5EF4-FFF2-40B4-BE49-F238E27FC236}">
-                <a16:creationId xmlns:a16="http://schemas.microsoft.com/office/drawing/2014/main" id="{F8A9E5AF-3801-4819-98C8-03AB0C04E92B}"/>
-              </a:ext>
-            </a:extLst>
-          </p:cNvPr>
-          <p:cNvGrpSpPr/>
-          <p:nvPr/>
-        </p:nvGrpSpPr>
-        <p:grpSpPr>
-          <a:xfrm>
-            <a:off x="6147345" y="5381777"/>
-            <a:ext cx="2088013" cy="369332"/>
-            <a:chOff x="4272018" y="5059947"/>
-            <a:chExt cx="2088013" cy="369332"/>
-          </a:xfrm>
-        </p:grpSpPr>
-        <p:cxnSp>
-          <p:nvCxnSpPr>
-            <p:cNvPr id="75" name="Straight Arrow Connector 74">
-              <a:extLst>
-                <a:ext uri="{FF2B5EF4-FFF2-40B4-BE49-F238E27FC236}">
-                  <a16:creationId xmlns:a16="http://schemas.microsoft.com/office/drawing/2014/main" id="{9E4ADCEF-2443-4EFA-9D28-85EA01FC30F1}"/>
-                </a:ext>
-              </a:extLst>
-            </p:cNvPr>
-            <p:cNvCxnSpPr>
-              <a:cxnSpLocks/>
-            </p:cNvCxnSpPr>
-            <p:nvPr/>
-          </p:nvCxnSpPr>
-          <p:spPr>
-            <a:xfrm>
-              <a:off x="5878263" y="5257313"/>
-              <a:ext cx="481768" cy="0"/>
-            </a:xfrm>
-            <a:prstGeom prst="straightConnector1">
-              <a:avLst/>
-            </a:prstGeom>
-            <a:ln>
-              <a:solidFill>
-                <a:schemeClr val="tx1"/>
-              </a:solidFill>
-              <a:prstDash val="solid"/>
-              <a:tailEnd type="triangle"/>
-            </a:ln>
-          </p:spPr>
-          <p:style>
-            <a:lnRef idx="1">
-              <a:schemeClr val="accent1"/>
-            </a:lnRef>
-            <a:fillRef idx="0">
-              <a:schemeClr val="accent1"/>
-            </a:fillRef>
-            <a:effectRef idx="0">
-              <a:schemeClr val="accent1"/>
-            </a:effectRef>
-            <a:fontRef idx="minor">
-              <a:schemeClr val="tx1"/>
-            </a:fontRef>
-          </p:style>
-        </p:cxnSp>
-        <p:sp>
-          <p:nvSpPr>
-            <p:cNvPr id="76" name="TextBox 75">
-              <a:extLst>
-                <a:ext uri="{FF2B5EF4-FFF2-40B4-BE49-F238E27FC236}">
-                  <a16:creationId xmlns:a16="http://schemas.microsoft.com/office/drawing/2014/main" id="{172750F8-0C0F-4753-AF32-B796CD667EB8}"/>
-                </a:ext>
-              </a:extLst>
-            </p:cNvPr>
-            <p:cNvSpPr txBox="1"/>
-            <p:nvPr/>
-          </p:nvSpPr>
-          <p:spPr>
-            <a:xfrm>
-              <a:off x="4272018" y="5059947"/>
-              <a:ext cx="1656287" cy="369332"/>
-            </a:xfrm>
-            <a:prstGeom prst="rect">
-              <a:avLst/>
-            </a:prstGeom>
-            <a:noFill/>
-          </p:spPr>
-          <p:txBody>
-            <a:bodyPr wrap="none" rtlCol="0">
-              <a:spAutoFit/>
-            </a:bodyPr>
-            <a:lstStyle/>
-            <a:p>
-              <a:r>
-                <a:rPr lang="en-US" dirty="0"/>
-                <a:t>Physical Pointer</a:t>
-              </a:r>
-            </a:p>
-          </p:txBody>
-        </p:sp>
-      </p:grpSp>
-      <p:grpSp>
-        <p:nvGrpSpPr>
-          <p:cNvPr id="77" name="Group 76">
-            <a:extLst>
-              <a:ext uri="{FF2B5EF4-FFF2-40B4-BE49-F238E27FC236}">
-                <a16:creationId xmlns:a16="http://schemas.microsoft.com/office/drawing/2014/main" id="{B60B2324-0563-41B6-B5B2-489064E4E76B}"/>
-              </a:ext>
-            </a:extLst>
-          </p:cNvPr>
-          <p:cNvGrpSpPr/>
-          <p:nvPr/>
-        </p:nvGrpSpPr>
-        <p:grpSpPr>
-          <a:xfrm>
-            <a:off x="3945526" y="5391515"/>
-            <a:ext cx="1546032" cy="369332"/>
-            <a:chOff x="8627427" y="5048876"/>
-            <a:chExt cx="1546032" cy="369332"/>
-          </a:xfrm>
-        </p:grpSpPr>
-        <p:sp>
-          <p:nvSpPr>
-            <p:cNvPr id="78" name="Rounded Rectangle 38">
-              <a:extLst>
-                <a:ext uri="{FF2B5EF4-FFF2-40B4-BE49-F238E27FC236}">
-                  <a16:creationId xmlns:a16="http://schemas.microsoft.com/office/drawing/2014/main" id="{98D1ABD1-D908-4F15-8F2E-7E927A4006A4}"/>
-                </a:ext>
-              </a:extLst>
-            </p:cNvPr>
-            <p:cNvSpPr/>
-            <p:nvPr/>
-          </p:nvSpPr>
-          <p:spPr>
-            <a:xfrm>
-              <a:off x="9912525" y="5100246"/>
-              <a:ext cx="260934" cy="266592"/>
-            </a:xfrm>
-            <a:prstGeom prst="roundRect">
-              <a:avLst/>
-            </a:prstGeom>
-          </p:spPr>
-          <p:style>
-            <a:lnRef idx="2">
-              <a:schemeClr val="dk1"/>
-            </a:lnRef>
-            <a:fillRef idx="1">
-              <a:schemeClr val="lt1"/>
-            </a:fillRef>
-            <a:effectRef idx="0">
-              <a:schemeClr val="dk1"/>
-            </a:effectRef>
-            <a:fontRef idx="minor">
-              <a:schemeClr val="dk1"/>
-            </a:fontRef>
-          </p:style>
-          <p:txBody>
-            <a:bodyPr rtlCol="0" anchor="ctr"/>
-            <a:lstStyle/>
-            <a:p>
-              <a:pPr algn="ctr"/>
-              <a:endParaRPr lang="zh-CN" altLang="en-US" sz="1600" baseline="-25000" dirty="0">
-                <a:latin typeface="Arial" panose="020B0604020202020204" pitchFamily="34" charset="0"/>
-                <a:cs typeface="Arial" panose="020B0604020202020204" pitchFamily="34" charset="0"/>
-              </a:endParaRPr>
-            </a:p>
-          </p:txBody>
-        </p:sp>
-        <p:sp>
-          <p:nvSpPr>
-            <p:cNvPr id="79" name="TextBox 78">
-              <a:extLst>
-                <a:ext uri="{FF2B5EF4-FFF2-40B4-BE49-F238E27FC236}">
-                  <a16:creationId xmlns:a16="http://schemas.microsoft.com/office/drawing/2014/main" id="{C137BDF4-C163-415D-A59A-166188596A18}"/>
-                </a:ext>
-              </a:extLst>
-            </p:cNvPr>
-            <p:cNvSpPr txBox="1"/>
-            <p:nvPr/>
-          </p:nvSpPr>
-          <p:spPr>
-            <a:xfrm>
-              <a:off x="8627427" y="5048876"/>
-              <a:ext cx="1241430" cy="369332"/>
-            </a:xfrm>
-            <a:prstGeom prst="rect">
-              <a:avLst/>
-            </a:prstGeom>
-            <a:noFill/>
-          </p:spPr>
-          <p:txBody>
-            <a:bodyPr wrap="none" rtlCol="0">
-              <a:spAutoFit/>
-            </a:bodyPr>
-            <a:lstStyle/>
-            <a:p>
-              <a:r>
-                <a:rPr lang="en-US" dirty="0"/>
-                <a:t>Delta Node</a:t>
-              </a:r>
-            </a:p>
-          </p:txBody>
-        </p:sp>
-      </p:grpSp>
-      <p:grpSp>
-        <p:nvGrpSpPr>
-          <p:cNvPr id="80" name="Group 79">
-            <a:extLst>
-              <a:ext uri="{FF2B5EF4-FFF2-40B4-BE49-F238E27FC236}">
-                <a16:creationId xmlns:a16="http://schemas.microsoft.com/office/drawing/2014/main" id="{B664921F-3DE7-448C-9FBD-CA03670C53F9}"/>
-              </a:ext>
-            </a:extLst>
-          </p:cNvPr>
-          <p:cNvGrpSpPr/>
-          <p:nvPr/>
-        </p:nvGrpSpPr>
-        <p:grpSpPr>
-          <a:xfrm>
-            <a:off x="1780883" y="5391224"/>
-            <a:ext cx="1510068" cy="369332"/>
-            <a:chOff x="6692216" y="5066832"/>
-            <a:chExt cx="1510068" cy="369332"/>
-          </a:xfrm>
-        </p:grpSpPr>
-        <p:sp>
-          <p:nvSpPr>
-            <p:cNvPr id="82" name="Rounded Rectangle 56">
-              <a:extLst>
-                <a:ext uri="{FF2B5EF4-FFF2-40B4-BE49-F238E27FC236}">
-                  <a16:creationId xmlns:a16="http://schemas.microsoft.com/office/drawing/2014/main" id="{0DDA19CF-36A2-48CE-9BD3-0C205E8D1B6D}"/>
-                </a:ext>
-              </a:extLst>
-            </p:cNvPr>
-            <p:cNvSpPr/>
-            <p:nvPr/>
-          </p:nvSpPr>
-          <p:spPr>
-            <a:xfrm>
-              <a:off x="7941350" y="5107576"/>
-              <a:ext cx="260934" cy="266592"/>
-            </a:xfrm>
-            <a:prstGeom prst="roundRect">
-              <a:avLst/>
-            </a:prstGeom>
-            <a:solidFill>
-              <a:schemeClr val="accent3"/>
-            </a:solidFill>
-            <a:ln cmpd="sng">
-              <a:solidFill>
-                <a:schemeClr val="tx1"/>
-              </a:solidFill>
-              <a:prstDash val="solid"/>
-            </a:ln>
-          </p:spPr>
-          <p:style>
-            <a:lnRef idx="2">
-              <a:schemeClr val="accent1">
-                <a:shade val="50000"/>
-              </a:schemeClr>
-            </a:lnRef>
-            <a:fillRef idx="1">
-              <a:schemeClr val="accent1"/>
-            </a:fillRef>
-            <a:effectRef idx="0">
-              <a:schemeClr val="accent1"/>
-            </a:effectRef>
-            <a:fontRef idx="minor">
-              <a:schemeClr val="lt1"/>
-            </a:fontRef>
-          </p:style>
-          <p:txBody>
-            <a:bodyPr rtlCol="0" anchor="ctr"/>
-            <a:lstStyle/>
-            <a:p>
-              <a:endParaRPr lang="en-US" altLang="zh-CN" sz="1600" b="1" dirty="0">
-                <a:solidFill>
-                  <a:schemeClr val="tx1"/>
-                </a:solidFill>
-                <a:latin typeface="Arial" panose="020B0604020202020204" pitchFamily="34" charset="0"/>
-                <a:cs typeface="Arial" panose="020B0604020202020204" pitchFamily="34" charset="0"/>
-              </a:endParaRPr>
-            </a:p>
-          </p:txBody>
-        </p:sp>
-        <p:sp>
-          <p:nvSpPr>
-            <p:cNvPr id="83" name="TextBox 82">
-              <a:extLst>
-                <a:ext uri="{FF2B5EF4-FFF2-40B4-BE49-F238E27FC236}">
-                  <a16:creationId xmlns:a16="http://schemas.microsoft.com/office/drawing/2014/main" id="{ADCB27AF-E41F-443E-87D0-2E7083C98C8D}"/>
-                </a:ext>
-              </a:extLst>
-            </p:cNvPr>
-            <p:cNvSpPr txBox="1"/>
-            <p:nvPr/>
-          </p:nvSpPr>
-          <p:spPr>
-            <a:xfrm>
-              <a:off x="6692216" y="5066832"/>
-              <a:ext cx="1186543" cy="369332"/>
-            </a:xfrm>
-            <a:prstGeom prst="rect">
-              <a:avLst/>
-            </a:prstGeom>
-            <a:noFill/>
-          </p:spPr>
-          <p:txBody>
-            <a:bodyPr wrap="none" rtlCol="0">
-              <a:spAutoFit/>
-            </a:bodyPr>
-            <a:lstStyle/>
-            <a:p>
-              <a:r>
-                <a:rPr lang="en-US" dirty="0"/>
-                <a:t>Base Node</a:t>
-              </a:r>
-            </a:p>
-          </p:txBody>
-        </p:sp>
-      </p:grpSp>
       <p:sp>
         <p:nvSpPr>
           <p:cNvPr id="4" name="Slide Number Placeholder 3">
@@ -15557,19 +16182,457 @@
             <p:ph type="sldNum" sz="quarter" idx="12"/>
           </p:nvPr>
         </p:nvSpPr>
-        <p:spPr/>
+        <p:spPr>
+          <a:xfrm>
+            <a:off x="8610600" y="6356352"/>
+            <a:ext cx="2743200" cy="365125"/>
+          </a:xfrm>
+        </p:spPr>
         <p:txBody>
           <a:bodyPr/>
           <a:lstStyle/>
           <a:p>
             <a:fld id="{47B6D843-D863-45CE-836E-3BAFBA29BED6}" type="slidenum">
               <a:rPr lang="en-US" smtClean="0"/>
-              <a:t>2</a:t>
+              <a:t>3</a:t>
             </a:fld>
-            <a:endParaRPr lang="en-US" dirty="0"/>
+            <a:r>
+              <a:rPr lang="en-US" dirty="0"/>
+              <a:t> </a:t>
+            </a:r>
           </a:p>
         </p:txBody>
       </p:sp>
+      <p:sp>
+        <p:nvSpPr>
+          <p:cNvPr id="62" name="Right Brace 61">
+            <a:extLst>
+              <a:ext uri="{FF2B5EF4-FFF2-40B4-BE49-F238E27FC236}">
+                <a16:creationId xmlns:a16="http://schemas.microsoft.com/office/drawing/2014/main" id="{03E3548A-0828-4F79-AD52-D72813332714}"/>
+              </a:ext>
+            </a:extLst>
+          </p:cNvPr>
+          <p:cNvSpPr/>
+          <p:nvPr/>
+        </p:nvSpPr>
+        <p:spPr>
+          <a:xfrm>
+            <a:off x="9834882" y="3282737"/>
+            <a:ext cx="262699" cy="1588366"/>
+          </a:xfrm>
+          <a:prstGeom prst="rightBrace">
+            <a:avLst/>
+          </a:prstGeom>
+          <a:ln>
+            <a:solidFill>
+              <a:schemeClr val="tx1"/>
+            </a:solidFill>
+          </a:ln>
+        </p:spPr>
+        <p:style>
+          <a:lnRef idx="1">
+            <a:schemeClr val="accent1"/>
+          </a:lnRef>
+          <a:fillRef idx="0">
+            <a:schemeClr val="accent1"/>
+          </a:fillRef>
+          <a:effectRef idx="0">
+            <a:schemeClr val="accent1"/>
+          </a:effectRef>
+          <a:fontRef idx="minor">
+            <a:schemeClr val="tx1"/>
+          </a:fontRef>
+        </p:style>
+        <p:txBody>
+          <a:bodyPr rot="0" spcFirstLastPara="0" vertOverflow="overflow" horzOverflow="overflow" vert="horz" wrap="square" lIns="91440" tIns="45720" rIns="91440" bIns="45720" numCol="1" spcCol="0" rtlCol="0" fromWordArt="0" anchor="ctr" anchorCtr="0" forceAA="0" compatLnSpc="1">
+            <a:prstTxWarp prst="textNoShape">
+              <a:avLst/>
+            </a:prstTxWarp>
+            <a:noAutofit/>
+          </a:bodyPr>
+          <a:lstStyle/>
+          <a:p>
+            <a:pPr algn="ctr"/>
+            <a:endParaRPr lang="en-US"/>
+          </a:p>
+        </p:txBody>
+      </p:sp>
+      <p:sp>
+        <p:nvSpPr>
+          <p:cNvPr id="64" name="TextBox 63">
+            <a:extLst>
+              <a:ext uri="{FF2B5EF4-FFF2-40B4-BE49-F238E27FC236}">
+                <a16:creationId xmlns:a16="http://schemas.microsoft.com/office/drawing/2014/main" id="{C890205B-07EE-4AF2-BE9D-317F73D21F89}"/>
+              </a:ext>
+            </a:extLst>
+          </p:cNvPr>
+          <p:cNvSpPr txBox="1"/>
+          <p:nvPr/>
+        </p:nvSpPr>
+        <p:spPr>
+          <a:xfrm>
+            <a:off x="10173459" y="3780448"/>
+            <a:ext cx="1818575" cy="523220"/>
+          </a:xfrm>
+          <a:prstGeom prst="rect">
+            <a:avLst/>
+          </a:prstGeom>
+          <a:noFill/>
+        </p:spPr>
+        <p:txBody>
+          <a:bodyPr wrap="none" rtlCol="0">
+            <a:spAutoFit/>
+          </a:bodyPr>
+          <a:lstStyle/>
+          <a:p>
+            <a:r>
+              <a:rPr lang="en-US" sz="2800" dirty="0"/>
+              <a:t>Delta chain</a:t>
+            </a:r>
+          </a:p>
+        </p:txBody>
+      </p:sp>
+      <p:grpSp>
+        <p:nvGrpSpPr>
+          <p:cNvPr id="89" name="Group 88">
+            <a:extLst>
+              <a:ext uri="{FF2B5EF4-FFF2-40B4-BE49-F238E27FC236}">
+                <a16:creationId xmlns:a16="http://schemas.microsoft.com/office/drawing/2014/main" id="{BFAF7CA5-2330-4739-AB1C-7F89071553B2}"/>
+              </a:ext>
+            </a:extLst>
+          </p:cNvPr>
+          <p:cNvGrpSpPr/>
+          <p:nvPr/>
+        </p:nvGrpSpPr>
+        <p:grpSpPr>
+          <a:xfrm>
+            <a:off x="840493" y="5547992"/>
+            <a:ext cx="7787440" cy="532009"/>
+            <a:chOff x="1288835" y="5312498"/>
+            <a:chExt cx="7787440" cy="532009"/>
+          </a:xfrm>
+        </p:grpSpPr>
+        <p:grpSp>
+          <p:nvGrpSpPr>
+            <p:cNvPr id="90" name="Group 89">
+              <a:extLst>
+                <a:ext uri="{FF2B5EF4-FFF2-40B4-BE49-F238E27FC236}">
+                  <a16:creationId xmlns:a16="http://schemas.microsoft.com/office/drawing/2014/main" id="{C7EDE8B3-B42E-440A-B677-8C5B714C22A6}"/>
+                </a:ext>
+              </a:extLst>
+            </p:cNvPr>
+            <p:cNvGrpSpPr/>
+            <p:nvPr/>
+          </p:nvGrpSpPr>
+          <p:grpSpPr>
+            <a:xfrm>
+              <a:off x="6089207" y="5321287"/>
+              <a:ext cx="2987068" cy="523220"/>
+              <a:chOff x="5840050" y="5860978"/>
+              <a:chExt cx="2987068" cy="523220"/>
+            </a:xfrm>
+          </p:grpSpPr>
+          <p:cxnSp>
+            <p:nvCxnSpPr>
+              <p:cNvPr id="97" name="Straight Arrow Connector 96">
+                <a:extLst>
+                  <a:ext uri="{FF2B5EF4-FFF2-40B4-BE49-F238E27FC236}">
+                    <a16:creationId xmlns:a16="http://schemas.microsoft.com/office/drawing/2014/main" id="{4E18185B-78B2-4701-A9EC-EBAB3F807BD9}"/>
+                  </a:ext>
+                </a:extLst>
+              </p:cNvPr>
+              <p:cNvCxnSpPr>
+                <a:cxnSpLocks/>
+              </p:cNvCxnSpPr>
+              <p:nvPr/>
+            </p:nvCxnSpPr>
+            <p:spPr>
+              <a:xfrm>
+                <a:off x="8345350" y="6122588"/>
+                <a:ext cx="481768" cy="0"/>
+              </a:xfrm>
+              <a:prstGeom prst="straightConnector1">
+                <a:avLst/>
+              </a:prstGeom>
+              <a:ln>
+                <a:solidFill>
+                  <a:schemeClr val="tx1"/>
+                </a:solidFill>
+                <a:prstDash val="solid"/>
+                <a:tailEnd type="triangle"/>
+              </a:ln>
+            </p:spPr>
+            <p:style>
+              <a:lnRef idx="1">
+                <a:schemeClr val="accent1"/>
+              </a:lnRef>
+              <a:fillRef idx="0">
+                <a:schemeClr val="accent1"/>
+              </a:fillRef>
+              <a:effectRef idx="0">
+                <a:schemeClr val="accent1"/>
+              </a:effectRef>
+              <a:fontRef idx="minor">
+                <a:schemeClr val="tx1"/>
+              </a:fontRef>
+            </p:style>
+          </p:cxnSp>
+          <p:sp>
+            <p:nvSpPr>
+              <p:cNvPr id="98" name="TextBox 97">
+                <a:extLst>
+                  <a:ext uri="{FF2B5EF4-FFF2-40B4-BE49-F238E27FC236}">
+                    <a16:creationId xmlns:a16="http://schemas.microsoft.com/office/drawing/2014/main" id="{5FC0BBFB-4503-42C2-8AE0-122FC74769C8}"/>
+                  </a:ext>
+                </a:extLst>
+              </p:cNvPr>
+              <p:cNvSpPr txBox="1"/>
+              <p:nvPr/>
+            </p:nvSpPr>
+            <p:spPr>
+              <a:xfrm>
+                <a:off x="5840050" y="5860978"/>
+                <a:ext cx="2473691" cy="523220"/>
+              </a:xfrm>
+              <a:prstGeom prst="rect">
+                <a:avLst/>
+              </a:prstGeom>
+              <a:noFill/>
+            </p:spPr>
+            <p:txBody>
+              <a:bodyPr wrap="none" rtlCol="0">
+                <a:spAutoFit/>
+              </a:bodyPr>
+              <a:lstStyle/>
+              <a:p>
+                <a:r>
+                  <a:rPr lang="en-US" sz="2800" dirty="0"/>
+                  <a:t>Physical Pointer</a:t>
+                </a:r>
+              </a:p>
+            </p:txBody>
+          </p:sp>
+        </p:grpSp>
+        <p:grpSp>
+          <p:nvGrpSpPr>
+            <p:cNvPr id="91" name="Group 90">
+              <a:extLst>
+                <a:ext uri="{FF2B5EF4-FFF2-40B4-BE49-F238E27FC236}">
+                  <a16:creationId xmlns:a16="http://schemas.microsoft.com/office/drawing/2014/main" id="{CE2708ED-BF4E-43FA-A7E9-E0121313D131}"/>
+                </a:ext>
+              </a:extLst>
+            </p:cNvPr>
+            <p:cNvGrpSpPr/>
+            <p:nvPr/>
+          </p:nvGrpSpPr>
+          <p:grpSpPr>
+            <a:xfrm>
+              <a:off x="3684078" y="5321287"/>
+              <a:ext cx="2070140" cy="523220"/>
+              <a:chOff x="3407240" y="5588215"/>
+              <a:chExt cx="2070140" cy="523220"/>
+            </a:xfrm>
+          </p:grpSpPr>
+          <p:sp>
+            <p:nvSpPr>
+              <p:cNvPr id="95" name="Rounded Rectangle 38">
+                <a:extLst>
+                  <a:ext uri="{FF2B5EF4-FFF2-40B4-BE49-F238E27FC236}">
+                    <a16:creationId xmlns:a16="http://schemas.microsoft.com/office/drawing/2014/main" id="{19A0F5CA-7FFE-4A7C-89CA-2E7F3259BB02}"/>
+                  </a:ext>
+                </a:extLst>
+              </p:cNvPr>
+              <p:cNvSpPr/>
+              <p:nvPr/>
+            </p:nvSpPr>
+            <p:spPr>
+              <a:xfrm>
+                <a:off x="5216446" y="5702422"/>
+                <a:ext cx="260934" cy="266592"/>
+              </a:xfrm>
+              <a:prstGeom prst="roundRect">
+                <a:avLst/>
+              </a:prstGeom>
+            </p:spPr>
+            <p:style>
+              <a:lnRef idx="2">
+                <a:schemeClr val="dk1"/>
+              </a:lnRef>
+              <a:fillRef idx="1">
+                <a:schemeClr val="lt1"/>
+              </a:fillRef>
+              <a:effectRef idx="0">
+                <a:schemeClr val="dk1"/>
+              </a:effectRef>
+              <a:fontRef idx="minor">
+                <a:schemeClr val="dk1"/>
+              </a:fontRef>
+            </p:style>
+            <p:txBody>
+              <a:bodyPr rtlCol="0" anchor="ctr"/>
+              <a:lstStyle/>
+              <a:p>
+                <a:pPr algn="ctr"/>
+                <a:endParaRPr lang="zh-CN" altLang="en-US" sz="2800" baseline="-25000" dirty="0">
+                  <a:latin typeface="Arial" panose="020B0604020202020204" pitchFamily="34" charset="0"/>
+                  <a:cs typeface="Arial" panose="020B0604020202020204" pitchFamily="34" charset="0"/>
+                </a:endParaRPr>
+              </a:p>
+            </p:txBody>
+          </p:sp>
+          <p:sp>
+            <p:nvSpPr>
+              <p:cNvPr id="96" name="TextBox 95">
+                <a:extLst>
+                  <a:ext uri="{FF2B5EF4-FFF2-40B4-BE49-F238E27FC236}">
+                    <a16:creationId xmlns:a16="http://schemas.microsoft.com/office/drawing/2014/main" id="{9F5CE6D0-9006-4584-BC83-91A5F2E0118F}"/>
+                  </a:ext>
+                </a:extLst>
+              </p:cNvPr>
+              <p:cNvSpPr txBox="1"/>
+              <p:nvPr/>
+            </p:nvSpPr>
+            <p:spPr>
+              <a:xfrm>
+                <a:off x="3407240" y="5588215"/>
+                <a:ext cx="1823384" cy="523220"/>
+              </a:xfrm>
+              <a:prstGeom prst="rect">
+                <a:avLst/>
+              </a:prstGeom>
+              <a:noFill/>
+            </p:spPr>
+            <p:txBody>
+              <a:bodyPr wrap="none" rtlCol="0">
+                <a:spAutoFit/>
+              </a:bodyPr>
+              <a:lstStyle/>
+              <a:p>
+                <a:r>
+                  <a:rPr lang="en-US" sz="2800" dirty="0"/>
+                  <a:t>Delta Node</a:t>
+                </a:r>
+              </a:p>
+            </p:txBody>
+          </p:sp>
+        </p:grpSp>
+        <p:grpSp>
+          <p:nvGrpSpPr>
+            <p:cNvPr id="92" name="Group 91">
+              <a:extLst>
+                <a:ext uri="{FF2B5EF4-FFF2-40B4-BE49-F238E27FC236}">
+                  <a16:creationId xmlns:a16="http://schemas.microsoft.com/office/drawing/2014/main" id="{D3CD7E8C-25A5-47AD-8E1B-50235DA85798}"/>
+                </a:ext>
+              </a:extLst>
+            </p:cNvPr>
+            <p:cNvGrpSpPr/>
+            <p:nvPr/>
+          </p:nvGrpSpPr>
+          <p:grpSpPr>
+            <a:xfrm>
+              <a:off x="1288835" y="5312498"/>
+              <a:ext cx="2002116" cy="523220"/>
+              <a:chOff x="1288835" y="5312498"/>
+              <a:chExt cx="2002116" cy="523220"/>
+            </a:xfrm>
+          </p:grpSpPr>
+          <p:sp>
+            <p:nvSpPr>
+              <p:cNvPr id="93" name="Rounded Rectangle 56">
+                <a:extLst>
+                  <a:ext uri="{FF2B5EF4-FFF2-40B4-BE49-F238E27FC236}">
+                    <a16:creationId xmlns:a16="http://schemas.microsoft.com/office/drawing/2014/main" id="{91605589-9155-4E17-B805-96BECDC020F4}"/>
+                  </a:ext>
+                </a:extLst>
+              </p:cNvPr>
+              <p:cNvSpPr/>
+              <p:nvPr/>
+            </p:nvSpPr>
+            <p:spPr>
+              <a:xfrm>
+                <a:off x="3030017" y="5431968"/>
+                <a:ext cx="260934" cy="266592"/>
+              </a:xfrm>
+              <a:prstGeom prst="roundRect">
+                <a:avLst/>
+              </a:prstGeom>
+              <a:solidFill>
+                <a:schemeClr val="accent3"/>
+              </a:solidFill>
+              <a:ln cmpd="sng">
+                <a:solidFill>
+                  <a:schemeClr val="tx1"/>
+                </a:solidFill>
+                <a:prstDash val="solid"/>
+              </a:ln>
+            </p:spPr>
+            <p:style>
+              <a:lnRef idx="2">
+                <a:schemeClr val="accent1">
+                  <a:shade val="50000"/>
+                </a:schemeClr>
+              </a:lnRef>
+              <a:fillRef idx="1">
+                <a:schemeClr val="accent1"/>
+              </a:fillRef>
+              <a:effectRef idx="0">
+                <a:schemeClr val="accent1"/>
+              </a:effectRef>
+              <a:fontRef idx="minor">
+                <a:schemeClr val="lt1"/>
+              </a:fontRef>
+            </p:style>
+            <p:txBody>
+              <a:bodyPr rtlCol="0" anchor="ctr"/>
+              <a:lstStyle/>
+              <a:p>
+                <a:endParaRPr lang="en-US" altLang="zh-CN" sz="2800" b="1" dirty="0">
+                  <a:solidFill>
+                    <a:schemeClr val="tx1"/>
+                  </a:solidFill>
+                  <a:latin typeface="Arial" panose="020B0604020202020204" pitchFamily="34" charset="0"/>
+                  <a:cs typeface="Arial" panose="020B0604020202020204" pitchFamily="34" charset="0"/>
+                </a:endParaRPr>
+              </a:p>
+            </p:txBody>
+          </p:sp>
+          <p:sp>
+            <p:nvSpPr>
+              <p:cNvPr id="94" name="TextBox 93">
+                <a:extLst>
+                  <a:ext uri="{FF2B5EF4-FFF2-40B4-BE49-F238E27FC236}">
+                    <a16:creationId xmlns:a16="http://schemas.microsoft.com/office/drawing/2014/main" id="{844991BA-ECFA-4B85-971C-3214D3B8B3CD}"/>
+                  </a:ext>
+                </a:extLst>
+              </p:cNvPr>
+              <p:cNvSpPr txBox="1"/>
+              <p:nvPr/>
+            </p:nvSpPr>
+            <p:spPr>
+              <a:xfrm>
+                <a:off x="1288835" y="5312498"/>
+                <a:ext cx="1741182" cy="523220"/>
+              </a:xfrm>
+              <a:prstGeom prst="rect">
+                <a:avLst/>
+              </a:prstGeom>
+              <a:noFill/>
+            </p:spPr>
+            <p:txBody>
+              <a:bodyPr wrap="none" rtlCol="0">
+                <a:spAutoFit/>
+              </a:bodyPr>
+              <a:lstStyle/>
+              <a:p>
+                <a:r>
+                  <a:rPr lang="en-US" sz="2800" dirty="0"/>
+                  <a:t>Base Node</a:t>
+                </a:r>
+              </a:p>
+            </p:txBody>
+          </p:sp>
+        </p:grpSp>
+      </p:grpSp>
     </p:spTree>
     <p:extLst>
       <p:ext uri="{BB962C8B-B14F-4D97-AF65-F5344CB8AC3E}">
@@ -15583,137 +16646,7 @@
 </p:sld>
 </file>
 
-<file path=ppt/slides/slide20.xml><?xml version="1.0" encoding="utf-8"?>
-<p:sld xmlns:a="http://schemas.openxmlformats.org/drawingml/2006/main" xmlns:r="http://schemas.openxmlformats.org/officeDocument/2006/relationships" xmlns:p="http://schemas.openxmlformats.org/presentationml/2006/main">
-  <p:cSld>
-    <p:spTree>
-      <p:nvGrpSpPr>
-        <p:cNvPr id="1" name=""/>
-        <p:cNvGrpSpPr/>
-        <p:nvPr/>
-      </p:nvGrpSpPr>
-      <p:grpSpPr>
-        <a:xfrm>
-          <a:off x="0" y="0"/>
-          <a:ext cx="0" cy="0"/>
-          <a:chOff x="0" y="0"/>
-          <a:chExt cx="0" cy="0"/>
-        </a:xfrm>
-      </p:grpSpPr>
-      <p:sp>
-        <p:nvSpPr>
-          <p:cNvPr id="2" name="Title 1">
-            <a:extLst>
-              <a:ext uri="{FF2B5EF4-FFF2-40B4-BE49-F238E27FC236}">
-                <a16:creationId xmlns:a16="http://schemas.microsoft.com/office/drawing/2014/main" id="{D9D099F9-AA5D-4BDF-9A4E-5C4C8193DD69}"/>
-              </a:ext>
-            </a:extLst>
-          </p:cNvPr>
-          <p:cNvSpPr>
-            <a:spLocks noGrp="1"/>
-          </p:cNvSpPr>
-          <p:nvPr>
-            <p:ph type="title"/>
-          </p:nvPr>
-        </p:nvSpPr>
-        <p:spPr/>
-        <p:txBody>
-          <a:bodyPr/>
-          <a:lstStyle/>
-          <a:p>
-            <a:r>
-              <a:rPr lang="en-US" dirty="0"/>
-              <a:t>Future Work</a:t>
-            </a:r>
-          </a:p>
-        </p:txBody>
-      </p:sp>
-      <p:sp>
-        <p:nvSpPr>
-          <p:cNvPr id="3" name="Content Placeholder 2">
-            <a:extLst>
-              <a:ext uri="{FF2B5EF4-FFF2-40B4-BE49-F238E27FC236}">
-                <a16:creationId xmlns:a16="http://schemas.microsoft.com/office/drawing/2014/main" id="{94E04DCE-BAB8-4C98-9E8C-05F1745596E4}"/>
-              </a:ext>
-            </a:extLst>
-          </p:cNvPr>
-          <p:cNvSpPr>
-            <a:spLocks noGrp="1"/>
-          </p:cNvSpPr>
-          <p:nvPr>
-            <p:ph idx="1"/>
-          </p:nvPr>
-        </p:nvSpPr>
-        <p:spPr/>
-        <p:txBody>
-          <a:bodyPr/>
-          <a:lstStyle/>
-          <a:p>
-            <a:r>
-              <a:rPr lang="en-US" dirty="0"/>
-              <a:t>We only evaluated </a:t>
-            </a:r>
-            <a:r>
-              <a:rPr lang="en-US" dirty="0" err="1"/>
-              <a:t>Bw</a:t>
-            </a:r>
-            <a:r>
-              <a:rPr lang="en-US" dirty="0"/>
-              <a:t>-Tree in main-memory environment</a:t>
-            </a:r>
-          </a:p>
-          <a:p>
-            <a:pPr lvl="1"/>
-            <a:r>
-              <a:rPr lang="en-US" dirty="0"/>
-              <a:t>SSD? NVRAM?</a:t>
-            </a:r>
-          </a:p>
-        </p:txBody>
-      </p:sp>
-      <p:sp>
-        <p:nvSpPr>
-          <p:cNvPr id="4" name="Slide Number Placeholder 3">
-            <a:extLst>
-              <a:ext uri="{FF2B5EF4-FFF2-40B4-BE49-F238E27FC236}">
-                <a16:creationId xmlns:a16="http://schemas.microsoft.com/office/drawing/2014/main" id="{40ED5A98-926C-4707-B94D-4BFCB8F59ACE}"/>
-              </a:ext>
-            </a:extLst>
-          </p:cNvPr>
-          <p:cNvSpPr>
-            <a:spLocks noGrp="1"/>
-          </p:cNvSpPr>
-          <p:nvPr>
-            <p:ph type="sldNum" sz="quarter" idx="12"/>
-          </p:nvPr>
-        </p:nvSpPr>
-        <p:spPr/>
-        <p:txBody>
-          <a:bodyPr/>
-          <a:lstStyle/>
-          <a:p>
-            <a:fld id="{47B6D843-D863-45CE-836E-3BAFBA29BED6}" type="slidenum">
-              <a:rPr lang="en-US" smtClean="0"/>
-              <a:t>20</a:t>
-            </a:fld>
-            <a:endParaRPr lang="en-US" dirty="0"/>
-          </a:p>
-        </p:txBody>
-      </p:sp>
-    </p:spTree>
-    <p:extLst>
-      <p:ext uri="{BB962C8B-B14F-4D97-AF65-F5344CB8AC3E}">
-        <p14:creationId xmlns:p14="http://schemas.microsoft.com/office/powerpoint/2010/main" val="1731408233"/>
-      </p:ext>
-    </p:extLst>
-  </p:cSld>
-  <p:clrMapOvr>
-    <a:masterClrMapping/>
-  </p:clrMapOvr>
-</p:sld>
-</file>
-
-<file path=ppt/slides/slide3.xml><?xml version="1.0" encoding="utf-8"?>
+<file path=ppt/slides/slide4.xml><?xml version="1.0" encoding="utf-8"?>
 <p:sld xmlns:a="http://schemas.openxmlformats.org/drawingml/2006/main" xmlns:r="http://schemas.openxmlformats.org/officeDocument/2006/relationships" xmlns:p="http://schemas.openxmlformats.org/presentationml/2006/main">
   <p:cSld>
     <p:spTree>
@@ -17931,7 +18864,7 @@
         <p:spPr>
           <a:xfrm>
             <a:off x="7824877" y="2572735"/>
-            <a:ext cx="1589346" cy="369332"/>
+            <a:ext cx="1763944" cy="400110"/>
           </a:xfrm>
           <a:prstGeom prst="rect">
             <a:avLst/>
@@ -17945,19 +18878,19 @@
           <a:lstStyle/>
           <a:p>
             <a:r>
-              <a:rPr lang="en-US" dirty="0"/>
+              <a:rPr lang="en-US" sz="2000" dirty="0"/>
               <a:t>CAS </a:t>
             </a:r>
             <a:r>
-              <a:rPr lang="en-US" b="1" dirty="0"/>
+              <a:rPr lang="en-US" sz="2000" b="1" dirty="0"/>
               <a:t>old</a:t>
             </a:r>
             <a:r>
-              <a:rPr lang="en-US" dirty="0"/>
+              <a:rPr lang="en-US" sz="2000" dirty="0"/>
               <a:t> -&gt; </a:t>
             </a:r>
             <a:r>
-              <a:rPr lang="en-US" b="1" dirty="0">
+              <a:rPr lang="en-US" sz="2000" b="1" dirty="0">
                 <a:solidFill>
                   <a:srgbClr val="FF0000"/>
                 </a:solidFill>
@@ -17967,326 +18900,6 @@
           </a:p>
         </p:txBody>
       </p:sp>
-      <p:grpSp>
-        <p:nvGrpSpPr>
-          <p:cNvPr id="74" name="Group 73">
-            <a:extLst>
-              <a:ext uri="{FF2B5EF4-FFF2-40B4-BE49-F238E27FC236}">
-                <a16:creationId xmlns:a16="http://schemas.microsoft.com/office/drawing/2014/main" id="{F6B21CD1-A258-4019-B380-6E2A704FEE73}"/>
-              </a:ext>
-            </a:extLst>
-          </p:cNvPr>
-          <p:cNvGrpSpPr/>
-          <p:nvPr/>
-        </p:nvGrpSpPr>
-        <p:grpSpPr>
-          <a:xfrm>
-            <a:off x="6147345" y="5381777"/>
-            <a:ext cx="2088013" cy="369332"/>
-            <a:chOff x="4272018" y="5059947"/>
-            <a:chExt cx="2088013" cy="369332"/>
-          </a:xfrm>
-        </p:grpSpPr>
-        <p:cxnSp>
-          <p:nvCxnSpPr>
-            <p:cNvPr id="75" name="Straight Arrow Connector 74">
-              <a:extLst>
-                <a:ext uri="{FF2B5EF4-FFF2-40B4-BE49-F238E27FC236}">
-                  <a16:creationId xmlns:a16="http://schemas.microsoft.com/office/drawing/2014/main" id="{96AE5481-8B29-4636-9BA7-3285F968C86B}"/>
-                </a:ext>
-              </a:extLst>
-            </p:cNvPr>
-            <p:cNvCxnSpPr>
-              <a:cxnSpLocks/>
-            </p:cNvCxnSpPr>
-            <p:nvPr/>
-          </p:nvCxnSpPr>
-          <p:spPr>
-            <a:xfrm>
-              <a:off x="5878263" y="5257313"/>
-              <a:ext cx="481768" cy="0"/>
-            </a:xfrm>
-            <a:prstGeom prst="straightConnector1">
-              <a:avLst/>
-            </a:prstGeom>
-            <a:ln>
-              <a:solidFill>
-                <a:schemeClr val="tx1"/>
-              </a:solidFill>
-              <a:prstDash val="solid"/>
-              <a:tailEnd type="triangle"/>
-            </a:ln>
-          </p:spPr>
-          <p:style>
-            <a:lnRef idx="1">
-              <a:schemeClr val="accent1"/>
-            </a:lnRef>
-            <a:fillRef idx="0">
-              <a:schemeClr val="accent1"/>
-            </a:fillRef>
-            <a:effectRef idx="0">
-              <a:schemeClr val="accent1"/>
-            </a:effectRef>
-            <a:fontRef idx="minor">
-              <a:schemeClr val="tx1"/>
-            </a:fontRef>
-          </p:style>
-        </p:cxnSp>
-        <p:sp>
-          <p:nvSpPr>
-            <p:cNvPr id="76" name="TextBox 75">
-              <a:extLst>
-                <a:ext uri="{FF2B5EF4-FFF2-40B4-BE49-F238E27FC236}">
-                  <a16:creationId xmlns:a16="http://schemas.microsoft.com/office/drawing/2014/main" id="{C0F6A3CF-C924-48E4-9A85-7BFFCE1A3AFC}"/>
-                </a:ext>
-              </a:extLst>
-            </p:cNvPr>
-            <p:cNvSpPr txBox="1"/>
-            <p:nvPr/>
-          </p:nvSpPr>
-          <p:spPr>
-            <a:xfrm>
-              <a:off x="4272018" y="5059947"/>
-              <a:ext cx="1656287" cy="369332"/>
-            </a:xfrm>
-            <a:prstGeom prst="rect">
-              <a:avLst/>
-            </a:prstGeom>
-            <a:noFill/>
-          </p:spPr>
-          <p:txBody>
-            <a:bodyPr wrap="none" rtlCol="0">
-              <a:spAutoFit/>
-            </a:bodyPr>
-            <a:lstStyle/>
-            <a:p>
-              <a:r>
-                <a:rPr lang="en-US" dirty="0"/>
-                <a:t>Physical Pointer</a:t>
-              </a:r>
-            </a:p>
-          </p:txBody>
-        </p:sp>
-      </p:grpSp>
-      <p:grpSp>
-        <p:nvGrpSpPr>
-          <p:cNvPr id="77" name="Group 76">
-            <a:extLst>
-              <a:ext uri="{FF2B5EF4-FFF2-40B4-BE49-F238E27FC236}">
-                <a16:creationId xmlns:a16="http://schemas.microsoft.com/office/drawing/2014/main" id="{EEA7B6FA-D4F2-4D17-BA42-1E0D2F56D105}"/>
-              </a:ext>
-            </a:extLst>
-          </p:cNvPr>
-          <p:cNvGrpSpPr/>
-          <p:nvPr/>
-        </p:nvGrpSpPr>
-        <p:grpSpPr>
-          <a:xfrm>
-            <a:off x="3945526" y="5391515"/>
-            <a:ext cx="1546032" cy="369332"/>
-            <a:chOff x="8627427" y="5048876"/>
-            <a:chExt cx="1546032" cy="369332"/>
-          </a:xfrm>
-        </p:grpSpPr>
-        <p:sp>
-          <p:nvSpPr>
-            <p:cNvPr id="78" name="Rounded Rectangle 38">
-              <a:extLst>
-                <a:ext uri="{FF2B5EF4-FFF2-40B4-BE49-F238E27FC236}">
-                  <a16:creationId xmlns:a16="http://schemas.microsoft.com/office/drawing/2014/main" id="{AF60FAC6-FA2D-4C36-AD86-5D15B679C5F9}"/>
-                </a:ext>
-              </a:extLst>
-            </p:cNvPr>
-            <p:cNvSpPr/>
-            <p:nvPr/>
-          </p:nvSpPr>
-          <p:spPr>
-            <a:xfrm>
-              <a:off x="9912525" y="5100246"/>
-              <a:ext cx="260934" cy="266592"/>
-            </a:xfrm>
-            <a:prstGeom prst="roundRect">
-              <a:avLst/>
-            </a:prstGeom>
-          </p:spPr>
-          <p:style>
-            <a:lnRef idx="2">
-              <a:schemeClr val="dk1"/>
-            </a:lnRef>
-            <a:fillRef idx="1">
-              <a:schemeClr val="lt1"/>
-            </a:fillRef>
-            <a:effectRef idx="0">
-              <a:schemeClr val="dk1"/>
-            </a:effectRef>
-            <a:fontRef idx="minor">
-              <a:schemeClr val="dk1"/>
-            </a:fontRef>
-          </p:style>
-          <p:txBody>
-            <a:bodyPr rtlCol="0" anchor="ctr"/>
-            <a:lstStyle/>
-            <a:p>
-              <a:pPr algn="ctr"/>
-              <a:endParaRPr lang="zh-CN" altLang="en-US" sz="1600" baseline="-25000" dirty="0">
-                <a:latin typeface="Arial" panose="020B0604020202020204" pitchFamily="34" charset="0"/>
-                <a:cs typeface="Arial" panose="020B0604020202020204" pitchFamily="34" charset="0"/>
-              </a:endParaRPr>
-            </a:p>
-          </p:txBody>
-        </p:sp>
-        <p:sp>
-          <p:nvSpPr>
-            <p:cNvPr id="79" name="TextBox 78">
-              <a:extLst>
-                <a:ext uri="{FF2B5EF4-FFF2-40B4-BE49-F238E27FC236}">
-                  <a16:creationId xmlns:a16="http://schemas.microsoft.com/office/drawing/2014/main" id="{CE31C5C4-9577-4405-8C8C-DB11FF5D442D}"/>
-                </a:ext>
-              </a:extLst>
-            </p:cNvPr>
-            <p:cNvSpPr txBox="1"/>
-            <p:nvPr/>
-          </p:nvSpPr>
-          <p:spPr>
-            <a:xfrm>
-              <a:off x="8627427" y="5048876"/>
-              <a:ext cx="1241430" cy="369332"/>
-            </a:xfrm>
-            <a:prstGeom prst="rect">
-              <a:avLst/>
-            </a:prstGeom>
-            <a:noFill/>
-          </p:spPr>
-          <p:txBody>
-            <a:bodyPr wrap="none" rtlCol="0">
-              <a:spAutoFit/>
-            </a:bodyPr>
-            <a:lstStyle/>
-            <a:p>
-              <a:r>
-                <a:rPr lang="en-US" dirty="0"/>
-                <a:t>Delta Node</a:t>
-              </a:r>
-            </a:p>
-          </p:txBody>
-        </p:sp>
-      </p:grpSp>
-      <p:grpSp>
-        <p:nvGrpSpPr>
-          <p:cNvPr id="80" name="Group 79">
-            <a:extLst>
-              <a:ext uri="{FF2B5EF4-FFF2-40B4-BE49-F238E27FC236}">
-                <a16:creationId xmlns:a16="http://schemas.microsoft.com/office/drawing/2014/main" id="{171D54F9-36DE-4123-B3B7-11251E31D1BD}"/>
-              </a:ext>
-            </a:extLst>
-          </p:cNvPr>
-          <p:cNvGrpSpPr/>
-          <p:nvPr/>
-        </p:nvGrpSpPr>
-        <p:grpSpPr>
-          <a:xfrm>
-            <a:off x="1780883" y="5391224"/>
-            <a:ext cx="1510068" cy="369332"/>
-            <a:chOff x="6692216" y="5066832"/>
-            <a:chExt cx="1510068" cy="369332"/>
-          </a:xfrm>
-        </p:grpSpPr>
-        <p:sp>
-          <p:nvSpPr>
-            <p:cNvPr id="81" name="Rounded Rectangle 56">
-              <a:extLst>
-                <a:ext uri="{FF2B5EF4-FFF2-40B4-BE49-F238E27FC236}">
-                  <a16:creationId xmlns:a16="http://schemas.microsoft.com/office/drawing/2014/main" id="{FC6D452C-EF68-49F5-9DEF-790711DE44B8}"/>
-                </a:ext>
-              </a:extLst>
-            </p:cNvPr>
-            <p:cNvSpPr/>
-            <p:nvPr/>
-          </p:nvSpPr>
-          <p:spPr>
-            <a:xfrm>
-              <a:off x="7941350" y="5107576"/>
-              <a:ext cx="260934" cy="266592"/>
-            </a:xfrm>
-            <a:prstGeom prst="roundRect">
-              <a:avLst/>
-            </a:prstGeom>
-            <a:solidFill>
-              <a:schemeClr val="accent3"/>
-            </a:solidFill>
-            <a:ln cmpd="sng">
-              <a:solidFill>
-                <a:schemeClr val="tx1"/>
-              </a:solidFill>
-              <a:prstDash val="solid"/>
-            </a:ln>
-          </p:spPr>
-          <p:style>
-            <a:lnRef idx="2">
-              <a:schemeClr val="accent1">
-                <a:shade val="50000"/>
-              </a:schemeClr>
-            </a:lnRef>
-            <a:fillRef idx="1">
-              <a:schemeClr val="accent1"/>
-            </a:fillRef>
-            <a:effectRef idx="0">
-              <a:schemeClr val="accent1"/>
-            </a:effectRef>
-            <a:fontRef idx="minor">
-              <a:schemeClr val="lt1"/>
-            </a:fontRef>
-          </p:style>
-          <p:txBody>
-            <a:bodyPr rtlCol="0" anchor="ctr"/>
-            <a:lstStyle/>
-            <a:p>
-              <a:endParaRPr lang="en-US" altLang="zh-CN" sz="1600" b="1" dirty="0">
-                <a:solidFill>
-                  <a:schemeClr val="tx1"/>
-                </a:solidFill>
-                <a:latin typeface="Arial" panose="020B0604020202020204" pitchFamily="34" charset="0"/>
-                <a:cs typeface="Arial" panose="020B0604020202020204" pitchFamily="34" charset="0"/>
-              </a:endParaRPr>
-            </a:p>
-          </p:txBody>
-        </p:sp>
-        <p:sp>
-          <p:nvSpPr>
-            <p:cNvPr id="82" name="TextBox 81">
-              <a:extLst>
-                <a:ext uri="{FF2B5EF4-FFF2-40B4-BE49-F238E27FC236}">
-                  <a16:creationId xmlns:a16="http://schemas.microsoft.com/office/drawing/2014/main" id="{8F03EA51-527A-4D92-8ED5-31E49CC67FDF}"/>
-                </a:ext>
-              </a:extLst>
-            </p:cNvPr>
-            <p:cNvSpPr txBox="1"/>
-            <p:nvPr/>
-          </p:nvSpPr>
-          <p:spPr>
-            <a:xfrm>
-              <a:off x="6692216" y="5066832"/>
-              <a:ext cx="1186543" cy="369332"/>
-            </a:xfrm>
-            <a:prstGeom prst="rect">
-              <a:avLst/>
-            </a:prstGeom>
-            <a:noFill/>
-          </p:spPr>
-          <p:txBody>
-            <a:bodyPr wrap="none" rtlCol="0">
-              <a:spAutoFit/>
-            </a:bodyPr>
-            <a:lstStyle/>
-            <a:p>
-              <a:r>
-                <a:rPr lang="en-US" dirty="0"/>
-                <a:t>Base Node</a:t>
-              </a:r>
-            </a:p>
-          </p:txBody>
-        </p:sp>
-      </p:grpSp>
       <p:sp>
         <p:nvSpPr>
           <p:cNvPr id="3" name="Slide Number Placeholder 2">
@@ -18310,12 +18923,442 @@
           <a:p>
             <a:fld id="{47B6D843-D863-45CE-836E-3BAFBA29BED6}" type="slidenum">
               <a:rPr lang="en-US" smtClean="0"/>
-              <a:t>3</a:t>
+              <a:t>4</a:t>
             </a:fld>
             <a:endParaRPr lang="en-US" dirty="0"/>
           </a:p>
         </p:txBody>
       </p:sp>
+      <p:sp>
+        <p:nvSpPr>
+          <p:cNvPr id="66" name="Right Brace 65">
+            <a:extLst>
+              <a:ext uri="{FF2B5EF4-FFF2-40B4-BE49-F238E27FC236}">
+                <a16:creationId xmlns:a16="http://schemas.microsoft.com/office/drawing/2014/main" id="{2853D95D-F76C-4BE9-80AF-A44C37BADAFB}"/>
+              </a:ext>
+            </a:extLst>
+          </p:cNvPr>
+          <p:cNvSpPr/>
+          <p:nvPr/>
+        </p:nvSpPr>
+        <p:spPr>
+          <a:xfrm>
+            <a:off x="9834882" y="3282737"/>
+            <a:ext cx="262699" cy="1588366"/>
+          </a:xfrm>
+          <a:prstGeom prst="rightBrace">
+            <a:avLst/>
+          </a:prstGeom>
+          <a:ln>
+            <a:solidFill>
+              <a:schemeClr val="tx1"/>
+            </a:solidFill>
+          </a:ln>
+        </p:spPr>
+        <p:style>
+          <a:lnRef idx="1">
+            <a:schemeClr val="accent1"/>
+          </a:lnRef>
+          <a:fillRef idx="0">
+            <a:schemeClr val="accent1"/>
+          </a:fillRef>
+          <a:effectRef idx="0">
+            <a:schemeClr val="accent1"/>
+          </a:effectRef>
+          <a:fontRef idx="minor">
+            <a:schemeClr val="tx1"/>
+          </a:fontRef>
+        </p:style>
+        <p:txBody>
+          <a:bodyPr rot="0" spcFirstLastPara="0" vertOverflow="overflow" horzOverflow="overflow" vert="horz" wrap="square" lIns="91440" tIns="45720" rIns="91440" bIns="45720" numCol="1" spcCol="0" rtlCol="0" fromWordArt="0" anchor="ctr" anchorCtr="0" forceAA="0" compatLnSpc="1">
+            <a:prstTxWarp prst="textNoShape">
+              <a:avLst/>
+            </a:prstTxWarp>
+            <a:noAutofit/>
+          </a:bodyPr>
+          <a:lstStyle/>
+          <a:p>
+            <a:pPr algn="ctr"/>
+            <a:endParaRPr lang="en-US"/>
+          </a:p>
+        </p:txBody>
+      </p:sp>
+      <p:sp>
+        <p:nvSpPr>
+          <p:cNvPr id="67" name="TextBox 66">
+            <a:extLst>
+              <a:ext uri="{FF2B5EF4-FFF2-40B4-BE49-F238E27FC236}">
+                <a16:creationId xmlns:a16="http://schemas.microsoft.com/office/drawing/2014/main" id="{5CD2D8A8-F1B7-4E50-AA05-C9524A9155A0}"/>
+              </a:ext>
+            </a:extLst>
+          </p:cNvPr>
+          <p:cNvSpPr txBox="1"/>
+          <p:nvPr/>
+        </p:nvSpPr>
+        <p:spPr>
+          <a:xfrm>
+            <a:off x="10173459" y="3780448"/>
+            <a:ext cx="1818575" cy="523220"/>
+          </a:xfrm>
+          <a:prstGeom prst="rect">
+            <a:avLst/>
+          </a:prstGeom>
+          <a:noFill/>
+        </p:spPr>
+        <p:txBody>
+          <a:bodyPr wrap="none" rtlCol="0">
+            <a:spAutoFit/>
+          </a:bodyPr>
+          <a:lstStyle/>
+          <a:p>
+            <a:r>
+              <a:rPr lang="en-US" sz="2800" dirty="0"/>
+              <a:t>Delta chain</a:t>
+            </a:r>
+          </a:p>
+        </p:txBody>
+      </p:sp>
+      <p:grpSp>
+        <p:nvGrpSpPr>
+          <p:cNvPr id="68" name="Group 67">
+            <a:extLst>
+              <a:ext uri="{FF2B5EF4-FFF2-40B4-BE49-F238E27FC236}">
+                <a16:creationId xmlns:a16="http://schemas.microsoft.com/office/drawing/2014/main" id="{3CE1D84C-8D1F-402D-9E1B-3AA6E67E256A}"/>
+              </a:ext>
+            </a:extLst>
+          </p:cNvPr>
+          <p:cNvGrpSpPr/>
+          <p:nvPr/>
+        </p:nvGrpSpPr>
+        <p:grpSpPr>
+          <a:xfrm>
+            <a:off x="840493" y="5547992"/>
+            <a:ext cx="7787440" cy="532009"/>
+            <a:chOff x="1288835" y="5312498"/>
+            <a:chExt cx="7787440" cy="532009"/>
+          </a:xfrm>
+        </p:grpSpPr>
+        <p:grpSp>
+          <p:nvGrpSpPr>
+            <p:cNvPr id="71" name="Group 70">
+              <a:extLst>
+                <a:ext uri="{FF2B5EF4-FFF2-40B4-BE49-F238E27FC236}">
+                  <a16:creationId xmlns:a16="http://schemas.microsoft.com/office/drawing/2014/main" id="{FCBEE9BF-DFE5-4F68-AD14-718A3FF97ACF}"/>
+                </a:ext>
+              </a:extLst>
+            </p:cNvPr>
+            <p:cNvGrpSpPr/>
+            <p:nvPr/>
+          </p:nvGrpSpPr>
+          <p:grpSpPr>
+            <a:xfrm>
+              <a:off x="6089207" y="5321287"/>
+              <a:ext cx="2987068" cy="523220"/>
+              <a:chOff x="5840050" y="5860978"/>
+              <a:chExt cx="2987068" cy="523220"/>
+            </a:xfrm>
+          </p:grpSpPr>
+          <p:cxnSp>
+            <p:nvCxnSpPr>
+              <p:cNvPr id="87" name="Straight Arrow Connector 86">
+                <a:extLst>
+                  <a:ext uri="{FF2B5EF4-FFF2-40B4-BE49-F238E27FC236}">
+                    <a16:creationId xmlns:a16="http://schemas.microsoft.com/office/drawing/2014/main" id="{014B2C8F-585F-4D8A-996B-D171165E2D7A}"/>
+                  </a:ext>
+                </a:extLst>
+              </p:cNvPr>
+              <p:cNvCxnSpPr>
+                <a:cxnSpLocks/>
+              </p:cNvCxnSpPr>
+              <p:nvPr/>
+            </p:nvCxnSpPr>
+            <p:spPr>
+              <a:xfrm>
+                <a:off x="8345350" y="6122588"/>
+                <a:ext cx="481768" cy="0"/>
+              </a:xfrm>
+              <a:prstGeom prst="straightConnector1">
+                <a:avLst/>
+              </a:prstGeom>
+              <a:ln>
+                <a:solidFill>
+                  <a:schemeClr val="tx1"/>
+                </a:solidFill>
+                <a:prstDash val="solid"/>
+                <a:tailEnd type="triangle"/>
+              </a:ln>
+            </p:spPr>
+            <p:style>
+              <a:lnRef idx="1">
+                <a:schemeClr val="accent1"/>
+              </a:lnRef>
+              <a:fillRef idx="0">
+                <a:schemeClr val="accent1"/>
+              </a:fillRef>
+              <a:effectRef idx="0">
+                <a:schemeClr val="accent1"/>
+              </a:effectRef>
+              <a:fontRef idx="minor">
+                <a:schemeClr val="tx1"/>
+              </a:fontRef>
+            </p:style>
+          </p:cxnSp>
+          <p:sp>
+            <p:nvSpPr>
+              <p:cNvPr id="88" name="TextBox 87">
+                <a:extLst>
+                  <a:ext uri="{FF2B5EF4-FFF2-40B4-BE49-F238E27FC236}">
+                    <a16:creationId xmlns:a16="http://schemas.microsoft.com/office/drawing/2014/main" id="{ADC484F2-4B67-41F1-81F5-503F35E1D44C}"/>
+                  </a:ext>
+                </a:extLst>
+              </p:cNvPr>
+              <p:cNvSpPr txBox="1"/>
+              <p:nvPr/>
+            </p:nvSpPr>
+            <p:spPr>
+              <a:xfrm>
+                <a:off x="5840050" y="5860978"/>
+                <a:ext cx="2473691" cy="523220"/>
+              </a:xfrm>
+              <a:prstGeom prst="rect">
+                <a:avLst/>
+              </a:prstGeom>
+              <a:noFill/>
+            </p:spPr>
+            <p:txBody>
+              <a:bodyPr wrap="none" rtlCol="0">
+                <a:spAutoFit/>
+              </a:bodyPr>
+              <a:lstStyle/>
+              <a:p>
+                <a:r>
+                  <a:rPr lang="en-US" sz="2800" dirty="0"/>
+                  <a:t>Physical Pointer</a:t>
+                </a:r>
+              </a:p>
+            </p:txBody>
+          </p:sp>
+        </p:grpSp>
+        <p:grpSp>
+          <p:nvGrpSpPr>
+            <p:cNvPr id="72" name="Group 71">
+              <a:extLst>
+                <a:ext uri="{FF2B5EF4-FFF2-40B4-BE49-F238E27FC236}">
+                  <a16:creationId xmlns:a16="http://schemas.microsoft.com/office/drawing/2014/main" id="{CF74D114-3AD2-46F4-A47B-FD01087FE8D1}"/>
+                </a:ext>
+              </a:extLst>
+            </p:cNvPr>
+            <p:cNvGrpSpPr/>
+            <p:nvPr/>
+          </p:nvGrpSpPr>
+          <p:grpSpPr>
+            <a:xfrm>
+              <a:off x="3684078" y="5321287"/>
+              <a:ext cx="2070140" cy="523220"/>
+              <a:chOff x="3407240" y="5588215"/>
+              <a:chExt cx="2070140" cy="523220"/>
+            </a:xfrm>
+          </p:grpSpPr>
+          <p:sp>
+            <p:nvSpPr>
+              <p:cNvPr id="85" name="Rounded Rectangle 38">
+                <a:extLst>
+                  <a:ext uri="{FF2B5EF4-FFF2-40B4-BE49-F238E27FC236}">
+                    <a16:creationId xmlns:a16="http://schemas.microsoft.com/office/drawing/2014/main" id="{8C885B0A-1DEA-4D18-9387-28EC8F335D49}"/>
+                  </a:ext>
+                </a:extLst>
+              </p:cNvPr>
+              <p:cNvSpPr/>
+              <p:nvPr/>
+            </p:nvSpPr>
+            <p:spPr>
+              <a:xfrm>
+                <a:off x="5216446" y="5702422"/>
+                <a:ext cx="260934" cy="266592"/>
+              </a:xfrm>
+              <a:prstGeom prst="roundRect">
+                <a:avLst/>
+              </a:prstGeom>
+            </p:spPr>
+            <p:style>
+              <a:lnRef idx="2">
+                <a:schemeClr val="dk1"/>
+              </a:lnRef>
+              <a:fillRef idx="1">
+                <a:schemeClr val="lt1"/>
+              </a:fillRef>
+              <a:effectRef idx="0">
+                <a:schemeClr val="dk1"/>
+              </a:effectRef>
+              <a:fontRef idx="minor">
+                <a:schemeClr val="dk1"/>
+              </a:fontRef>
+            </p:style>
+            <p:txBody>
+              <a:bodyPr rtlCol="0" anchor="ctr"/>
+              <a:lstStyle/>
+              <a:p>
+                <a:pPr algn="ctr"/>
+                <a:endParaRPr lang="zh-CN" altLang="en-US" sz="2800" baseline="-25000" dirty="0">
+                  <a:latin typeface="Arial" panose="020B0604020202020204" pitchFamily="34" charset="0"/>
+                  <a:cs typeface="Arial" panose="020B0604020202020204" pitchFamily="34" charset="0"/>
+                </a:endParaRPr>
+              </a:p>
+            </p:txBody>
+          </p:sp>
+          <p:sp>
+            <p:nvSpPr>
+              <p:cNvPr id="86" name="TextBox 85">
+                <a:extLst>
+                  <a:ext uri="{FF2B5EF4-FFF2-40B4-BE49-F238E27FC236}">
+                    <a16:creationId xmlns:a16="http://schemas.microsoft.com/office/drawing/2014/main" id="{736DA37F-CDAE-45D9-8F46-9F2BD58EE299}"/>
+                  </a:ext>
+                </a:extLst>
+              </p:cNvPr>
+              <p:cNvSpPr txBox="1"/>
+              <p:nvPr/>
+            </p:nvSpPr>
+            <p:spPr>
+              <a:xfrm>
+                <a:off x="3407240" y="5588215"/>
+                <a:ext cx="1823384" cy="523220"/>
+              </a:xfrm>
+              <a:prstGeom prst="rect">
+                <a:avLst/>
+              </a:prstGeom>
+              <a:noFill/>
+            </p:spPr>
+            <p:txBody>
+              <a:bodyPr wrap="none" rtlCol="0">
+                <a:spAutoFit/>
+              </a:bodyPr>
+              <a:lstStyle/>
+              <a:p>
+                <a:r>
+                  <a:rPr lang="en-US" sz="2800" dirty="0"/>
+                  <a:t>Delta Node</a:t>
+                </a:r>
+              </a:p>
+            </p:txBody>
+          </p:sp>
+        </p:grpSp>
+        <p:grpSp>
+          <p:nvGrpSpPr>
+            <p:cNvPr id="73" name="Group 72">
+              <a:extLst>
+                <a:ext uri="{FF2B5EF4-FFF2-40B4-BE49-F238E27FC236}">
+                  <a16:creationId xmlns:a16="http://schemas.microsoft.com/office/drawing/2014/main" id="{C7F3173F-D2EF-4EC2-A00E-1AD3CD177DCD}"/>
+                </a:ext>
+              </a:extLst>
+            </p:cNvPr>
+            <p:cNvGrpSpPr/>
+            <p:nvPr/>
+          </p:nvGrpSpPr>
+          <p:grpSpPr>
+            <a:xfrm>
+              <a:off x="1288835" y="5312498"/>
+              <a:ext cx="2002116" cy="523220"/>
+              <a:chOff x="1288835" y="5312498"/>
+              <a:chExt cx="2002116" cy="523220"/>
+            </a:xfrm>
+          </p:grpSpPr>
+          <p:sp>
+            <p:nvSpPr>
+              <p:cNvPr id="83" name="Rounded Rectangle 56">
+                <a:extLst>
+                  <a:ext uri="{FF2B5EF4-FFF2-40B4-BE49-F238E27FC236}">
+                    <a16:creationId xmlns:a16="http://schemas.microsoft.com/office/drawing/2014/main" id="{6AE2A072-BA4B-42C5-83E4-EF01DA6AD833}"/>
+                  </a:ext>
+                </a:extLst>
+              </p:cNvPr>
+              <p:cNvSpPr/>
+              <p:nvPr/>
+            </p:nvSpPr>
+            <p:spPr>
+              <a:xfrm>
+                <a:off x="3030017" y="5431968"/>
+                <a:ext cx="260934" cy="266592"/>
+              </a:xfrm>
+              <a:prstGeom prst="roundRect">
+                <a:avLst/>
+              </a:prstGeom>
+              <a:solidFill>
+                <a:schemeClr val="accent3"/>
+              </a:solidFill>
+              <a:ln cmpd="sng">
+                <a:solidFill>
+                  <a:schemeClr val="tx1"/>
+                </a:solidFill>
+                <a:prstDash val="solid"/>
+              </a:ln>
+            </p:spPr>
+            <p:style>
+              <a:lnRef idx="2">
+                <a:schemeClr val="accent1">
+                  <a:shade val="50000"/>
+                </a:schemeClr>
+              </a:lnRef>
+              <a:fillRef idx="1">
+                <a:schemeClr val="accent1"/>
+              </a:fillRef>
+              <a:effectRef idx="0">
+                <a:schemeClr val="accent1"/>
+              </a:effectRef>
+              <a:fontRef idx="minor">
+                <a:schemeClr val="lt1"/>
+              </a:fontRef>
+            </p:style>
+            <p:txBody>
+              <a:bodyPr rtlCol="0" anchor="ctr"/>
+              <a:lstStyle/>
+              <a:p>
+                <a:endParaRPr lang="en-US" altLang="zh-CN" sz="2800" b="1" dirty="0">
+                  <a:solidFill>
+                    <a:schemeClr val="tx1"/>
+                  </a:solidFill>
+                  <a:latin typeface="Arial" panose="020B0604020202020204" pitchFamily="34" charset="0"/>
+                  <a:cs typeface="Arial" panose="020B0604020202020204" pitchFamily="34" charset="0"/>
+                </a:endParaRPr>
+              </a:p>
+            </p:txBody>
+          </p:sp>
+          <p:sp>
+            <p:nvSpPr>
+              <p:cNvPr id="84" name="TextBox 83">
+                <a:extLst>
+                  <a:ext uri="{FF2B5EF4-FFF2-40B4-BE49-F238E27FC236}">
+                    <a16:creationId xmlns:a16="http://schemas.microsoft.com/office/drawing/2014/main" id="{9EC3E741-9E23-4CFE-AE5A-4FD4628DB219}"/>
+                  </a:ext>
+                </a:extLst>
+              </p:cNvPr>
+              <p:cNvSpPr txBox="1"/>
+              <p:nvPr/>
+            </p:nvSpPr>
+            <p:spPr>
+              <a:xfrm>
+                <a:off x="1288835" y="5312498"/>
+                <a:ext cx="1741182" cy="523220"/>
+              </a:xfrm>
+              <a:prstGeom prst="rect">
+                <a:avLst/>
+              </a:prstGeom>
+              <a:noFill/>
+            </p:spPr>
+            <p:txBody>
+              <a:bodyPr wrap="none" rtlCol="0">
+                <a:spAutoFit/>
+              </a:bodyPr>
+              <a:lstStyle/>
+              <a:p>
+                <a:r>
+                  <a:rPr lang="en-US" sz="2800" dirty="0"/>
+                  <a:t>Base Node</a:t>
+                </a:r>
+              </a:p>
+            </p:txBody>
+          </p:sp>
+        </p:grpSp>
+      </p:grpSp>
     </p:spTree>
     <p:extLst>
       <p:ext uri="{BB962C8B-B14F-4D97-AF65-F5344CB8AC3E}">
@@ -18329,7 +19372,7 @@
 </p:sld>
 </file>
 
-<file path=ppt/slides/slide4.xml><?xml version="1.0" encoding="utf-8"?>
+<file path=ppt/slides/slide5.xml><?xml version="1.0" encoding="utf-8"?>
 <p:sld xmlns:a="http://schemas.openxmlformats.org/drawingml/2006/main" xmlns:r="http://schemas.openxmlformats.org/officeDocument/2006/relationships" xmlns:p="http://schemas.openxmlformats.org/presentationml/2006/main">
   <p:cSld>
     <p:spTree>
@@ -20525,326 +21568,6 @@
           </a:p>
         </p:txBody>
       </p:sp>
-      <p:grpSp>
-        <p:nvGrpSpPr>
-          <p:cNvPr id="74" name="Group 73">
-            <a:extLst>
-              <a:ext uri="{FF2B5EF4-FFF2-40B4-BE49-F238E27FC236}">
-                <a16:creationId xmlns:a16="http://schemas.microsoft.com/office/drawing/2014/main" id="{98F73465-E63E-4281-8286-AE824148D3E1}"/>
-              </a:ext>
-            </a:extLst>
-          </p:cNvPr>
-          <p:cNvGrpSpPr/>
-          <p:nvPr/>
-        </p:nvGrpSpPr>
-        <p:grpSpPr>
-          <a:xfrm>
-            <a:off x="6147345" y="5381777"/>
-            <a:ext cx="2088013" cy="369332"/>
-            <a:chOff x="4272018" y="5059947"/>
-            <a:chExt cx="2088013" cy="369332"/>
-          </a:xfrm>
-        </p:grpSpPr>
-        <p:cxnSp>
-          <p:nvCxnSpPr>
-            <p:cNvPr id="75" name="Straight Arrow Connector 74">
-              <a:extLst>
-                <a:ext uri="{FF2B5EF4-FFF2-40B4-BE49-F238E27FC236}">
-                  <a16:creationId xmlns:a16="http://schemas.microsoft.com/office/drawing/2014/main" id="{1C83DAA9-4B4C-4C04-B6C5-1A7D1C253F2C}"/>
-                </a:ext>
-              </a:extLst>
-            </p:cNvPr>
-            <p:cNvCxnSpPr>
-              <a:cxnSpLocks/>
-            </p:cNvCxnSpPr>
-            <p:nvPr/>
-          </p:nvCxnSpPr>
-          <p:spPr>
-            <a:xfrm>
-              <a:off x="5878263" y="5257313"/>
-              <a:ext cx="481768" cy="0"/>
-            </a:xfrm>
-            <a:prstGeom prst="straightConnector1">
-              <a:avLst/>
-            </a:prstGeom>
-            <a:ln>
-              <a:solidFill>
-                <a:schemeClr val="tx1"/>
-              </a:solidFill>
-              <a:prstDash val="solid"/>
-              <a:tailEnd type="triangle"/>
-            </a:ln>
-          </p:spPr>
-          <p:style>
-            <a:lnRef idx="1">
-              <a:schemeClr val="accent1"/>
-            </a:lnRef>
-            <a:fillRef idx="0">
-              <a:schemeClr val="accent1"/>
-            </a:fillRef>
-            <a:effectRef idx="0">
-              <a:schemeClr val="accent1"/>
-            </a:effectRef>
-            <a:fontRef idx="minor">
-              <a:schemeClr val="tx1"/>
-            </a:fontRef>
-          </p:style>
-        </p:cxnSp>
-        <p:sp>
-          <p:nvSpPr>
-            <p:cNvPr id="76" name="TextBox 75">
-              <a:extLst>
-                <a:ext uri="{FF2B5EF4-FFF2-40B4-BE49-F238E27FC236}">
-                  <a16:creationId xmlns:a16="http://schemas.microsoft.com/office/drawing/2014/main" id="{41DE2A09-9148-4C96-8132-ED1FEBEB8C8D}"/>
-                </a:ext>
-              </a:extLst>
-            </p:cNvPr>
-            <p:cNvSpPr txBox="1"/>
-            <p:nvPr/>
-          </p:nvSpPr>
-          <p:spPr>
-            <a:xfrm>
-              <a:off x="4272018" y="5059947"/>
-              <a:ext cx="1656287" cy="369332"/>
-            </a:xfrm>
-            <a:prstGeom prst="rect">
-              <a:avLst/>
-            </a:prstGeom>
-            <a:noFill/>
-          </p:spPr>
-          <p:txBody>
-            <a:bodyPr wrap="none" rtlCol="0">
-              <a:spAutoFit/>
-            </a:bodyPr>
-            <a:lstStyle/>
-            <a:p>
-              <a:r>
-                <a:rPr lang="en-US" dirty="0"/>
-                <a:t>Physical Pointer</a:t>
-              </a:r>
-            </a:p>
-          </p:txBody>
-        </p:sp>
-      </p:grpSp>
-      <p:grpSp>
-        <p:nvGrpSpPr>
-          <p:cNvPr id="77" name="Group 76">
-            <a:extLst>
-              <a:ext uri="{FF2B5EF4-FFF2-40B4-BE49-F238E27FC236}">
-                <a16:creationId xmlns:a16="http://schemas.microsoft.com/office/drawing/2014/main" id="{4B4F44A8-A7DE-4C77-B2DE-52FD72846013}"/>
-              </a:ext>
-            </a:extLst>
-          </p:cNvPr>
-          <p:cNvGrpSpPr/>
-          <p:nvPr/>
-        </p:nvGrpSpPr>
-        <p:grpSpPr>
-          <a:xfrm>
-            <a:off x="3945526" y="5391515"/>
-            <a:ext cx="1546032" cy="369332"/>
-            <a:chOff x="8627427" y="5048876"/>
-            <a:chExt cx="1546032" cy="369332"/>
-          </a:xfrm>
-        </p:grpSpPr>
-        <p:sp>
-          <p:nvSpPr>
-            <p:cNvPr id="78" name="Rounded Rectangle 38">
-              <a:extLst>
-                <a:ext uri="{FF2B5EF4-FFF2-40B4-BE49-F238E27FC236}">
-                  <a16:creationId xmlns:a16="http://schemas.microsoft.com/office/drawing/2014/main" id="{97332AE5-560B-4DA3-B078-D810D0239F8D}"/>
-                </a:ext>
-              </a:extLst>
-            </p:cNvPr>
-            <p:cNvSpPr/>
-            <p:nvPr/>
-          </p:nvSpPr>
-          <p:spPr>
-            <a:xfrm>
-              <a:off x="9912525" y="5100246"/>
-              <a:ext cx="260934" cy="266592"/>
-            </a:xfrm>
-            <a:prstGeom prst="roundRect">
-              <a:avLst/>
-            </a:prstGeom>
-          </p:spPr>
-          <p:style>
-            <a:lnRef idx="2">
-              <a:schemeClr val="dk1"/>
-            </a:lnRef>
-            <a:fillRef idx="1">
-              <a:schemeClr val="lt1"/>
-            </a:fillRef>
-            <a:effectRef idx="0">
-              <a:schemeClr val="dk1"/>
-            </a:effectRef>
-            <a:fontRef idx="minor">
-              <a:schemeClr val="dk1"/>
-            </a:fontRef>
-          </p:style>
-          <p:txBody>
-            <a:bodyPr rtlCol="0" anchor="ctr"/>
-            <a:lstStyle/>
-            <a:p>
-              <a:pPr algn="ctr"/>
-              <a:endParaRPr lang="zh-CN" altLang="en-US" sz="1600" baseline="-25000" dirty="0">
-                <a:latin typeface="Arial" panose="020B0604020202020204" pitchFamily="34" charset="0"/>
-                <a:cs typeface="Arial" panose="020B0604020202020204" pitchFamily="34" charset="0"/>
-              </a:endParaRPr>
-            </a:p>
-          </p:txBody>
-        </p:sp>
-        <p:sp>
-          <p:nvSpPr>
-            <p:cNvPr id="79" name="TextBox 78">
-              <a:extLst>
-                <a:ext uri="{FF2B5EF4-FFF2-40B4-BE49-F238E27FC236}">
-                  <a16:creationId xmlns:a16="http://schemas.microsoft.com/office/drawing/2014/main" id="{46D0FAE1-2684-43B1-9494-E8649CBFE12B}"/>
-                </a:ext>
-              </a:extLst>
-            </p:cNvPr>
-            <p:cNvSpPr txBox="1"/>
-            <p:nvPr/>
-          </p:nvSpPr>
-          <p:spPr>
-            <a:xfrm>
-              <a:off x="8627427" y="5048876"/>
-              <a:ext cx="1241430" cy="369332"/>
-            </a:xfrm>
-            <a:prstGeom prst="rect">
-              <a:avLst/>
-            </a:prstGeom>
-            <a:noFill/>
-          </p:spPr>
-          <p:txBody>
-            <a:bodyPr wrap="none" rtlCol="0">
-              <a:spAutoFit/>
-            </a:bodyPr>
-            <a:lstStyle/>
-            <a:p>
-              <a:r>
-                <a:rPr lang="en-US" dirty="0"/>
-                <a:t>Delta Node</a:t>
-              </a:r>
-            </a:p>
-          </p:txBody>
-        </p:sp>
-      </p:grpSp>
-      <p:grpSp>
-        <p:nvGrpSpPr>
-          <p:cNvPr id="80" name="Group 79">
-            <a:extLst>
-              <a:ext uri="{FF2B5EF4-FFF2-40B4-BE49-F238E27FC236}">
-                <a16:creationId xmlns:a16="http://schemas.microsoft.com/office/drawing/2014/main" id="{904ACF63-9CB0-4565-8645-CB5D7DF25E60}"/>
-              </a:ext>
-            </a:extLst>
-          </p:cNvPr>
-          <p:cNvGrpSpPr/>
-          <p:nvPr/>
-        </p:nvGrpSpPr>
-        <p:grpSpPr>
-          <a:xfrm>
-            <a:off x="1780883" y="5391224"/>
-            <a:ext cx="1510068" cy="369332"/>
-            <a:chOff x="6692216" y="5066832"/>
-            <a:chExt cx="1510068" cy="369332"/>
-          </a:xfrm>
-        </p:grpSpPr>
-        <p:sp>
-          <p:nvSpPr>
-            <p:cNvPr id="81" name="Rounded Rectangle 56">
-              <a:extLst>
-                <a:ext uri="{FF2B5EF4-FFF2-40B4-BE49-F238E27FC236}">
-                  <a16:creationId xmlns:a16="http://schemas.microsoft.com/office/drawing/2014/main" id="{F52B9F90-82EE-4945-9824-2F0FFC89B6A9}"/>
-                </a:ext>
-              </a:extLst>
-            </p:cNvPr>
-            <p:cNvSpPr/>
-            <p:nvPr/>
-          </p:nvSpPr>
-          <p:spPr>
-            <a:xfrm>
-              <a:off x="7941350" y="5107576"/>
-              <a:ext cx="260934" cy="266592"/>
-            </a:xfrm>
-            <a:prstGeom prst="roundRect">
-              <a:avLst/>
-            </a:prstGeom>
-            <a:solidFill>
-              <a:schemeClr val="accent3"/>
-            </a:solidFill>
-            <a:ln cmpd="sng">
-              <a:solidFill>
-                <a:schemeClr val="tx1"/>
-              </a:solidFill>
-              <a:prstDash val="solid"/>
-            </a:ln>
-          </p:spPr>
-          <p:style>
-            <a:lnRef idx="2">
-              <a:schemeClr val="accent1">
-                <a:shade val="50000"/>
-              </a:schemeClr>
-            </a:lnRef>
-            <a:fillRef idx="1">
-              <a:schemeClr val="accent1"/>
-            </a:fillRef>
-            <a:effectRef idx="0">
-              <a:schemeClr val="accent1"/>
-            </a:effectRef>
-            <a:fontRef idx="minor">
-              <a:schemeClr val="lt1"/>
-            </a:fontRef>
-          </p:style>
-          <p:txBody>
-            <a:bodyPr rtlCol="0" anchor="ctr"/>
-            <a:lstStyle/>
-            <a:p>
-              <a:endParaRPr lang="en-US" altLang="zh-CN" sz="1600" b="1" dirty="0">
-                <a:solidFill>
-                  <a:schemeClr val="tx1"/>
-                </a:solidFill>
-                <a:latin typeface="Arial" panose="020B0604020202020204" pitchFamily="34" charset="0"/>
-                <a:cs typeface="Arial" panose="020B0604020202020204" pitchFamily="34" charset="0"/>
-              </a:endParaRPr>
-            </a:p>
-          </p:txBody>
-        </p:sp>
-        <p:sp>
-          <p:nvSpPr>
-            <p:cNvPr id="82" name="TextBox 81">
-              <a:extLst>
-                <a:ext uri="{FF2B5EF4-FFF2-40B4-BE49-F238E27FC236}">
-                  <a16:creationId xmlns:a16="http://schemas.microsoft.com/office/drawing/2014/main" id="{7ED8B901-F2A0-4A4F-A306-C72676E75F09}"/>
-                </a:ext>
-              </a:extLst>
-            </p:cNvPr>
-            <p:cNvSpPr txBox="1"/>
-            <p:nvPr/>
-          </p:nvSpPr>
-          <p:spPr>
-            <a:xfrm>
-              <a:off x="6692216" y="5066832"/>
-              <a:ext cx="1186543" cy="369332"/>
-            </a:xfrm>
-            <a:prstGeom prst="rect">
-              <a:avLst/>
-            </a:prstGeom>
-            <a:noFill/>
-          </p:spPr>
-          <p:txBody>
-            <a:bodyPr wrap="none" rtlCol="0">
-              <a:spAutoFit/>
-            </a:bodyPr>
-            <a:lstStyle/>
-            <a:p>
-              <a:r>
-                <a:rPr lang="en-US" dirty="0"/>
-                <a:t>Base Node</a:t>
-              </a:r>
-            </a:p>
-          </p:txBody>
-        </p:sp>
-      </p:grpSp>
       <p:sp>
         <p:nvSpPr>
           <p:cNvPr id="3" name="Slide Number Placeholder 2">
@@ -20861,19 +21584,454 @@
             <p:ph type="sldNum" sz="quarter" idx="12"/>
           </p:nvPr>
         </p:nvSpPr>
-        <p:spPr/>
+        <p:spPr>
+          <a:xfrm>
+            <a:off x="8610600" y="6356352"/>
+            <a:ext cx="2743200" cy="365125"/>
+          </a:xfrm>
+        </p:spPr>
         <p:txBody>
           <a:bodyPr/>
           <a:lstStyle/>
           <a:p>
             <a:fld id="{47B6D843-D863-45CE-836E-3BAFBA29BED6}" type="slidenum">
               <a:rPr lang="en-US" smtClean="0"/>
-              <a:t>4</a:t>
+              <a:t>5</a:t>
             </a:fld>
             <a:endParaRPr lang="en-US" dirty="0"/>
           </a:p>
         </p:txBody>
       </p:sp>
+      <p:sp>
+        <p:nvSpPr>
+          <p:cNvPr id="66" name="Right Brace 65">
+            <a:extLst>
+              <a:ext uri="{FF2B5EF4-FFF2-40B4-BE49-F238E27FC236}">
+                <a16:creationId xmlns:a16="http://schemas.microsoft.com/office/drawing/2014/main" id="{877AC734-71D4-4C37-97B1-6A383E6AFE53}"/>
+              </a:ext>
+            </a:extLst>
+          </p:cNvPr>
+          <p:cNvSpPr/>
+          <p:nvPr/>
+        </p:nvSpPr>
+        <p:spPr>
+          <a:xfrm>
+            <a:off x="9834882" y="3282737"/>
+            <a:ext cx="262699" cy="1588366"/>
+          </a:xfrm>
+          <a:prstGeom prst="rightBrace">
+            <a:avLst/>
+          </a:prstGeom>
+          <a:ln>
+            <a:solidFill>
+              <a:schemeClr val="tx1"/>
+            </a:solidFill>
+          </a:ln>
+        </p:spPr>
+        <p:style>
+          <a:lnRef idx="1">
+            <a:schemeClr val="accent1"/>
+          </a:lnRef>
+          <a:fillRef idx="0">
+            <a:schemeClr val="accent1"/>
+          </a:fillRef>
+          <a:effectRef idx="0">
+            <a:schemeClr val="accent1"/>
+          </a:effectRef>
+          <a:fontRef idx="minor">
+            <a:schemeClr val="tx1"/>
+          </a:fontRef>
+        </p:style>
+        <p:txBody>
+          <a:bodyPr rot="0" spcFirstLastPara="0" vertOverflow="overflow" horzOverflow="overflow" vert="horz" wrap="square" lIns="91440" tIns="45720" rIns="91440" bIns="45720" numCol="1" spcCol="0" rtlCol="0" fromWordArt="0" anchor="ctr" anchorCtr="0" forceAA="0" compatLnSpc="1">
+            <a:prstTxWarp prst="textNoShape">
+              <a:avLst/>
+            </a:prstTxWarp>
+            <a:noAutofit/>
+          </a:bodyPr>
+          <a:lstStyle/>
+          <a:p>
+            <a:pPr algn="ctr"/>
+            <a:endParaRPr lang="en-US"/>
+          </a:p>
+        </p:txBody>
+      </p:sp>
+      <p:sp>
+        <p:nvSpPr>
+          <p:cNvPr id="67" name="TextBox 66">
+            <a:extLst>
+              <a:ext uri="{FF2B5EF4-FFF2-40B4-BE49-F238E27FC236}">
+                <a16:creationId xmlns:a16="http://schemas.microsoft.com/office/drawing/2014/main" id="{9DB7AD22-691F-4B2B-9E7D-4DDEFCCE3D23}"/>
+              </a:ext>
+            </a:extLst>
+          </p:cNvPr>
+          <p:cNvSpPr txBox="1"/>
+          <p:nvPr/>
+        </p:nvSpPr>
+        <p:spPr>
+          <a:xfrm>
+            <a:off x="10173459" y="3780448"/>
+            <a:ext cx="1818575" cy="523220"/>
+          </a:xfrm>
+          <a:prstGeom prst="rect">
+            <a:avLst/>
+          </a:prstGeom>
+          <a:noFill/>
+        </p:spPr>
+        <p:txBody>
+          <a:bodyPr wrap="none" rtlCol="0">
+            <a:spAutoFit/>
+          </a:bodyPr>
+          <a:lstStyle/>
+          <a:p>
+            <a:r>
+              <a:rPr lang="en-US" sz="2800" dirty="0"/>
+              <a:t>Delta chain</a:t>
+            </a:r>
+          </a:p>
+        </p:txBody>
+      </p:sp>
+      <p:grpSp>
+        <p:nvGrpSpPr>
+          <p:cNvPr id="91" name="Group 90">
+            <a:extLst>
+              <a:ext uri="{FF2B5EF4-FFF2-40B4-BE49-F238E27FC236}">
+                <a16:creationId xmlns:a16="http://schemas.microsoft.com/office/drawing/2014/main" id="{BEAB5DDF-96D5-4EA2-B2C0-A1ADB52BEAE2}"/>
+              </a:ext>
+            </a:extLst>
+          </p:cNvPr>
+          <p:cNvGrpSpPr/>
+          <p:nvPr/>
+        </p:nvGrpSpPr>
+        <p:grpSpPr>
+          <a:xfrm>
+            <a:off x="840493" y="5547992"/>
+            <a:ext cx="7787440" cy="532009"/>
+            <a:chOff x="1288835" y="5312498"/>
+            <a:chExt cx="7787440" cy="532009"/>
+          </a:xfrm>
+        </p:grpSpPr>
+        <p:grpSp>
+          <p:nvGrpSpPr>
+            <p:cNvPr id="92" name="Group 91">
+              <a:extLst>
+                <a:ext uri="{FF2B5EF4-FFF2-40B4-BE49-F238E27FC236}">
+                  <a16:creationId xmlns:a16="http://schemas.microsoft.com/office/drawing/2014/main" id="{78E47A0C-1C57-45B7-9D11-5D768953C49E}"/>
+                </a:ext>
+              </a:extLst>
+            </p:cNvPr>
+            <p:cNvGrpSpPr/>
+            <p:nvPr/>
+          </p:nvGrpSpPr>
+          <p:grpSpPr>
+            <a:xfrm>
+              <a:off x="6089207" y="5321287"/>
+              <a:ext cx="2987068" cy="523220"/>
+              <a:chOff x="5840050" y="5860978"/>
+              <a:chExt cx="2987068" cy="523220"/>
+            </a:xfrm>
+          </p:grpSpPr>
+          <p:cxnSp>
+            <p:nvCxnSpPr>
+              <p:cNvPr id="99" name="Straight Arrow Connector 98">
+                <a:extLst>
+                  <a:ext uri="{FF2B5EF4-FFF2-40B4-BE49-F238E27FC236}">
+                    <a16:creationId xmlns:a16="http://schemas.microsoft.com/office/drawing/2014/main" id="{D6D8AF63-2E71-47FC-8834-4F5D4A73254E}"/>
+                  </a:ext>
+                </a:extLst>
+              </p:cNvPr>
+              <p:cNvCxnSpPr>
+                <a:cxnSpLocks/>
+              </p:cNvCxnSpPr>
+              <p:nvPr/>
+            </p:nvCxnSpPr>
+            <p:spPr>
+              <a:xfrm>
+                <a:off x="8345350" y="6122588"/>
+                <a:ext cx="481768" cy="0"/>
+              </a:xfrm>
+              <a:prstGeom prst="straightConnector1">
+                <a:avLst/>
+              </a:prstGeom>
+              <a:ln>
+                <a:solidFill>
+                  <a:schemeClr val="tx1"/>
+                </a:solidFill>
+                <a:prstDash val="solid"/>
+                <a:tailEnd type="triangle"/>
+              </a:ln>
+            </p:spPr>
+            <p:style>
+              <a:lnRef idx="1">
+                <a:schemeClr val="accent1"/>
+              </a:lnRef>
+              <a:fillRef idx="0">
+                <a:schemeClr val="accent1"/>
+              </a:fillRef>
+              <a:effectRef idx="0">
+                <a:schemeClr val="accent1"/>
+              </a:effectRef>
+              <a:fontRef idx="minor">
+                <a:schemeClr val="tx1"/>
+              </a:fontRef>
+            </p:style>
+          </p:cxnSp>
+          <p:sp>
+            <p:nvSpPr>
+              <p:cNvPr id="100" name="TextBox 99">
+                <a:extLst>
+                  <a:ext uri="{FF2B5EF4-FFF2-40B4-BE49-F238E27FC236}">
+                    <a16:creationId xmlns:a16="http://schemas.microsoft.com/office/drawing/2014/main" id="{6D238584-2DDC-4C43-A6DE-444CBD24BDED}"/>
+                  </a:ext>
+                </a:extLst>
+              </p:cNvPr>
+              <p:cNvSpPr txBox="1"/>
+              <p:nvPr/>
+            </p:nvSpPr>
+            <p:spPr>
+              <a:xfrm>
+                <a:off x="5840050" y="5860978"/>
+                <a:ext cx="2473691" cy="523220"/>
+              </a:xfrm>
+              <a:prstGeom prst="rect">
+                <a:avLst/>
+              </a:prstGeom>
+              <a:noFill/>
+            </p:spPr>
+            <p:txBody>
+              <a:bodyPr wrap="none" rtlCol="0">
+                <a:spAutoFit/>
+              </a:bodyPr>
+              <a:lstStyle/>
+              <a:p>
+                <a:r>
+                  <a:rPr lang="en-US" sz="2800" dirty="0"/>
+                  <a:t>Physical Pointer</a:t>
+                </a:r>
+              </a:p>
+            </p:txBody>
+          </p:sp>
+        </p:grpSp>
+        <p:grpSp>
+          <p:nvGrpSpPr>
+            <p:cNvPr id="93" name="Group 92">
+              <a:extLst>
+                <a:ext uri="{FF2B5EF4-FFF2-40B4-BE49-F238E27FC236}">
+                  <a16:creationId xmlns:a16="http://schemas.microsoft.com/office/drawing/2014/main" id="{328AAF97-F618-4190-AFC2-AD41D01FA2C1}"/>
+                </a:ext>
+              </a:extLst>
+            </p:cNvPr>
+            <p:cNvGrpSpPr/>
+            <p:nvPr/>
+          </p:nvGrpSpPr>
+          <p:grpSpPr>
+            <a:xfrm>
+              <a:off x="3684078" y="5321287"/>
+              <a:ext cx="2070140" cy="523220"/>
+              <a:chOff x="3407240" y="5588215"/>
+              <a:chExt cx="2070140" cy="523220"/>
+            </a:xfrm>
+          </p:grpSpPr>
+          <p:sp>
+            <p:nvSpPr>
+              <p:cNvPr id="97" name="Rounded Rectangle 38">
+                <a:extLst>
+                  <a:ext uri="{FF2B5EF4-FFF2-40B4-BE49-F238E27FC236}">
+                    <a16:creationId xmlns:a16="http://schemas.microsoft.com/office/drawing/2014/main" id="{1BF56AEC-EFEF-4337-BCA2-BD8AC405E720}"/>
+                  </a:ext>
+                </a:extLst>
+              </p:cNvPr>
+              <p:cNvSpPr/>
+              <p:nvPr/>
+            </p:nvSpPr>
+            <p:spPr>
+              <a:xfrm>
+                <a:off x="5216446" y="5702422"/>
+                <a:ext cx="260934" cy="266592"/>
+              </a:xfrm>
+              <a:prstGeom prst="roundRect">
+                <a:avLst/>
+              </a:prstGeom>
+            </p:spPr>
+            <p:style>
+              <a:lnRef idx="2">
+                <a:schemeClr val="dk1"/>
+              </a:lnRef>
+              <a:fillRef idx="1">
+                <a:schemeClr val="lt1"/>
+              </a:fillRef>
+              <a:effectRef idx="0">
+                <a:schemeClr val="dk1"/>
+              </a:effectRef>
+              <a:fontRef idx="minor">
+                <a:schemeClr val="dk1"/>
+              </a:fontRef>
+            </p:style>
+            <p:txBody>
+              <a:bodyPr rtlCol="0" anchor="ctr"/>
+              <a:lstStyle/>
+              <a:p>
+                <a:pPr algn="ctr"/>
+                <a:endParaRPr lang="zh-CN" altLang="en-US" sz="2800" baseline="-25000" dirty="0">
+                  <a:latin typeface="Arial" panose="020B0604020202020204" pitchFamily="34" charset="0"/>
+                  <a:cs typeface="Arial" panose="020B0604020202020204" pitchFamily="34" charset="0"/>
+                </a:endParaRPr>
+              </a:p>
+            </p:txBody>
+          </p:sp>
+          <p:sp>
+            <p:nvSpPr>
+              <p:cNvPr id="98" name="TextBox 97">
+                <a:extLst>
+                  <a:ext uri="{FF2B5EF4-FFF2-40B4-BE49-F238E27FC236}">
+                    <a16:creationId xmlns:a16="http://schemas.microsoft.com/office/drawing/2014/main" id="{0F9432E9-B0B4-4428-8137-05F054AA52F1}"/>
+                  </a:ext>
+                </a:extLst>
+              </p:cNvPr>
+              <p:cNvSpPr txBox="1"/>
+              <p:nvPr/>
+            </p:nvSpPr>
+            <p:spPr>
+              <a:xfrm>
+                <a:off x="3407240" y="5588215"/>
+                <a:ext cx="1823384" cy="523220"/>
+              </a:xfrm>
+              <a:prstGeom prst="rect">
+                <a:avLst/>
+              </a:prstGeom>
+              <a:noFill/>
+            </p:spPr>
+            <p:txBody>
+              <a:bodyPr wrap="none" rtlCol="0">
+                <a:spAutoFit/>
+              </a:bodyPr>
+              <a:lstStyle/>
+              <a:p>
+                <a:r>
+                  <a:rPr lang="en-US" sz="2800" dirty="0"/>
+                  <a:t>Delta Node</a:t>
+                </a:r>
+              </a:p>
+            </p:txBody>
+          </p:sp>
+        </p:grpSp>
+        <p:grpSp>
+          <p:nvGrpSpPr>
+            <p:cNvPr id="94" name="Group 93">
+              <a:extLst>
+                <a:ext uri="{FF2B5EF4-FFF2-40B4-BE49-F238E27FC236}">
+                  <a16:creationId xmlns:a16="http://schemas.microsoft.com/office/drawing/2014/main" id="{F4280DC4-7521-4EF2-8935-67D80D029763}"/>
+                </a:ext>
+              </a:extLst>
+            </p:cNvPr>
+            <p:cNvGrpSpPr/>
+            <p:nvPr/>
+          </p:nvGrpSpPr>
+          <p:grpSpPr>
+            <a:xfrm>
+              <a:off x="1288835" y="5312498"/>
+              <a:ext cx="2002116" cy="523220"/>
+              <a:chOff x="1288835" y="5312498"/>
+              <a:chExt cx="2002116" cy="523220"/>
+            </a:xfrm>
+          </p:grpSpPr>
+          <p:sp>
+            <p:nvSpPr>
+              <p:cNvPr id="95" name="Rounded Rectangle 56">
+                <a:extLst>
+                  <a:ext uri="{FF2B5EF4-FFF2-40B4-BE49-F238E27FC236}">
+                    <a16:creationId xmlns:a16="http://schemas.microsoft.com/office/drawing/2014/main" id="{7AB4AD14-403C-4B8C-A134-B496DD03C574}"/>
+                  </a:ext>
+                </a:extLst>
+              </p:cNvPr>
+              <p:cNvSpPr/>
+              <p:nvPr/>
+            </p:nvSpPr>
+            <p:spPr>
+              <a:xfrm>
+                <a:off x="3030017" y="5431968"/>
+                <a:ext cx="260934" cy="266592"/>
+              </a:xfrm>
+              <a:prstGeom prst="roundRect">
+                <a:avLst/>
+              </a:prstGeom>
+              <a:solidFill>
+                <a:schemeClr val="accent3"/>
+              </a:solidFill>
+              <a:ln cmpd="sng">
+                <a:solidFill>
+                  <a:schemeClr val="tx1"/>
+                </a:solidFill>
+                <a:prstDash val="solid"/>
+              </a:ln>
+            </p:spPr>
+            <p:style>
+              <a:lnRef idx="2">
+                <a:schemeClr val="accent1">
+                  <a:shade val="50000"/>
+                </a:schemeClr>
+              </a:lnRef>
+              <a:fillRef idx="1">
+                <a:schemeClr val="accent1"/>
+              </a:fillRef>
+              <a:effectRef idx="0">
+                <a:schemeClr val="accent1"/>
+              </a:effectRef>
+              <a:fontRef idx="minor">
+                <a:schemeClr val="lt1"/>
+              </a:fontRef>
+            </p:style>
+            <p:txBody>
+              <a:bodyPr rtlCol="0" anchor="ctr"/>
+              <a:lstStyle/>
+              <a:p>
+                <a:endParaRPr lang="en-US" altLang="zh-CN" sz="2800" b="1" dirty="0">
+                  <a:solidFill>
+                    <a:schemeClr val="tx1"/>
+                  </a:solidFill>
+                  <a:latin typeface="Arial" panose="020B0604020202020204" pitchFamily="34" charset="0"/>
+                  <a:cs typeface="Arial" panose="020B0604020202020204" pitchFamily="34" charset="0"/>
+                </a:endParaRPr>
+              </a:p>
+            </p:txBody>
+          </p:sp>
+          <p:sp>
+            <p:nvSpPr>
+              <p:cNvPr id="96" name="TextBox 95">
+                <a:extLst>
+                  <a:ext uri="{FF2B5EF4-FFF2-40B4-BE49-F238E27FC236}">
+                    <a16:creationId xmlns:a16="http://schemas.microsoft.com/office/drawing/2014/main" id="{D7855275-C7AE-4B89-9808-30BC5C2AA1F5}"/>
+                  </a:ext>
+                </a:extLst>
+              </p:cNvPr>
+              <p:cNvSpPr txBox="1"/>
+              <p:nvPr/>
+            </p:nvSpPr>
+            <p:spPr>
+              <a:xfrm>
+                <a:off x="1288835" y="5312498"/>
+                <a:ext cx="1741182" cy="523220"/>
+              </a:xfrm>
+              <a:prstGeom prst="rect">
+                <a:avLst/>
+              </a:prstGeom>
+              <a:noFill/>
+            </p:spPr>
+            <p:txBody>
+              <a:bodyPr wrap="none" rtlCol="0">
+                <a:spAutoFit/>
+              </a:bodyPr>
+              <a:lstStyle/>
+              <a:p>
+                <a:r>
+                  <a:rPr lang="en-US" sz="2800" dirty="0"/>
+                  <a:t>Base Node</a:t>
+                </a:r>
+              </a:p>
+            </p:txBody>
+          </p:sp>
+        </p:grpSp>
+      </p:grpSp>
     </p:spTree>
     <p:extLst>
       <p:ext uri="{BB962C8B-B14F-4D97-AF65-F5344CB8AC3E}">
@@ -20887,7 +22045,7 @@
 </p:sld>
 </file>
 
-<file path=ppt/slides/slide5.xml><?xml version="1.0" encoding="utf-8"?>
+<file path=ppt/slides/slide6.xml><?xml version="1.0" encoding="utf-8"?>
 <p:sld xmlns:a="http://schemas.openxmlformats.org/drawingml/2006/main" xmlns:r="http://schemas.openxmlformats.org/officeDocument/2006/relationships" xmlns:p="http://schemas.openxmlformats.org/presentationml/2006/main">
   <p:cSld>
     <p:spTree>
@@ -23429,208 +24587,6 @@
           </a:p>
         </p:txBody>
       </p:sp>
-      <p:grpSp>
-        <p:nvGrpSpPr>
-          <p:cNvPr id="104" name="Group 103">
-            <a:extLst>
-              <a:ext uri="{FF2B5EF4-FFF2-40B4-BE49-F238E27FC236}">
-                <a16:creationId xmlns:a16="http://schemas.microsoft.com/office/drawing/2014/main" id="{F1510EF4-53A3-4086-BA8B-8EB51FC1F3F9}"/>
-              </a:ext>
-            </a:extLst>
-          </p:cNvPr>
-          <p:cNvGrpSpPr/>
-          <p:nvPr/>
-        </p:nvGrpSpPr>
-        <p:grpSpPr>
-          <a:xfrm>
-            <a:off x="8895538" y="5381777"/>
-            <a:ext cx="2088013" cy="369332"/>
-            <a:chOff x="1818432" y="5066832"/>
-            <a:chExt cx="2088013" cy="369332"/>
-          </a:xfrm>
-        </p:grpSpPr>
-        <p:cxnSp>
-          <p:nvCxnSpPr>
-            <p:cNvPr id="65" name="Straight Arrow Connector 64">
-              <a:extLst>
-                <a:ext uri="{FF2B5EF4-FFF2-40B4-BE49-F238E27FC236}">
-                  <a16:creationId xmlns:a16="http://schemas.microsoft.com/office/drawing/2014/main" id="{62773253-6B3F-4EDF-A85B-2F9CEC7C3631}"/>
-                </a:ext>
-              </a:extLst>
-            </p:cNvPr>
-            <p:cNvCxnSpPr>
-              <a:cxnSpLocks/>
-            </p:cNvCxnSpPr>
-            <p:nvPr/>
-          </p:nvCxnSpPr>
-          <p:spPr>
-            <a:xfrm>
-              <a:off x="3424677" y="5264198"/>
-              <a:ext cx="481768" cy="0"/>
-            </a:xfrm>
-            <a:prstGeom prst="straightConnector1">
-              <a:avLst/>
-            </a:prstGeom>
-            <a:ln>
-              <a:solidFill>
-                <a:schemeClr val="tx1"/>
-              </a:solidFill>
-              <a:prstDash val="dash"/>
-              <a:tailEnd type="triangle"/>
-            </a:ln>
-          </p:spPr>
-          <p:style>
-            <a:lnRef idx="1">
-              <a:schemeClr val="accent1"/>
-            </a:lnRef>
-            <a:fillRef idx="0">
-              <a:schemeClr val="accent1"/>
-            </a:fillRef>
-            <a:effectRef idx="0">
-              <a:schemeClr val="accent1"/>
-            </a:effectRef>
-            <a:fontRef idx="minor">
-              <a:schemeClr val="tx1"/>
-            </a:fontRef>
-          </p:style>
-        </p:cxnSp>
-        <p:sp>
-          <p:nvSpPr>
-            <p:cNvPr id="66" name="TextBox 65">
-              <a:extLst>
-                <a:ext uri="{FF2B5EF4-FFF2-40B4-BE49-F238E27FC236}">
-                  <a16:creationId xmlns:a16="http://schemas.microsoft.com/office/drawing/2014/main" id="{25DB031B-FEB4-4FEF-BDD8-7A4FC76B8379}"/>
-                </a:ext>
-              </a:extLst>
-            </p:cNvPr>
-            <p:cNvSpPr txBox="1"/>
-            <p:nvPr/>
-          </p:nvSpPr>
-          <p:spPr>
-            <a:xfrm>
-              <a:off x="1818432" y="5066832"/>
-              <a:ext cx="1556901" cy="369332"/>
-            </a:xfrm>
-            <a:prstGeom prst="rect">
-              <a:avLst/>
-            </a:prstGeom>
-            <a:noFill/>
-          </p:spPr>
-          <p:txBody>
-            <a:bodyPr wrap="none" rtlCol="0">
-              <a:spAutoFit/>
-            </a:bodyPr>
-            <a:lstStyle/>
-            <a:p>
-              <a:r>
-                <a:rPr lang="en-US" dirty="0"/>
-                <a:t>Logical Pointer</a:t>
-              </a:r>
-            </a:p>
-          </p:txBody>
-        </p:sp>
-      </p:grpSp>
-      <p:grpSp>
-        <p:nvGrpSpPr>
-          <p:cNvPr id="105" name="Group 104">
-            <a:extLst>
-              <a:ext uri="{FF2B5EF4-FFF2-40B4-BE49-F238E27FC236}">
-                <a16:creationId xmlns:a16="http://schemas.microsoft.com/office/drawing/2014/main" id="{844E4867-CAFD-47B6-9EB8-5DEE1741ED14}"/>
-              </a:ext>
-            </a:extLst>
-          </p:cNvPr>
-          <p:cNvGrpSpPr/>
-          <p:nvPr/>
-        </p:nvGrpSpPr>
-        <p:grpSpPr>
-          <a:xfrm>
-            <a:off x="6147345" y="5381777"/>
-            <a:ext cx="2088013" cy="369332"/>
-            <a:chOff x="4272018" y="5059947"/>
-            <a:chExt cx="2088013" cy="369332"/>
-          </a:xfrm>
-        </p:grpSpPr>
-        <p:cxnSp>
-          <p:nvCxnSpPr>
-            <p:cNvPr id="67" name="Straight Arrow Connector 66">
-              <a:extLst>
-                <a:ext uri="{FF2B5EF4-FFF2-40B4-BE49-F238E27FC236}">
-                  <a16:creationId xmlns:a16="http://schemas.microsoft.com/office/drawing/2014/main" id="{EE2438FB-A404-4765-82FF-6F922D51E069}"/>
-                </a:ext>
-              </a:extLst>
-            </p:cNvPr>
-            <p:cNvCxnSpPr>
-              <a:cxnSpLocks/>
-            </p:cNvCxnSpPr>
-            <p:nvPr/>
-          </p:nvCxnSpPr>
-          <p:spPr>
-            <a:xfrm>
-              <a:off x="5878263" y="5257313"/>
-              <a:ext cx="481768" cy="0"/>
-            </a:xfrm>
-            <a:prstGeom prst="straightConnector1">
-              <a:avLst/>
-            </a:prstGeom>
-            <a:ln>
-              <a:solidFill>
-                <a:schemeClr val="tx1"/>
-              </a:solidFill>
-              <a:prstDash val="solid"/>
-              <a:tailEnd type="triangle"/>
-            </a:ln>
-          </p:spPr>
-          <p:style>
-            <a:lnRef idx="1">
-              <a:schemeClr val="accent1"/>
-            </a:lnRef>
-            <a:fillRef idx="0">
-              <a:schemeClr val="accent1"/>
-            </a:fillRef>
-            <a:effectRef idx="0">
-              <a:schemeClr val="accent1"/>
-            </a:effectRef>
-            <a:fontRef idx="minor">
-              <a:schemeClr val="tx1"/>
-            </a:fontRef>
-          </p:style>
-        </p:cxnSp>
-        <p:sp>
-          <p:nvSpPr>
-            <p:cNvPr id="68" name="TextBox 67">
-              <a:extLst>
-                <a:ext uri="{FF2B5EF4-FFF2-40B4-BE49-F238E27FC236}">
-                  <a16:creationId xmlns:a16="http://schemas.microsoft.com/office/drawing/2014/main" id="{37D3D82D-577F-4650-A6EC-010B2D67C005}"/>
-                </a:ext>
-              </a:extLst>
-            </p:cNvPr>
-            <p:cNvSpPr txBox="1"/>
-            <p:nvPr/>
-          </p:nvSpPr>
-          <p:spPr>
-            <a:xfrm>
-              <a:off x="4272018" y="5059947"/>
-              <a:ext cx="1656287" cy="369332"/>
-            </a:xfrm>
-            <a:prstGeom prst="rect">
-              <a:avLst/>
-            </a:prstGeom>
-            <a:noFill/>
-          </p:spPr>
-          <p:txBody>
-            <a:bodyPr wrap="none" rtlCol="0">
-              <a:spAutoFit/>
-            </a:bodyPr>
-            <a:lstStyle/>
-            <a:p>
-              <a:r>
-                <a:rPr lang="en-US" dirty="0"/>
-                <a:t>Physical Pointer</a:t>
-              </a:r>
-            </a:p>
-          </p:txBody>
-        </p:sp>
-      </p:grpSp>
       <p:sp>
         <p:nvSpPr>
           <p:cNvPr id="69" name="Rounded Rectangle 56">
@@ -23857,109 +24813,6 @@
           </a:fontRef>
         </p:style>
       </p:cxnSp>
-      <p:grpSp>
-        <p:nvGrpSpPr>
-          <p:cNvPr id="107" name="Group 106">
-            <a:extLst>
-              <a:ext uri="{FF2B5EF4-FFF2-40B4-BE49-F238E27FC236}">
-                <a16:creationId xmlns:a16="http://schemas.microsoft.com/office/drawing/2014/main" id="{B9B7CC84-B2BB-42B8-8115-9F196A658B81}"/>
-              </a:ext>
-            </a:extLst>
-          </p:cNvPr>
-          <p:cNvGrpSpPr/>
-          <p:nvPr/>
-        </p:nvGrpSpPr>
-        <p:grpSpPr>
-          <a:xfrm>
-            <a:off x="3945526" y="5391515"/>
-            <a:ext cx="1546032" cy="369332"/>
-            <a:chOff x="8627427" y="5048876"/>
-            <a:chExt cx="1546032" cy="369332"/>
-          </a:xfrm>
-        </p:grpSpPr>
-        <p:sp>
-          <p:nvSpPr>
-            <p:cNvPr id="82" name="Rounded Rectangle 38">
-              <a:extLst>
-                <a:ext uri="{FF2B5EF4-FFF2-40B4-BE49-F238E27FC236}">
-                  <a16:creationId xmlns:a16="http://schemas.microsoft.com/office/drawing/2014/main" id="{3A6590C6-BDE3-4920-B7C4-E68700A244EE}"/>
-                </a:ext>
-              </a:extLst>
-            </p:cNvPr>
-            <p:cNvSpPr/>
-            <p:nvPr/>
-          </p:nvSpPr>
-          <p:spPr>
-            <a:xfrm>
-              <a:off x="9912525" y="5100246"/>
-              <a:ext cx="260934" cy="266592"/>
-            </a:xfrm>
-            <a:prstGeom prst="roundRect">
-              <a:avLst/>
-            </a:prstGeom>
-          </p:spPr>
-          <p:style>
-            <a:lnRef idx="2">
-              <a:schemeClr val="dk1"/>
-            </a:lnRef>
-            <a:fillRef idx="1">
-              <a:schemeClr val="lt1"/>
-            </a:fillRef>
-            <a:effectRef idx="0">
-              <a:schemeClr val="dk1"/>
-            </a:effectRef>
-            <a:fontRef idx="minor">
-              <a:schemeClr val="dk1"/>
-            </a:fontRef>
-          </p:style>
-          <p:txBody>
-            <a:bodyPr rtlCol="0" anchor="ctr"/>
-            <a:lstStyle/>
-            <a:p>
-              <a:pPr algn="ctr"/>
-              <a:endParaRPr lang="zh-CN" altLang="en-US" sz="1600" baseline="-25000" dirty="0">
-                <a:latin typeface="Arial" panose="020B0604020202020204" pitchFamily="34" charset="0"/>
-                <a:cs typeface="Arial" panose="020B0604020202020204" pitchFamily="34" charset="0"/>
-              </a:endParaRPr>
-            </a:p>
-          </p:txBody>
-        </p:sp>
-        <p:sp>
-          <p:nvSpPr>
-            <p:cNvPr id="84" name="TextBox 83">
-              <a:extLst>
-                <a:ext uri="{FF2B5EF4-FFF2-40B4-BE49-F238E27FC236}">
-                  <a16:creationId xmlns:a16="http://schemas.microsoft.com/office/drawing/2014/main" id="{3A056122-6E81-4F61-933E-CB8119DD6582}"/>
-                </a:ext>
-              </a:extLst>
-            </p:cNvPr>
-            <p:cNvSpPr txBox="1"/>
-            <p:nvPr/>
-          </p:nvSpPr>
-          <p:spPr>
-            <a:xfrm>
-              <a:off x="8627427" y="5048876"/>
-              <a:ext cx="1241430" cy="369332"/>
-            </a:xfrm>
-            <a:prstGeom prst="rect">
-              <a:avLst/>
-            </a:prstGeom>
-            <a:noFill/>
-          </p:spPr>
-          <p:txBody>
-            <a:bodyPr wrap="none" rtlCol="0">
-              <a:spAutoFit/>
-            </a:bodyPr>
-            <a:lstStyle/>
-            <a:p>
-              <a:r>
-                <a:rPr lang="en-US" dirty="0"/>
-                <a:t>Delta Node</a:t>
-              </a:r>
-            </a:p>
-          </p:txBody>
-        </p:sp>
-      </p:grpSp>
       <p:cxnSp>
         <p:nvCxnSpPr>
           <p:cNvPr id="73" name="Connector: Curved 72">
@@ -24062,122 +24915,6 @@
           </a:fontRef>
         </p:style>
       </p:cxnSp>
-      <p:grpSp>
-        <p:nvGrpSpPr>
-          <p:cNvPr id="106" name="Group 105">
-            <a:extLst>
-              <a:ext uri="{FF2B5EF4-FFF2-40B4-BE49-F238E27FC236}">
-                <a16:creationId xmlns:a16="http://schemas.microsoft.com/office/drawing/2014/main" id="{11F0D72E-25F0-46DC-B5EC-1C7D0573972F}"/>
-              </a:ext>
-            </a:extLst>
-          </p:cNvPr>
-          <p:cNvGrpSpPr/>
-          <p:nvPr/>
-        </p:nvGrpSpPr>
-        <p:grpSpPr>
-          <a:xfrm>
-            <a:off x="1780883" y="5391224"/>
-            <a:ext cx="1510068" cy="369332"/>
-            <a:chOff x="6692216" y="5066832"/>
-            <a:chExt cx="1510068" cy="369332"/>
-          </a:xfrm>
-        </p:grpSpPr>
-        <p:sp>
-          <p:nvSpPr>
-            <p:cNvPr id="102" name="Rounded Rectangle 56">
-              <a:extLst>
-                <a:ext uri="{FF2B5EF4-FFF2-40B4-BE49-F238E27FC236}">
-                  <a16:creationId xmlns:a16="http://schemas.microsoft.com/office/drawing/2014/main" id="{2D7A7E2D-43A2-4600-98C4-E3EBB401AF80}"/>
-                </a:ext>
-              </a:extLst>
-            </p:cNvPr>
-            <p:cNvSpPr/>
-            <p:nvPr/>
-          </p:nvSpPr>
-          <p:spPr>
-            <a:xfrm>
-              <a:off x="7941350" y="5107576"/>
-              <a:ext cx="260934" cy="266592"/>
-            </a:xfrm>
-            <a:prstGeom prst="roundRect">
-              <a:avLst/>
-            </a:prstGeom>
-            <a:solidFill>
-              <a:schemeClr val="accent3"/>
-            </a:solidFill>
-            <a:ln cmpd="sng">
-              <a:solidFill>
-                <a:schemeClr val="tx1"/>
-              </a:solidFill>
-              <a:prstDash val="solid"/>
-            </a:ln>
-          </p:spPr>
-          <p:style>
-            <a:lnRef idx="2">
-              <a:schemeClr val="accent1">
-                <a:shade val="50000"/>
-              </a:schemeClr>
-            </a:lnRef>
-            <a:fillRef idx="1">
-              <a:schemeClr val="accent1"/>
-            </a:fillRef>
-            <a:effectRef idx="0">
-              <a:schemeClr val="accent1"/>
-            </a:effectRef>
-            <a:fontRef idx="minor">
-              <a:schemeClr val="lt1"/>
-            </a:fontRef>
-          </p:style>
-          <p:txBody>
-            <a:bodyPr rtlCol="0" anchor="ctr"/>
-            <a:lstStyle/>
-            <a:p>
-              <a:endParaRPr lang="en-US" altLang="zh-CN" sz="1600" b="1" dirty="0">
-                <a:solidFill>
-                  <a:schemeClr val="tx1"/>
-                </a:solidFill>
-                <a:latin typeface="Arial" panose="020B0604020202020204" pitchFamily="34" charset="0"/>
-                <a:cs typeface="Arial" panose="020B0604020202020204" pitchFamily="34" charset="0"/>
-              </a:endParaRPr>
-            </a:p>
-          </p:txBody>
-        </p:sp>
-        <p:sp>
-          <p:nvSpPr>
-            <p:cNvPr id="103" name="TextBox 102">
-              <a:extLst>
-                <a:ext uri="{FF2B5EF4-FFF2-40B4-BE49-F238E27FC236}">
-                  <a16:creationId xmlns:a16="http://schemas.microsoft.com/office/drawing/2014/main" id="{5C53A56C-4882-4AB5-8E47-D4432F08F369}"/>
-                </a:ext>
-              </a:extLst>
-            </p:cNvPr>
-            <p:cNvSpPr txBox="1"/>
-            <p:nvPr/>
-          </p:nvSpPr>
-          <p:spPr>
-            <a:xfrm>
-              <a:off x="6692216" y="5066832"/>
-              <a:ext cx="1186543" cy="369332"/>
-            </a:xfrm>
-            <a:prstGeom prst="rect">
-              <a:avLst/>
-            </a:prstGeom>
-            <a:noFill/>
-          </p:spPr>
-          <p:txBody>
-            <a:bodyPr wrap="none" rtlCol="0">
-              <a:spAutoFit/>
-            </a:bodyPr>
-            <a:lstStyle/>
-            <a:p>
-              <a:r>
-                <a:rPr lang="en-US" dirty="0"/>
-                <a:t>Base Node</a:t>
-              </a:r>
-            </a:p>
-          </p:txBody>
-        </p:sp>
-      </p:grpSp>
       <p:sp>
         <p:nvSpPr>
           <p:cNvPr id="3" name="Slide Number Placeholder 2">
@@ -24201,12 +24938,543 @@
           <a:p>
             <a:fld id="{47B6D843-D863-45CE-836E-3BAFBA29BED6}" type="slidenum">
               <a:rPr lang="en-US" smtClean="0"/>
-              <a:t>5</a:t>
+              <a:t>6</a:t>
             </a:fld>
             <a:endParaRPr lang="en-US" dirty="0"/>
           </a:p>
         </p:txBody>
       </p:sp>
+      <p:sp>
+        <p:nvSpPr>
+          <p:cNvPr id="83" name="Right Brace 82">
+            <a:extLst>
+              <a:ext uri="{FF2B5EF4-FFF2-40B4-BE49-F238E27FC236}">
+                <a16:creationId xmlns:a16="http://schemas.microsoft.com/office/drawing/2014/main" id="{9905414B-2164-429B-8AC7-7BC0200CFE30}"/>
+              </a:ext>
+            </a:extLst>
+          </p:cNvPr>
+          <p:cNvSpPr/>
+          <p:nvPr/>
+        </p:nvSpPr>
+        <p:spPr>
+          <a:xfrm>
+            <a:off x="9834882" y="3282737"/>
+            <a:ext cx="262699" cy="1588366"/>
+          </a:xfrm>
+          <a:prstGeom prst="rightBrace">
+            <a:avLst/>
+          </a:prstGeom>
+          <a:ln>
+            <a:solidFill>
+              <a:schemeClr val="tx1"/>
+            </a:solidFill>
+          </a:ln>
+        </p:spPr>
+        <p:style>
+          <a:lnRef idx="1">
+            <a:schemeClr val="accent1"/>
+          </a:lnRef>
+          <a:fillRef idx="0">
+            <a:schemeClr val="accent1"/>
+          </a:fillRef>
+          <a:effectRef idx="0">
+            <a:schemeClr val="accent1"/>
+          </a:effectRef>
+          <a:fontRef idx="minor">
+            <a:schemeClr val="tx1"/>
+          </a:fontRef>
+        </p:style>
+        <p:txBody>
+          <a:bodyPr rot="0" spcFirstLastPara="0" vertOverflow="overflow" horzOverflow="overflow" vert="horz" wrap="square" lIns="91440" tIns="45720" rIns="91440" bIns="45720" numCol="1" spcCol="0" rtlCol="0" fromWordArt="0" anchor="ctr" anchorCtr="0" forceAA="0" compatLnSpc="1">
+            <a:prstTxWarp prst="textNoShape">
+              <a:avLst/>
+            </a:prstTxWarp>
+            <a:noAutofit/>
+          </a:bodyPr>
+          <a:lstStyle/>
+          <a:p>
+            <a:pPr algn="ctr"/>
+            <a:endParaRPr lang="en-US"/>
+          </a:p>
+        </p:txBody>
+      </p:sp>
+      <p:sp>
+        <p:nvSpPr>
+          <p:cNvPr id="85" name="TextBox 84">
+            <a:extLst>
+              <a:ext uri="{FF2B5EF4-FFF2-40B4-BE49-F238E27FC236}">
+                <a16:creationId xmlns:a16="http://schemas.microsoft.com/office/drawing/2014/main" id="{F94442DE-687E-463A-AC01-596495885F3A}"/>
+              </a:ext>
+            </a:extLst>
+          </p:cNvPr>
+          <p:cNvSpPr txBox="1"/>
+          <p:nvPr/>
+        </p:nvSpPr>
+        <p:spPr>
+          <a:xfrm>
+            <a:off x="10173459" y="3780448"/>
+            <a:ext cx="1818575" cy="523220"/>
+          </a:xfrm>
+          <a:prstGeom prst="rect">
+            <a:avLst/>
+          </a:prstGeom>
+          <a:noFill/>
+        </p:spPr>
+        <p:txBody>
+          <a:bodyPr wrap="none" rtlCol="0">
+            <a:spAutoFit/>
+          </a:bodyPr>
+          <a:lstStyle/>
+          <a:p>
+            <a:r>
+              <a:rPr lang="en-US" sz="2800" dirty="0"/>
+              <a:t>Delta chain</a:t>
+            </a:r>
+          </a:p>
+        </p:txBody>
+      </p:sp>
+      <p:grpSp>
+        <p:nvGrpSpPr>
+          <p:cNvPr id="86" name="Group 85">
+            <a:extLst>
+              <a:ext uri="{FF2B5EF4-FFF2-40B4-BE49-F238E27FC236}">
+                <a16:creationId xmlns:a16="http://schemas.microsoft.com/office/drawing/2014/main" id="{AA1F0101-DF9A-4534-A8EE-5416C9510DFD}"/>
+              </a:ext>
+            </a:extLst>
+          </p:cNvPr>
+          <p:cNvGrpSpPr/>
+          <p:nvPr/>
+        </p:nvGrpSpPr>
+        <p:grpSpPr>
+          <a:xfrm>
+            <a:off x="840493" y="5539148"/>
+            <a:ext cx="10889943" cy="540853"/>
+            <a:chOff x="1288835" y="5303654"/>
+            <a:chExt cx="10889943" cy="540853"/>
+          </a:xfrm>
+        </p:grpSpPr>
+        <p:grpSp>
+          <p:nvGrpSpPr>
+            <p:cNvPr id="87" name="Group 86">
+              <a:extLst>
+                <a:ext uri="{FF2B5EF4-FFF2-40B4-BE49-F238E27FC236}">
+                  <a16:creationId xmlns:a16="http://schemas.microsoft.com/office/drawing/2014/main" id="{9FE332AB-8AF3-49A3-A9FA-219BB4081CBF}"/>
+                </a:ext>
+              </a:extLst>
+            </p:cNvPr>
+            <p:cNvGrpSpPr/>
+            <p:nvPr/>
+          </p:nvGrpSpPr>
+          <p:grpSpPr>
+            <a:xfrm>
+              <a:off x="9383235" y="5303654"/>
+              <a:ext cx="2795543" cy="523220"/>
+              <a:chOff x="4304747" y="6009090"/>
+              <a:chExt cx="2795543" cy="523220"/>
+            </a:xfrm>
+          </p:grpSpPr>
+          <p:cxnSp>
+            <p:nvCxnSpPr>
+              <p:cNvPr id="98" name="Straight Arrow Connector 97">
+                <a:extLst>
+                  <a:ext uri="{FF2B5EF4-FFF2-40B4-BE49-F238E27FC236}">
+                    <a16:creationId xmlns:a16="http://schemas.microsoft.com/office/drawing/2014/main" id="{15146297-FF2A-4791-8F43-7DFEDB966666}"/>
+                  </a:ext>
+                </a:extLst>
+              </p:cNvPr>
+              <p:cNvCxnSpPr>
+                <a:cxnSpLocks/>
+              </p:cNvCxnSpPr>
+              <p:nvPr/>
+            </p:nvCxnSpPr>
+            <p:spPr>
+              <a:xfrm>
+                <a:off x="6618522" y="6281430"/>
+                <a:ext cx="481768" cy="0"/>
+              </a:xfrm>
+              <a:prstGeom prst="straightConnector1">
+                <a:avLst/>
+              </a:prstGeom>
+              <a:ln>
+                <a:solidFill>
+                  <a:schemeClr val="tx1"/>
+                </a:solidFill>
+                <a:prstDash val="dash"/>
+                <a:tailEnd type="triangle"/>
+              </a:ln>
+            </p:spPr>
+            <p:style>
+              <a:lnRef idx="1">
+                <a:schemeClr val="accent1"/>
+              </a:lnRef>
+              <a:fillRef idx="0">
+                <a:schemeClr val="accent1"/>
+              </a:fillRef>
+              <a:effectRef idx="0">
+                <a:schemeClr val="accent1"/>
+              </a:effectRef>
+              <a:fontRef idx="minor">
+                <a:schemeClr val="tx1"/>
+              </a:fontRef>
+            </p:style>
+          </p:cxnSp>
+          <p:sp>
+            <p:nvSpPr>
+              <p:cNvPr id="99" name="TextBox 98">
+                <a:extLst>
+                  <a:ext uri="{FF2B5EF4-FFF2-40B4-BE49-F238E27FC236}">
+                    <a16:creationId xmlns:a16="http://schemas.microsoft.com/office/drawing/2014/main" id="{7649F953-05CC-4DF9-9D67-FDA9657164D1}"/>
+                  </a:ext>
+                </a:extLst>
+              </p:cNvPr>
+              <p:cNvSpPr txBox="1"/>
+              <p:nvPr/>
+            </p:nvSpPr>
+            <p:spPr>
+              <a:xfrm>
+                <a:off x="4304747" y="6009090"/>
+                <a:ext cx="2313775" cy="523220"/>
+              </a:xfrm>
+              <a:prstGeom prst="rect">
+                <a:avLst/>
+              </a:prstGeom>
+              <a:noFill/>
+            </p:spPr>
+            <p:txBody>
+              <a:bodyPr wrap="none" rtlCol="0">
+                <a:spAutoFit/>
+              </a:bodyPr>
+              <a:lstStyle/>
+              <a:p>
+                <a:r>
+                  <a:rPr lang="en-US" sz="2800" dirty="0"/>
+                  <a:t>Logical Pointer</a:t>
+                </a:r>
+              </a:p>
+            </p:txBody>
+          </p:sp>
+        </p:grpSp>
+        <p:grpSp>
+          <p:nvGrpSpPr>
+            <p:cNvPr id="88" name="Group 87">
+              <a:extLst>
+                <a:ext uri="{FF2B5EF4-FFF2-40B4-BE49-F238E27FC236}">
+                  <a16:creationId xmlns:a16="http://schemas.microsoft.com/office/drawing/2014/main" id="{9E922324-1F3A-445C-AA6F-DA874FFEC0B3}"/>
+                </a:ext>
+              </a:extLst>
+            </p:cNvPr>
+            <p:cNvGrpSpPr/>
+            <p:nvPr/>
+          </p:nvGrpSpPr>
+          <p:grpSpPr>
+            <a:xfrm>
+              <a:off x="6089207" y="5321287"/>
+              <a:ext cx="2987068" cy="523220"/>
+              <a:chOff x="5840050" y="5860978"/>
+              <a:chExt cx="2987068" cy="523220"/>
+            </a:xfrm>
+          </p:grpSpPr>
+          <p:cxnSp>
+            <p:nvCxnSpPr>
+              <p:cNvPr id="96" name="Straight Arrow Connector 95">
+                <a:extLst>
+                  <a:ext uri="{FF2B5EF4-FFF2-40B4-BE49-F238E27FC236}">
+                    <a16:creationId xmlns:a16="http://schemas.microsoft.com/office/drawing/2014/main" id="{B90A84BB-D210-4A7D-8219-C73BD868D500}"/>
+                  </a:ext>
+                </a:extLst>
+              </p:cNvPr>
+              <p:cNvCxnSpPr>
+                <a:cxnSpLocks/>
+              </p:cNvCxnSpPr>
+              <p:nvPr/>
+            </p:nvCxnSpPr>
+            <p:spPr>
+              <a:xfrm>
+                <a:off x="8345350" y="6122588"/>
+                <a:ext cx="481768" cy="0"/>
+              </a:xfrm>
+              <a:prstGeom prst="straightConnector1">
+                <a:avLst/>
+              </a:prstGeom>
+              <a:ln>
+                <a:solidFill>
+                  <a:schemeClr val="tx1"/>
+                </a:solidFill>
+                <a:prstDash val="solid"/>
+                <a:tailEnd type="triangle"/>
+              </a:ln>
+            </p:spPr>
+            <p:style>
+              <a:lnRef idx="1">
+                <a:schemeClr val="accent1"/>
+              </a:lnRef>
+              <a:fillRef idx="0">
+                <a:schemeClr val="accent1"/>
+              </a:fillRef>
+              <a:effectRef idx="0">
+                <a:schemeClr val="accent1"/>
+              </a:effectRef>
+              <a:fontRef idx="minor">
+                <a:schemeClr val="tx1"/>
+              </a:fontRef>
+            </p:style>
+          </p:cxnSp>
+          <p:sp>
+            <p:nvSpPr>
+              <p:cNvPr id="97" name="TextBox 96">
+                <a:extLst>
+                  <a:ext uri="{FF2B5EF4-FFF2-40B4-BE49-F238E27FC236}">
+                    <a16:creationId xmlns:a16="http://schemas.microsoft.com/office/drawing/2014/main" id="{C1050FD2-19C3-4C5E-B4E9-B64C64B1590D}"/>
+                  </a:ext>
+                </a:extLst>
+              </p:cNvPr>
+              <p:cNvSpPr txBox="1"/>
+              <p:nvPr/>
+            </p:nvSpPr>
+            <p:spPr>
+              <a:xfrm>
+                <a:off x="5840050" y="5860978"/>
+                <a:ext cx="2473691" cy="523220"/>
+              </a:xfrm>
+              <a:prstGeom prst="rect">
+                <a:avLst/>
+              </a:prstGeom>
+              <a:noFill/>
+            </p:spPr>
+            <p:txBody>
+              <a:bodyPr wrap="none" rtlCol="0">
+                <a:spAutoFit/>
+              </a:bodyPr>
+              <a:lstStyle/>
+              <a:p>
+                <a:r>
+                  <a:rPr lang="en-US" sz="2800" dirty="0"/>
+                  <a:t>Physical Pointer</a:t>
+                </a:r>
+              </a:p>
+            </p:txBody>
+          </p:sp>
+        </p:grpSp>
+        <p:grpSp>
+          <p:nvGrpSpPr>
+            <p:cNvPr id="89" name="Group 88">
+              <a:extLst>
+                <a:ext uri="{FF2B5EF4-FFF2-40B4-BE49-F238E27FC236}">
+                  <a16:creationId xmlns:a16="http://schemas.microsoft.com/office/drawing/2014/main" id="{99959DE6-0AD4-4352-84D1-84036E4896C0}"/>
+                </a:ext>
+              </a:extLst>
+            </p:cNvPr>
+            <p:cNvGrpSpPr/>
+            <p:nvPr/>
+          </p:nvGrpSpPr>
+          <p:grpSpPr>
+            <a:xfrm>
+              <a:off x="3684078" y="5321287"/>
+              <a:ext cx="2070140" cy="523220"/>
+              <a:chOff x="3407240" y="5588215"/>
+              <a:chExt cx="2070140" cy="523220"/>
+            </a:xfrm>
+          </p:grpSpPr>
+          <p:sp>
+            <p:nvSpPr>
+              <p:cNvPr id="93" name="Rounded Rectangle 38">
+                <a:extLst>
+                  <a:ext uri="{FF2B5EF4-FFF2-40B4-BE49-F238E27FC236}">
+                    <a16:creationId xmlns:a16="http://schemas.microsoft.com/office/drawing/2014/main" id="{2811CB82-47F5-4981-9F0E-3806DE3EFCC1}"/>
+                  </a:ext>
+                </a:extLst>
+              </p:cNvPr>
+              <p:cNvSpPr/>
+              <p:nvPr/>
+            </p:nvSpPr>
+            <p:spPr>
+              <a:xfrm>
+                <a:off x="5216446" y="5702422"/>
+                <a:ext cx="260934" cy="266592"/>
+              </a:xfrm>
+              <a:prstGeom prst="roundRect">
+                <a:avLst/>
+              </a:prstGeom>
+            </p:spPr>
+            <p:style>
+              <a:lnRef idx="2">
+                <a:schemeClr val="dk1"/>
+              </a:lnRef>
+              <a:fillRef idx="1">
+                <a:schemeClr val="lt1"/>
+              </a:fillRef>
+              <a:effectRef idx="0">
+                <a:schemeClr val="dk1"/>
+              </a:effectRef>
+              <a:fontRef idx="minor">
+                <a:schemeClr val="dk1"/>
+              </a:fontRef>
+            </p:style>
+            <p:txBody>
+              <a:bodyPr rtlCol="0" anchor="ctr"/>
+              <a:lstStyle/>
+              <a:p>
+                <a:pPr algn="ctr"/>
+                <a:endParaRPr lang="zh-CN" altLang="en-US" sz="2800" baseline="-25000" dirty="0">
+                  <a:latin typeface="Arial" panose="020B0604020202020204" pitchFamily="34" charset="0"/>
+                  <a:cs typeface="Arial" panose="020B0604020202020204" pitchFamily="34" charset="0"/>
+                </a:endParaRPr>
+              </a:p>
+            </p:txBody>
+          </p:sp>
+          <p:sp>
+            <p:nvSpPr>
+              <p:cNvPr id="95" name="TextBox 94">
+                <a:extLst>
+                  <a:ext uri="{FF2B5EF4-FFF2-40B4-BE49-F238E27FC236}">
+                    <a16:creationId xmlns:a16="http://schemas.microsoft.com/office/drawing/2014/main" id="{A16331FA-9E48-48E3-8550-8EF1F99EC986}"/>
+                  </a:ext>
+                </a:extLst>
+              </p:cNvPr>
+              <p:cNvSpPr txBox="1"/>
+              <p:nvPr/>
+            </p:nvSpPr>
+            <p:spPr>
+              <a:xfrm>
+                <a:off x="3407240" y="5588215"/>
+                <a:ext cx="1823384" cy="523220"/>
+              </a:xfrm>
+              <a:prstGeom prst="rect">
+                <a:avLst/>
+              </a:prstGeom>
+              <a:noFill/>
+            </p:spPr>
+            <p:txBody>
+              <a:bodyPr wrap="none" rtlCol="0">
+                <a:spAutoFit/>
+              </a:bodyPr>
+              <a:lstStyle/>
+              <a:p>
+                <a:r>
+                  <a:rPr lang="en-US" sz="2800" dirty="0"/>
+                  <a:t>Delta Node</a:t>
+                </a:r>
+              </a:p>
+            </p:txBody>
+          </p:sp>
+        </p:grpSp>
+        <p:grpSp>
+          <p:nvGrpSpPr>
+            <p:cNvPr id="90" name="Group 89">
+              <a:extLst>
+                <a:ext uri="{FF2B5EF4-FFF2-40B4-BE49-F238E27FC236}">
+                  <a16:creationId xmlns:a16="http://schemas.microsoft.com/office/drawing/2014/main" id="{3967E7B1-E95F-4E30-99B6-58935475B9FF}"/>
+                </a:ext>
+              </a:extLst>
+            </p:cNvPr>
+            <p:cNvGrpSpPr/>
+            <p:nvPr/>
+          </p:nvGrpSpPr>
+          <p:grpSpPr>
+            <a:xfrm>
+              <a:off x="1288835" y="5312498"/>
+              <a:ext cx="2002116" cy="523220"/>
+              <a:chOff x="1288835" y="5312498"/>
+              <a:chExt cx="2002116" cy="523220"/>
+            </a:xfrm>
+          </p:grpSpPr>
+          <p:sp>
+            <p:nvSpPr>
+              <p:cNvPr id="91" name="Rounded Rectangle 56">
+                <a:extLst>
+                  <a:ext uri="{FF2B5EF4-FFF2-40B4-BE49-F238E27FC236}">
+                    <a16:creationId xmlns:a16="http://schemas.microsoft.com/office/drawing/2014/main" id="{1651E86C-DECC-4284-AEB5-928E8977FD12}"/>
+                  </a:ext>
+                </a:extLst>
+              </p:cNvPr>
+              <p:cNvSpPr/>
+              <p:nvPr/>
+            </p:nvSpPr>
+            <p:spPr>
+              <a:xfrm>
+                <a:off x="3030017" y="5431968"/>
+                <a:ext cx="260934" cy="266592"/>
+              </a:xfrm>
+              <a:prstGeom prst="roundRect">
+                <a:avLst/>
+              </a:prstGeom>
+              <a:solidFill>
+                <a:schemeClr val="accent3"/>
+              </a:solidFill>
+              <a:ln cmpd="sng">
+                <a:solidFill>
+                  <a:schemeClr val="tx1"/>
+                </a:solidFill>
+                <a:prstDash val="solid"/>
+              </a:ln>
+            </p:spPr>
+            <p:style>
+              <a:lnRef idx="2">
+                <a:schemeClr val="accent1">
+                  <a:shade val="50000"/>
+                </a:schemeClr>
+              </a:lnRef>
+              <a:fillRef idx="1">
+                <a:schemeClr val="accent1"/>
+              </a:fillRef>
+              <a:effectRef idx="0">
+                <a:schemeClr val="accent1"/>
+              </a:effectRef>
+              <a:fontRef idx="minor">
+                <a:schemeClr val="lt1"/>
+              </a:fontRef>
+            </p:style>
+            <p:txBody>
+              <a:bodyPr rtlCol="0" anchor="ctr"/>
+              <a:lstStyle/>
+              <a:p>
+                <a:endParaRPr lang="en-US" altLang="zh-CN" sz="2800" b="1" dirty="0">
+                  <a:solidFill>
+                    <a:schemeClr val="tx1"/>
+                  </a:solidFill>
+                  <a:latin typeface="Arial" panose="020B0604020202020204" pitchFamily="34" charset="0"/>
+                  <a:cs typeface="Arial" panose="020B0604020202020204" pitchFamily="34" charset="0"/>
+                </a:endParaRPr>
+              </a:p>
+            </p:txBody>
+          </p:sp>
+          <p:sp>
+            <p:nvSpPr>
+              <p:cNvPr id="92" name="TextBox 91">
+                <a:extLst>
+                  <a:ext uri="{FF2B5EF4-FFF2-40B4-BE49-F238E27FC236}">
+                    <a16:creationId xmlns:a16="http://schemas.microsoft.com/office/drawing/2014/main" id="{FEA9422B-FF0E-4E22-802B-C799FA450388}"/>
+                  </a:ext>
+                </a:extLst>
+              </p:cNvPr>
+              <p:cNvSpPr txBox="1"/>
+              <p:nvPr/>
+            </p:nvSpPr>
+            <p:spPr>
+              <a:xfrm>
+                <a:off x="1288835" y="5312498"/>
+                <a:ext cx="1741182" cy="523220"/>
+              </a:xfrm>
+              <a:prstGeom prst="rect">
+                <a:avLst/>
+              </a:prstGeom>
+              <a:noFill/>
+            </p:spPr>
+            <p:txBody>
+              <a:bodyPr wrap="none" rtlCol="0">
+                <a:spAutoFit/>
+              </a:bodyPr>
+              <a:lstStyle/>
+              <a:p>
+                <a:r>
+                  <a:rPr lang="en-US" sz="2800" dirty="0"/>
+                  <a:t>Base Node</a:t>
+                </a:r>
+              </a:p>
+            </p:txBody>
+          </p:sp>
+        </p:grpSp>
+      </p:grpSp>
     </p:spTree>
     <p:extLst>
       <p:ext uri="{BB962C8B-B14F-4D97-AF65-F5344CB8AC3E}">
@@ -24220,7 +25488,7 @@
 </p:sld>
 </file>
 
-<file path=ppt/slides/slide6.xml><?xml version="1.0" encoding="utf-8"?>
+<file path=ppt/slides/slide7.xml><?xml version="1.0" encoding="utf-8"?>
 <p:sld xmlns:a="http://schemas.openxmlformats.org/drawingml/2006/main" xmlns:r="http://schemas.openxmlformats.org/officeDocument/2006/relationships" xmlns:p="http://schemas.openxmlformats.org/presentationml/2006/main">
   <p:cSld>
     <p:spTree>
@@ -26807,208 +28075,6 @@
           </a:p>
         </p:txBody>
       </p:sp>
-      <p:grpSp>
-        <p:nvGrpSpPr>
-          <p:cNvPr id="104" name="Group 103">
-            <a:extLst>
-              <a:ext uri="{FF2B5EF4-FFF2-40B4-BE49-F238E27FC236}">
-                <a16:creationId xmlns:a16="http://schemas.microsoft.com/office/drawing/2014/main" id="{F1510EF4-53A3-4086-BA8B-8EB51FC1F3F9}"/>
-              </a:ext>
-            </a:extLst>
-          </p:cNvPr>
-          <p:cNvGrpSpPr/>
-          <p:nvPr/>
-        </p:nvGrpSpPr>
-        <p:grpSpPr>
-          <a:xfrm>
-            <a:off x="8895538" y="5381777"/>
-            <a:ext cx="2088013" cy="369332"/>
-            <a:chOff x="1818432" y="5066832"/>
-            <a:chExt cx="2088013" cy="369332"/>
-          </a:xfrm>
-        </p:grpSpPr>
-        <p:cxnSp>
-          <p:nvCxnSpPr>
-            <p:cNvPr id="65" name="Straight Arrow Connector 64">
-              <a:extLst>
-                <a:ext uri="{FF2B5EF4-FFF2-40B4-BE49-F238E27FC236}">
-                  <a16:creationId xmlns:a16="http://schemas.microsoft.com/office/drawing/2014/main" id="{62773253-6B3F-4EDF-A85B-2F9CEC7C3631}"/>
-                </a:ext>
-              </a:extLst>
-            </p:cNvPr>
-            <p:cNvCxnSpPr>
-              <a:cxnSpLocks/>
-            </p:cNvCxnSpPr>
-            <p:nvPr/>
-          </p:nvCxnSpPr>
-          <p:spPr>
-            <a:xfrm>
-              <a:off x="3424677" y="5264198"/>
-              <a:ext cx="481768" cy="0"/>
-            </a:xfrm>
-            <a:prstGeom prst="straightConnector1">
-              <a:avLst/>
-            </a:prstGeom>
-            <a:ln>
-              <a:solidFill>
-                <a:schemeClr val="tx1"/>
-              </a:solidFill>
-              <a:prstDash val="dash"/>
-              <a:tailEnd type="triangle"/>
-            </a:ln>
-          </p:spPr>
-          <p:style>
-            <a:lnRef idx="1">
-              <a:schemeClr val="accent1"/>
-            </a:lnRef>
-            <a:fillRef idx="0">
-              <a:schemeClr val="accent1"/>
-            </a:fillRef>
-            <a:effectRef idx="0">
-              <a:schemeClr val="accent1"/>
-            </a:effectRef>
-            <a:fontRef idx="minor">
-              <a:schemeClr val="tx1"/>
-            </a:fontRef>
-          </p:style>
-        </p:cxnSp>
-        <p:sp>
-          <p:nvSpPr>
-            <p:cNvPr id="66" name="TextBox 65">
-              <a:extLst>
-                <a:ext uri="{FF2B5EF4-FFF2-40B4-BE49-F238E27FC236}">
-                  <a16:creationId xmlns:a16="http://schemas.microsoft.com/office/drawing/2014/main" id="{25DB031B-FEB4-4FEF-BDD8-7A4FC76B8379}"/>
-                </a:ext>
-              </a:extLst>
-            </p:cNvPr>
-            <p:cNvSpPr txBox="1"/>
-            <p:nvPr/>
-          </p:nvSpPr>
-          <p:spPr>
-            <a:xfrm>
-              <a:off x="1818432" y="5066832"/>
-              <a:ext cx="1556901" cy="369332"/>
-            </a:xfrm>
-            <a:prstGeom prst="rect">
-              <a:avLst/>
-            </a:prstGeom>
-            <a:noFill/>
-          </p:spPr>
-          <p:txBody>
-            <a:bodyPr wrap="none" rtlCol="0">
-              <a:spAutoFit/>
-            </a:bodyPr>
-            <a:lstStyle/>
-            <a:p>
-              <a:r>
-                <a:rPr lang="en-US" dirty="0"/>
-                <a:t>Logical Pointer</a:t>
-              </a:r>
-            </a:p>
-          </p:txBody>
-        </p:sp>
-      </p:grpSp>
-      <p:grpSp>
-        <p:nvGrpSpPr>
-          <p:cNvPr id="105" name="Group 104">
-            <a:extLst>
-              <a:ext uri="{FF2B5EF4-FFF2-40B4-BE49-F238E27FC236}">
-                <a16:creationId xmlns:a16="http://schemas.microsoft.com/office/drawing/2014/main" id="{844E4867-CAFD-47B6-9EB8-5DEE1741ED14}"/>
-              </a:ext>
-            </a:extLst>
-          </p:cNvPr>
-          <p:cNvGrpSpPr/>
-          <p:nvPr/>
-        </p:nvGrpSpPr>
-        <p:grpSpPr>
-          <a:xfrm>
-            <a:off x="6147345" y="5381777"/>
-            <a:ext cx="2088013" cy="369332"/>
-            <a:chOff x="4272018" y="5059947"/>
-            <a:chExt cx="2088013" cy="369332"/>
-          </a:xfrm>
-        </p:grpSpPr>
-        <p:cxnSp>
-          <p:nvCxnSpPr>
-            <p:cNvPr id="67" name="Straight Arrow Connector 66">
-              <a:extLst>
-                <a:ext uri="{FF2B5EF4-FFF2-40B4-BE49-F238E27FC236}">
-                  <a16:creationId xmlns:a16="http://schemas.microsoft.com/office/drawing/2014/main" id="{EE2438FB-A404-4765-82FF-6F922D51E069}"/>
-                </a:ext>
-              </a:extLst>
-            </p:cNvPr>
-            <p:cNvCxnSpPr>
-              <a:cxnSpLocks/>
-            </p:cNvCxnSpPr>
-            <p:nvPr/>
-          </p:nvCxnSpPr>
-          <p:spPr>
-            <a:xfrm>
-              <a:off x="5878263" y="5257313"/>
-              <a:ext cx="481768" cy="0"/>
-            </a:xfrm>
-            <a:prstGeom prst="straightConnector1">
-              <a:avLst/>
-            </a:prstGeom>
-            <a:ln>
-              <a:solidFill>
-                <a:schemeClr val="tx1"/>
-              </a:solidFill>
-              <a:prstDash val="solid"/>
-              <a:tailEnd type="triangle"/>
-            </a:ln>
-          </p:spPr>
-          <p:style>
-            <a:lnRef idx="1">
-              <a:schemeClr val="accent1"/>
-            </a:lnRef>
-            <a:fillRef idx="0">
-              <a:schemeClr val="accent1"/>
-            </a:fillRef>
-            <a:effectRef idx="0">
-              <a:schemeClr val="accent1"/>
-            </a:effectRef>
-            <a:fontRef idx="minor">
-              <a:schemeClr val="tx1"/>
-            </a:fontRef>
-          </p:style>
-        </p:cxnSp>
-        <p:sp>
-          <p:nvSpPr>
-            <p:cNvPr id="68" name="TextBox 67">
-              <a:extLst>
-                <a:ext uri="{FF2B5EF4-FFF2-40B4-BE49-F238E27FC236}">
-                  <a16:creationId xmlns:a16="http://schemas.microsoft.com/office/drawing/2014/main" id="{37D3D82D-577F-4650-A6EC-010B2D67C005}"/>
-                </a:ext>
-              </a:extLst>
-            </p:cNvPr>
-            <p:cNvSpPr txBox="1"/>
-            <p:nvPr/>
-          </p:nvSpPr>
-          <p:spPr>
-            <a:xfrm>
-              <a:off x="4272018" y="5059947"/>
-              <a:ext cx="1656287" cy="369332"/>
-            </a:xfrm>
-            <a:prstGeom prst="rect">
-              <a:avLst/>
-            </a:prstGeom>
-            <a:noFill/>
-          </p:spPr>
-          <p:txBody>
-            <a:bodyPr wrap="none" rtlCol="0">
-              <a:spAutoFit/>
-            </a:bodyPr>
-            <a:lstStyle/>
-            <a:p>
-              <a:r>
-                <a:rPr lang="en-US" dirty="0"/>
-                <a:t>Physical Pointer</a:t>
-              </a:r>
-            </a:p>
-          </p:txBody>
-        </p:sp>
-      </p:grpSp>
       <p:sp>
         <p:nvSpPr>
           <p:cNvPr id="69" name="Rounded Rectangle 56">
@@ -27372,8 +28438,8 @@
         </p:nvSpPr>
         <p:spPr>
           <a:xfrm>
-            <a:off x="10173459" y="3859960"/>
-            <a:ext cx="1238224" cy="369332"/>
+            <a:off x="10173459" y="3780448"/>
+            <a:ext cx="1818575" cy="523220"/>
           </a:xfrm>
           <a:prstGeom prst="rect">
             <a:avLst/>
@@ -27387,7 +28453,7 @@
           <a:lstStyle/>
           <a:p>
             <a:r>
-              <a:rPr lang="en-US" dirty="0"/>
+              <a:rPr lang="en-US" sz="2800" dirty="0"/>
               <a:t>Delta chain</a:t>
             </a:r>
           </a:p>
@@ -27452,7 +28518,7 @@
         <p:spPr>
           <a:xfrm>
             <a:off x="5388204" y="3415893"/>
-            <a:ext cx="1589346" cy="369332"/>
+            <a:ext cx="1763944" cy="400110"/>
           </a:xfrm>
           <a:prstGeom prst="rect">
             <a:avLst/>
@@ -27466,19 +28532,19 @@
           <a:lstStyle/>
           <a:p>
             <a:r>
-              <a:rPr lang="en-US" dirty="0"/>
+              <a:rPr lang="en-US" sz="2000" dirty="0"/>
               <a:t>CAS </a:t>
             </a:r>
             <a:r>
-              <a:rPr lang="en-US" b="1" dirty="0"/>
+              <a:rPr lang="en-US" sz="2000" b="1" dirty="0"/>
               <a:t>old</a:t>
             </a:r>
             <a:r>
-              <a:rPr lang="en-US" dirty="0"/>
+              <a:rPr lang="en-US" sz="2000" dirty="0"/>
               <a:t> -&gt; </a:t>
             </a:r>
             <a:r>
-              <a:rPr lang="en-US" b="1" dirty="0">
+              <a:rPr lang="en-US" sz="2000" b="1" dirty="0">
                 <a:solidFill>
                   <a:srgbClr val="FF0000"/>
                 </a:solidFill>
@@ -27488,109 +28554,6 @@
           </a:p>
         </p:txBody>
       </p:sp>
-      <p:grpSp>
-        <p:nvGrpSpPr>
-          <p:cNvPr id="107" name="Group 106">
-            <a:extLst>
-              <a:ext uri="{FF2B5EF4-FFF2-40B4-BE49-F238E27FC236}">
-                <a16:creationId xmlns:a16="http://schemas.microsoft.com/office/drawing/2014/main" id="{B9B7CC84-B2BB-42B8-8115-9F196A658B81}"/>
-              </a:ext>
-            </a:extLst>
-          </p:cNvPr>
-          <p:cNvGrpSpPr/>
-          <p:nvPr/>
-        </p:nvGrpSpPr>
-        <p:grpSpPr>
-          <a:xfrm>
-            <a:off x="3945526" y="5391515"/>
-            <a:ext cx="1546032" cy="369332"/>
-            <a:chOff x="8627427" y="5048876"/>
-            <a:chExt cx="1546032" cy="369332"/>
-          </a:xfrm>
-        </p:grpSpPr>
-        <p:sp>
-          <p:nvSpPr>
-            <p:cNvPr id="82" name="Rounded Rectangle 38">
-              <a:extLst>
-                <a:ext uri="{FF2B5EF4-FFF2-40B4-BE49-F238E27FC236}">
-                  <a16:creationId xmlns:a16="http://schemas.microsoft.com/office/drawing/2014/main" id="{3A6590C6-BDE3-4920-B7C4-E68700A244EE}"/>
-                </a:ext>
-              </a:extLst>
-            </p:cNvPr>
-            <p:cNvSpPr/>
-            <p:nvPr/>
-          </p:nvSpPr>
-          <p:spPr>
-            <a:xfrm>
-              <a:off x="9912525" y="5100246"/>
-              <a:ext cx="260934" cy="266592"/>
-            </a:xfrm>
-            <a:prstGeom prst="roundRect">
-              <a:avLst/>
-            </a:prstGeom>
-          </p:spPr>
-          <p:style>
-            <a:lnRef idx="2">
-              <a:schemeClr val="dk1"/>
-            </a:lnRef>
-            <a:fillRef idx="1">
-              <a:schemeClr val="lt1"/>
-            </a:fillRef>
-            <a:effectRef idx="0">
-              <a:schemeClr val="dk1"/>
-            </a:effectRef>
-            <a:fontRef idx="minor">
-              <a:schemeClr val="dk1"/>
-            </a:fontRef>
-          </p:style>
-          <p:txBody>
-            <a:bodyPr rtlCol="0" anchor="ctr"/>
-            <a:lstStyle/>
-            <a:p>
-              <a:pPr algn="ctr"/>
-              <a:endParaRPr lang="zh-CN" altLang="en-US" sz="1600" baseline="-25000" dirty="0">
-                <a:latin typeface="Arial" panose="020B0604020202020204" pitchFamily="34" charset="0"/>
-                <a:cs typeface="Arial" panose="020B0604020202020204" pitchFamily="34" charset="0"/>
-              </a:endParaRPr>
-            </a:p>
-          </p:txBody>
-        </p:sp>
-        <p:sp>
-          <p:nvSpPr>
-            <p:cNvPr id="84" name="TextBox 83">
-              <a:extLst>
-                <a:ext uri="{FF2B5EF4-FFF2-40B4-BE49-F238E27FC236}">
-                  <a16:creationId xmlns:a16="http://schemas.microsoft.com/office/drawing/2014/main" id="{3A056122-6E81-4F61-933E-CB8119DD6582}"/>
-                </a:ext>
-              </a:extLst>
-            </p:cNvPr>
-            <p:cNvSpPr txBox="1"/>
-            <p:nvPr/>
-          </p:nvSpPr>
-          <p:spPr>
-            <a:xfrm>
-              <a:off x="8627427" y="5048876"/>
-              <a:ext cx="1241430" cy="369332"/>
-            </a:xfrm>
-            <a:prstGeom prst="rect">
-              <a:avLst/>
-            </a:prstGeom>
-            <a:noFill/>
-          </p:spPr>
-          <p:txBody>
-            <a:bodyPr wrap="none" rtlCol="0">
-              <a:spAutoFit/>
-            </a:bodyPr>
-            <a:lstStyle/>
-            <a:p>
-              <a:r>
-                <a:rPr lang="en-US" dirty="0"/>
-                <a:t>Delta Node</a:t>
-              </a:r>
-            </a:p>
-          </p:txBody>
-        </p:sp>
-      </p:grpSp>
       <p:cxnSp>
         <p:nvCxnSpPr>
           <p:cNvPr id="73" name="Connector: Curved 72">
@@ -27695,10 +28658,10 @@
       </p:cxnSp>
       <p:grpSp>
         <p:nvGrpSpPr>
-          <p:cNvPr id="106" name="Group 105">
+          <p:cNvPr id="76" name="Group 75">
             <a:extLst>
               <a:ext uri="{FF2B5EF4-FFF2-40B4-BE49-F238E27FC236}">
-                <a16:creationId xmlns:a16="http://schemas.microsoft.com/office/drawing/2014/main" id="{11F0D72E-25F0-46DC-B5EC-1C7D0573972F}"/>
+                <a16:creationId xmlns:a16="http://schemas.microsoft.com/office/drawing/2014/main" id="{96920831-0593-43B6-8E3F-02C11A1943F7}"/>
               </a:ext>
             </a:extLst>
           </p:cNvPr>
@@ -27707,107 +28670,433 @@
         </p:nvGrpSpPr>
         <p:grpSpPr>
           <a:xfrm>
-            <a:off x="1780883" y="5391224"/>
-            <a:ext cx="1510068" cy="369332"/>
-            <a:chOff x="6692216" y="5066832"/>
-            <a:chExt cx="1510068" cy="369332"/>
+            <a:off x="840493" y="5539148"/>
+            <a:ext cx="10889943" cy="540853"/>
+            <a:chOff x="1288835" y="5303654"/>
+            <a:chExt cx="10889943" cy="540853"/>
           </a:xfrm>
         </p:grpSpPr>
-        <p:sp>
-          <p:nvSpPr>
-            <p:cNvPr id="102" name="Rounded Rectangle 56">
+        <p:grpSp>
+          <p:nvGrpSpPr>
+            <p:cNvPr id="70" name="Group 69">
               <a:extLst>
                 <a:ext uri="{FF2B5EF4-FFF2-40B4-BE49-F238E27FC236}">
-                  <a16:creationId xmlns:a16="http://schemas.microsoft.com/office/drawing/2014/main" id="{2D7A7E2D-43A2-4600-98C4-E3EBB401AF80}"/>
+                  <a16:creationId xmlns:a16="http://schemas.microsoft.com/office/drawing/2014/main" id="{1EAFAE67-B370-489D-9E44-54D5964DB4D1}"/>
                 </a:ext>
               </a:extLst>
             </p:cNvPr>
-            <p:cNvSpPr/>
+            <p:cNvGrpSpPr/>
             <p:nvPr/>
-          </p:nvSpPr>
-          <p:spPr>
+          </p:nvGrpSpPr>
+          <p:grpSpPr>
             <a:xfrm>
-              <a:off x="7941350" y="5107576"/>
-              <a:ext cx="260934" cy="266592"/>
+              <a:off x="9383235" y="5303654"/>
+              <a:ext cx="2795543" cy="523220"/>
+              <a:chOff x="4304747" y="6009090"/>
+              <a:chExt cx="2795543" cy="523220"/>
             </a:xfrm>
-            <a:prstGeom prst="roundRect">
-              <a:avLst/>
-            </a:prstGeom>
-            <a:solidFill>
-              <a:schemeClr val="accent3"/>
-            </a:solidFill>
-            <a:ln cmpd="sng">
-              <a:solidFill>
-                <a:schemeClr val="tx1"/>
-              </a:solidFill>
-              <a:prstDash val="solid"/>
-            </a:ln>
-          </p:spPr>
-          <p:style>
-            <a:lnRef idx="2">
-              <a:schemeClr val="accent1">
-                <a:shade val="50000"/>
-              </a:schemeClr>
-            </a:lnRef>
-            <a:fillRef idx="1">
-              <a:schemeClr val="accent1"/>
-            </a:fillRef>
-            <a:effectRef idx="0">
-              <a:schemeClr val="accent1"/>
-            </a:effectRef>
-            <a:fontRef idx="minor">
-              <a:schemeClr val="lt1"/>
-            </a:fontRef>
-          </p:style>
-          <p:txBody>
-            <a:bodyPr rtlCol="0" anchor="ctr"/>
-            <a:lstStyle/>
-            <a:p>
-              <a:endParaRPr lang="en-US" altLang="zh-CN" sz="1600" b="1" dirty="0">
+          </p:grpSpPr>
+          <p:cxnSp>
+            <p:nvCxnSpPr>
+              <p:cNvPr id="65" name="Straight Arrow Connector 64">
+                <a:extLst>
+                  <a:ext uri="{FF2B5EF4-FFF2-40B4-BE49-F238E27FC236}">
+                    <a16:creationId xmlns:a16="http://schemas.microsoft.com/office/drawing/2014/main" id="{62773253-6B3F-4EDF-A85B-2F9CEC7C3631}"/>
+                  </a:ext>
+                </a:extLst>
+              </p:cNvPr>
+              <p:cNvCxnSpPr>
+                <a:cxnSpLocks/>
+              </p:cNvCxnSpPr>
+              <p:nvPr/>
+            </p:nvCxnSpPr>
+            <p:spPr>
+              <a:xfrm>
+                <a:off x="6618522" y="6281430"/>
+                <a:ext cx="481768" cy="0"/>
+              </a:xfrm>
+              <a:prstGeom prst="straightConnector1">
+                <a:avLst/>
+              </a:prstGeom>
+              <a:ln>
                 <a:solidFill>
                   <a:schemeClr val="tx1"/>
                 </a:solidFill>
-                <a:latin typeface="Arial" panose="020B0604020202020204" pitchFamily="34" charset="0"/>
-                <a:cs typeface="Arial" panose="020B0604020202020204" pitchFamily="34" charset="0"/>
-              </a:endParaRPr>
-            </a:p>
-          </p:txBody>
-        </p:sp>
-        <p:sp>
-          <p:nvSpPr>
-            <p:cNvPr id="103" name="TextBox 102">
+                <a:prstDash val="dash"/>
+                <a:tailEnd type="triangle"/>
+              </a:ln>
+            </p:spPr>
+            <p:style>
+              <a:lnRef idx="1">
+                <a:schemeClr val="accent1"/>
+              </a:lnRef>
+              <a:fillRef idx="0">
+                <a:schemeClr val="accent1"/>
+              </a:fillRef>
+              <a:effectRef idx="0">
+                <a:schemeClr val="accent1"/>
+              </a:effectRef>
+              <a:fontRef idx="minor">
+                <a:schemeClr val="tx1"/>
+              </a:fontRef>
+            </p:style>
+          </p:cxnSp>
+          <p:sp>
+            <p:nvSpPr>
+              <p:cNvPr id="66" name="TextBox 65">
+                <a:extLst>
+                  <a:ext uri="{FF2B5EF4-FFF2-40B4-BE49-F238E27FC236}">
+                    <a16:creationId xmlns:a16="http://schemas.microsoft.com/office/drawing/2014/main" id="{25DB031B-FEB4-4FEF-BDD8-7A4FC76B8379}"/>
+                  </a:ext>
+                </a:extLst>
+              </p:cNvPr>
+              <p:cNvSpPr txBox="1"/>
+              <p:nvPr/>
+            </p:nvSpPr>
+            <p:spPr>
+              <a:xfrm>
+                <a:off x="4304747" y="6009090"/>
+                <a:ext cx="2313775" cy="523220"/>
+              </a:xfrm>
+              <a:prstGeom prst="rect">
+                <a:avLst/>
+              </a:prstGeom>
+              <a:noFill/>
+            </p:spPr>
+            <p:txBody>
+              <a:bodyPr wrap="none" rtlCol="0">
+                <a:spAutoFit/>
+              </a:bodyPr>
+              <a:lstStyle/>
+              <a:p>
+                <a:r>
+                  <a:rPr lang="en-US" sz="2800" dirty="0"/>
+                  <a:t>Logical Pointer</a:t>
+                </a:r>
+              </a:p>
+            </p:txBody>
+          </p:sp>
+        </p:grpSp>
+        <p:grpSp>
+          <p:nvGrpSpPr>
+            <p:cNvPr id="64" name="Group 63">
               <a:extLst>
                 <a:ext uri="{FF2B5EF4-FFF2-40B4-BE49-F238E27FC236}">
-                  <a16:creationId xmlns:a16="http://schemas.microsoft.com/office/drawing/2014/main" id="{5C53A56C-4882-4AB5-8E47-D4432F08F369}"/>
+                  <a16:creationId xmlns:a16="http://schemas.microsoft.com/office/drawing/2014/main" id="{54388308-13BE-4A58-8E0E-0E908BA6706C}"/>
                 </a:ext>
               </a:extLst>
             </p:cNvPr>
-            <p:cNvSpPr txBox="1"/>
+            <p:cNvGrpSpPr/>
             <p:nvPr/>
-          </p:nvSpPr>
-          <p:spPr>
+          </p:nvGrpSpPr>
+          <p:grpSpPr>
             <a:xfrm>
-              <a:off x="6692216" y="5066832"/>
-              <a:ext cx="1186543" cy="369332"/>
+              <a:off x="6089207" y="5321287"/>
+              <a:ext cx="2987068" cy="523220"/>
+              <a:chOff x="5840050" y="5860978"/>
+              <a:chExt cx="2987068" cy="523220"/>
             </a:xfrm>
-            <a:prstGeom prst="rect">
-              <a:avLst/>
-            </a:prstGeom>
-            <a:noFill/>
-          </p:spPr>
-          <p:txBody>
-            <a:bodyPr wrap="none" rtlCol="0">
-              <a:spAutoFit/>
-            </a:bodyPr>
-            <a:lstStyle/>
-            <a:p>
-              <a:r>
-                <a:rPr lang="en-US" dirty="0"/>
-                <a:t>Base Node</a:t>
-              </a:r>
-            </a:p>
-          </p:txBody>
-        </p:sp>
+          </p:grpSpPr>
+          <p:cxnSp>
+            <p:nvCxnSpPr>
+              <p:cNvPr id="67" name="Straight Arrow Connector 66">
+                <a:extLst>
+                  <a:ext uri="{FF2B5EF4-FFF2-40B4-BE49-F238E27FC236}">
+                    <a16:creationId xmlns:a16="http://schemas.microsoft.com/office/drawing/2014/main" id="{EE2438FB-A404-4765-82FF-6F922D51E069}"/>
+                  </a:ext>
+                </a:extLst>
+              </p:cNvPr>
+              <p:cNvCxnSpPr>
+                <a:cxnSpLocks/>
+              </p:cNvCxnSpPr>
+              <p:nvPr/>
+            </p:nvCxnSpPr>
+            <p:spPr>
+              <a:xfrm>
+                <a:off x="8345350" y="6122588"/>
+                <a:ext cx="481768" cy="0"/>
+              </a:xfrm>
+              <a:prstGeom prst="straightConnector1">
+                <a:avLst/>
+              </a:prstGeom>
+              <a:ln>
+                <a:solidFill>
+                  <a:schemeClr val="tx1"/>
+                </a:solidFill>
+                <a:prstDash val="solid"/>
+                <a:tailEnd type="triangle"/>
+              </a:ln>
+            </p:spPr>
+            <p:style>
+              <a:lnRef idx="1">
+                <a:schemeClr val="accent1"/>
+              </a:lnRef>
+              <a:fillRef idx="0">
+                <a:schemeClr val="accent1"/>
+              </a:fillRef>
+              <a:effectRef idx="0">
+                <a:schemeClr val="accent1"/>
+              </a:effectRef>
+              <a:fontRef idx="minor">
+                <a:schemeClr val="tx1"/>
+              </a:fontRef>
+            </p:style>
+          </p:cxnSp>
+          <p:sp>
+            <p:nvSpPr>
+              <p:cNvPr id="68" name="TextBox 67">
+                <a:extLst>
+                  <a:ext uri="{FF2B5EF4-FFF2-40B4-BE49-F238E27FC236}">
+                    <a16:creationId xmlns:a16="http://schemas.microsoft.com/office/drawing/2014/main" id="{37D3D82D-577F-4650-A6EC-010B2D67C005}"/>
+                  </a:ext>
+                </a:extLst>
+              </p:cNvPr>
+              <p:cNvSpPr txBox="1"/>
+              <p:nvPr/>
+            </p:nvSpPr>
+            <p:spPr>
+              <a:xfrm>
+                <a:off x="5840050" y="5860978"/>
+                <a:ext cx="2473691" cy="523220"/>
+              </a:xfrm>
+              <a:prstGeom prst="rect">
+                <a:avLst/>
+              </a:prstGeom>
+              <a:noFill/>
+            </p:spPr>
+            <p:txBody>
+              <a:bodyPr wrap="none" rtlCol="0">
+                <a:spAutoFit/>
+              </a:bodyPr>
+              <a:lstStyle/>
+              <a:p>
+                <a:r>
+                  <a:rPr lang="en-US" sz="2800" dirty="0"/>
+                  <a:t>Physical Pointer</a:t>
+                </a:r>
+              </a:p>
+            </p:txBody>
+          </p:sp>
+        </p:grpSp>
+        <p:grpSp>
+          <p:nvGrpSpPr>
+            <p:cNvPr id="63" name="Group 62">
+              <a:extLst>
+                <a:ext uri="{FF2B5EF4-FFF2-40B4-BE49-F238E27FC236}">
+                  <a16:creationId xmlns:a16="http://schemas.microsoft.com/office/drawing/2014/main" id="{54D2A76A-77FD-4B8E-AA13-89D8AAC1C7A4}"/>
+                </a:ext>
+              </a:extLst>
+            </p:cNvPr>
+            <p:cNvGrpSpPr/>
+            <p:nvPr/>
+          </p:nvGrpSpPr>
+          <p:grpSpPr>
+            <a:xfrm>
+              <a:off x="3684078" y="5321287"/>
+              <a:ext cx="2070140" cy="523220"/>
+              <a:chOff x="3407240" y="5588215"/>
+              <a:chExt cx="2070140" cy="523220"/>
+            </a:xfrm>
+          </p:grpSpPr>
+          <p:sp>
+            <p:nvSpPr>
+              <p:cNvPr id="82" name="Rounded Rectangle 38">
+                <a:extLst>
+                  <a:ext uri="{FF2B5EF4-FFF2-40B4-BE49-F238E27FC236}">
+                    <a16:creationId xmlns:a16="http://schemas.microsoft.com/office/drawing/2014/main" id="{3A6590C6-BDE3-4920-B7C4-E68700A244EE}"/>
+                  </a:ext>
+                </a:extLst>
+              </p:cNvPr>
+              <p:cNvSpPr/>
+              <p:nvPr/>
+            </p:nvSpPr>
+            <p:spPr>
+              <a:xfrm>
+                <a:off x="5216446" y="5702422"/>
+                <a:ext cx="260934" cy="266592"/>
+              </a:xfrm>
+              <a:prstGeom prst="roundRect">
+                <a:avLst/>
+              </a:prstGeom>
+            </p:spPr>
+            <p:style>
+              <a:lnRef idx="2">
+                <a:schemeClr val="dk1"/>
+              </a:lnRef>
+              <a:fillRef idx="1">
+                <a:schemeClr val="lt1"/>
+              </a:fillRef>
+              <a:effectRef idx="0">
+                <a:schemeClr val="dk1"/>
+              </a:effectRef>
+              <a:fontRef idx="minor">
+                <a:schemeClr val="dk1"/>
+              </a:fontRef>
+            </p:style>
+            <p:txBody>
+              <a:bodyPr rtlCol="0" anchor="ctr"/>
+              <a:lstStyle/>
+              <a:p>
+                <a:pPr algn="ctr"/>
+                <a:endParaRPr lang="zh-CN" altLang="en-US" sz="2800" baseline="-25000" dirty="0">
+                  <a:latin typeface="Arial" panose="020B0604020202020204" pitchFamily="34" charset="0"/>
+                  <a:cs typeface="Arial" panose="020B0604020202020204" pitchFamily="34" charset="0"/>
+                </a:endParaRPr>
+              </a:p>
+            </p:txBody>
+          </p:sp>
+          <p:sp>
+            <p:nvSpPr>
+              <p:cNvPr id="84" name="TextBox 83">
+                <a:extLst>
+                  <a:ext uri="{FF2B5EF4-FFF2-40B4-BE49-F238E27FC236}">
+                    <a16:creationId xmlns:a16="http://schemas.microsoft.com/office/drawing/2014/main" id="{3A056122-6E81-4F61-933E-CB8119DD6582}"/>
+                  </a:ext>
+                </a:extLst>
+              </p:cNvPr>
+              <p:cNvSpPr txBox="1"/>
+              <p:nvPr/>
+            </p:nvSpPr>
+            <p:spPr>
+              <a:xfrm>
+                <a:off x="3407240" y="5588215"/>
+                <a:ext cx="1823384" cy="523220"/>
+              </a:xfrm>
+              <a:prstGeom prst="rect">
+                <a:avLst/>
+              </a:prstGeom>
+              <a:noFill/>
+            </p:spPr>
+            <p:txBody>
+              <a:bodyPr wrap="none" rtlCol="0">
+                <a:spAutoFit/>
+              </a:bodyPr>
+              <a:lstStyle/>
+              <a:p>
+                <a:r>
+                  <a:rPr lang="en-US" sz="2800" dirty="0"/>
+                  <a:t>Delta Node</a:t>
+                </a:r>
+              </a:p>
+            </p:txBody>
+          </p:sp>
+        </p:grpSp>
+        <p:grpSp>
+          <p:nvGrpSpPr>
+            <p:cNvPr id="3" name="Group 2">
+              <a:extLst>
+                <a:ext uri="{FF2B5EF4-FFF2-40B4-BE49-F238E27FC236}">
+                  <a16:creationId xmlns:a16="http://schemas.microsoft.com/office/drawing/2014/main" id="{7B708588-9DCF-4B7A-9B40-3712244140EA}"/>
+                </a:ext>
+              </a:extLst>
+            </p:cNvPr>
+            <p:cNvGrpSpPr/>
+            <p:nvPr/>
+          </p:nvGrpSpPr>
+          <p:grpSpPr>
+            <a:xfrm>
+              <a:off x="1288835" y="5312498"/>
+              <a:ext cx="2002116" cy="523220"/>
+              <a:chOff x="1288835" y="5312498"/>
+              <a:chExt cx="2002116" cy="523220"/>
+            </a:xfrm>
+          </p:grpSpPr>
+          <p:sp>
+            <p:nvSpPr>
+              <p:cNvPr id="102" name="Rounded Rectangle 56">
+                <a:extLst>
+                  <a:ext uri="{FF2B5EF4-FFF2-40B4-BE49-F238E27FC236}">
+                    <a16:creationId xmlns:a16="http://schemas.microsoft.com/office/drawing/2014/main" id="{2D7A7E2D-43A2-4600-98C4-E3EBB401AF80}"/>
+                  </a:ext>
+                </a:extLst>
+              </p:cNvPr>
+              <p:cNvSpPr/>
+              <p:nvPr/>
+            </p:nvSpPr>
+            <p:spPr>
+              <a:xfrm>
+                <a:off x="3030017" y="5431968"/>
+                <a:ext cx="260934" cy="266592"/>
+              </a:xfrm>
+              <a:prstGeom prst="roundRect">
+                <a:avLst/>
+              </a:prstGeom>
+              <a:solidFill>
+                <a:schemeClr val="accent3"/>
+              </a:solidFill>
+              <a:ln cmpd="sng">
+                <a:solidFill>
+                  <a:schemeClr val="tx1"/>
+                </a:solidFill>
+                <a:prstDash val="solid"/>
+              </a:ln>
+            </p:spPr>
+            <p:style>
+              <a:lnRef idx="2">
+                <a:schemeClr val="accent1">
+                  <a:shade val="50000"/>
+                </a:schemeClr>
+              </a:lnRef>
+              <a:fillRef idx="1">
+                <a:schemeClr val="accent1"/>
+              </a:fillRef>
+              <a:effectRef idx="0">
+                <a:schemeClr val="accent1"/>
+              </a:effectRef>
+              <a:fontRef idx="minor">
+                <a:schemeClr val="lt1"/>
+              </a:fontRef>
+            </p:style>
+            <p:txBody>
+              <a:bodyPr rtlCol="0" anchor="ctr"/>
+              <a:lstStyle/>
+              <a:p>
+                <a:endParaRPr lang="en-US" altLang="zh-CN" sz="2800" b="1" dirty="0">
+                  <a:solidFill>
+                    <a:schemeClr val="tx1"/>
+                  </a:solidFill>
+                  <a:latin typeface="Arial" panose="020B0604020202020204" pitchFamily="34" charset="0"/>
+                  <a:cs typeface="Arial" panose="020B0604020202020204" pitchFamily="34" charset="0"/>
+                </a:endParaRPr>
+              </a:p>
+            </p:txBody>
+          </p:sp>
+          <p:sp>
+            <p:nvSpPr>
+              <p:cNvPr id="103" name="TextBox 102">
+                <a:extLst>
+                  <a:ext uri="{FF2B5EF4-FFF2-40B4-BE49-F238E27FC236}">
+                    <a16:creationId xmlns:a16="http://schemas.microsoft.com/office/drawing/2014/main" id="{5C53A56C-4882-4AB5-8E47-D4432F08F369}"/>
+                  </a:ext>
+                </a:extLst>
+              </p:cNvPr>
+              <p:cNvSpPr txBox="1"/>
+              <p:nvPr/>
+            </p:nvSpPr>
+            <p:spPr>
+              <a:xfrm>
+                <a:off x="1288835" y="5312498"/>
+                <a:ext cx="1741182" cy="523220"/>
+              </a:xfrm>
+              <a:prstGeom prst="rect">
+                <a:avLst/>
+              </a:prstGeom>
+              <a:noFill/>
+            </p:spPr>
+            <p:txBody>
+              <a:bodyPr wrap="none" rtlCol="0">
+                <a:spAutoFit/>
+              </a:bodyPr>
+              <a:lstStyle/>
+              <a:p>
+                <a:r>
+                  <a:rPr lang="en-US" sz="2800" dirty="0"/>
+                  <a:t>Base Node</a:t>
+                </a:r>
+              </a:p>
+            </p:txBody>
+          </p:sp>
+        </p:grpSp>
       </p:grpSp>
       <p:sp>
         <p:nvSpPr>
@@ -27832,7 +29121,7 @@
           <a:p>
             <a:fld id="{47B6D843-D863-45CE-836E-3BAFBA29BED6}" type="slidenum">
               <a:rPr lang="en-US" smtClean="0"/>
-              <a:t>6</a:t>
+              <a:t>7</a:t>
             </a:fld>
             <a:endParaRPr lang="en-US" dirty="0"/>
           </a:p>
@@ -27842,160 +29131,6 @@
     <p:extLst>
       <p:ext uri="{BB962C8B-B14F-4D97-AF65-F5344CB8AC3E}">
         <p14:creationId xmlns:p14="http://schemas.microsoft.com/office/powerpoint/2010/main" val="3811049573"/>
-      </p:ext>
-    </p:extLst>
-  </p:cSld>
-  <p:clrMapOvr>
-    <a:masterClrMapping/>
-  </p:clrMapOvr>
-</p:sld>
-</file>
-
-<file path=ppt/slides/slide7.xml><?xml version="1.0" encoding="utf-8"?>
-<p:sld xmlns:a="http://schemas.openxmlformats.org/drawingml/2006/main" xmlns:r="http://schemas.openxmlformats.org/officeDocument/2006/relationships" xmlns:p="http://schemas.openxmlformats.org/presentationml/2006/main">
-  <p:cSld>
-    <p:spTree>
-      <p:nvGrpSpPr>
-        <p:cNvPr id="1" name=""/>
-        <p:cNvGrpSpPr/>
-        <p:nvPr/>
-      </p:nvGrpSpPr>
-      <p:grpSpPr>
-        <a:xfrm>
-          <a:off x="0" y="0"/>
-          <a:ext cx="0" cy="0"/>
-          <a:chOff x="0" y="0"/>
-          <a:chExt cx="0" cy="0"/>
-        </a:xfrm>
-      </p:grpSpPr>
-      <p:sp>
-        <p:nvSpPr>
-          <p:cNvPr id="2" name="Title 1">
-            <a:extLst>
-              <a:ext uri="{FF2B5EF4-FFF2-40B4-BE49-F238E27FC236}">
-                <a16:creationId xmlns:a16="http://schemas.microsoft.com/office/drawing/2014/main" id="{62B706F6-8C2A-45ED-A03D-BD135518BF91}"/>
-              </a:ext>
-            </a:extLst>
-          </p:cNvPr>
-          <p:cNvSpPr>
-            <a:spLocks noGrp="1"/>
-          </p:cNvSpPr>
-          <p:nvPr>
-            <p:ph type="title"/>
-          </p:nvPr>
-        </p:nvSpPr>
-        <p:spPr/>
-        <p:txBody>
-          <a:bodyPr/>
-          <a:lstStyle/>
-          <a:p>
-            <a:r>
-              <a:rPr lang="en-US" dirty="0"/>
-              <a:t>Today’s Question</a:t>
-            </a:r>
-          </a:p>
-        </p:txBody>
-      </p:sp>
-      <p:sp>
-        <p:nvSpPr>
-          <p:cNvPr id="3" name="Content Placeholder 2">
-            <a:extLst>
-              <a:ext uri="{FF2B5EF4-FFF2-40B4-BE49-F238E27FC236}">
-                <a16:creationId xmlns:a16="http://schemas.microsoft.com/office/drawing/2014/main" id="{9753F7CA-ABCC-456D-B486-5467CDC969A3}"/>
-              </a:ext>
-            </a:extLst>
-          </p:cNvPr>
-          <p:cNvSpPr>
-            <a:spLocks noGrp="1"/>
-          </p:cNvSpPr>
-          <p:nvPr>
-            <p:ph idx="1"/>
-          </p:nvPr>
-        </p:nvSpPr>
-        <p:spPr/>
-        <p:txBody>
-          <a:bodyPr/>
-          <a:lstStyle/>
-          <a:p>
-            <a:r>
-              <a:rPr lang="en-US" b="1" dirty="0"/>
-              <a:t>Question #1: </a:t>
-            </a:r>
-            <a:r>
-              <a:rPr lang="en-US" dirty="0"/>
-              <a:t>How does </a:t>
-            </a:r>
-            <a:r>
-              <a:rPr lang="en-US" dirty="0" err="1"/>
-              <a:t>OpenBw</a:t>
-            </a:r>
-            <a:r>
-              <a:rPr lang="en-US" dirty="0"/>
-              <a:t>-Tree compare with other indices?</a:t>
-            </a:r>
-          </a:p>
-          <a:p>
-            <a:endParaRPr lang="en-US" dirty="0"/>
-          </a:p>
-          <a:p>
-            <a:endParaRPr lang="en-US" dirty="0"/>
-          </a:p>
-          <a:p>
-            <a:endParaRPr lang="en-US" dirty="0"/>
-          </a:p>
-          <a:p>
-            <a:r>
-              <a:rPr lang="en-US" b="1" dirty="0"/>
-              <a:t>Question #2: </a:t>
-            </a:r>
-            <a:r>
-              <a:rPr lang="en-US" dirty="0"/>
-              <a:t>Does lock-free features in </a:t>
-            </a:r>
-            <a:r>
-              <a:rPr lang="en-US" dirty="0" err="1"/>
-              <a:t>Bw</a:t>
-            </a:r>
-            <a:r>
-              <a:rPr lang="en-US" dirty="0"/>
-              <a:t>-Tree cause noticeable slowdown?</a:t>
-            </a:r>
-          </a:p>
-        </p:txBody>
-      </p:sp>
-      <p:sp>
-        <p:nvSpPr>
-          <p:cNvPr id="4" name="Slide Number Placeholder 3">
-            <a:extLst>
-              <a:ext uri="{FF2B5EF4-FFF2-40B4-BE49-F238E27FC236}">
-                <a16:creationId xmlns:a16="http://schemas.microsoft.com/office/drawing/2014/main" id="{1C02ABBF-5009-4848-9720-69130010A88D}"/>
-              </a:ext>
-            </a:extLst>
-          </p:cNvPr>
-          <p:cNvSpPr>
-            <a:spLocks noGrp="1"/>
-          </p:cNvSpPr>
-          <p:nvPr>
-            <p:ph type="sldNum" sz="quarter" idx="12"/>
-          </p:nvPr>
-        </p:nvSpPr>
-        <p:spPr/>
-        <p:txBody>
-          <a:bodyPr/>
-          <a:lstStyle/>
-          <a:p>
-            <a:fld id="{47B6D843-D863-45CE-836E-3BAFBA29BED6}" type="slidenum">
-              <a:rPr lang="en-US" smtClean="0"/>
-              <a:t>7</a:t>
-            </a:fld>
-            <a:endParaRPr lang="en-US" dirty="0"/>
-          </a:p>
-        </p:txBody>
-      </p:sp>
-    </p:spTree>
-    <p:extLst>
-      <p:ext uri="{BB962C8B-B14F-4D97-AF65-F5344CB8AC3E}">
-        <p14:creationId xmlns:p14="http://schemas.microsoft.com/office/powerpoint/2010/main" val="2597479700"/>
       </p:ext>
     </p:extLst>
   </p:cSld>
@@ -28044,22 +29179,13 @@
           <a:lstStyle/>
           <a:p>
             <a:r>
+              <a:rPr lang="en-US" dirty="0" err="1"/>
+              <a:t>OpenBw</a:t>
+            </a:r>
+            <a:r>
               <a:rPr lang="en-US" dirty="0"/>
-              <a:t>The </a:t>
-            </a:r>
-            <a:r>
-              <a:rPr lang="en-US" dirty="0" err="1"/>
-              <a:t>Bw</a:t>
-            </a:r>
-            <a:r>
-              <a:rPr lang="en-US" dirty="0"/>
-              <a:t>-Tree: Microsoft’s Lock-Free </a:t>
-            </a:r>
-            <a:r>
-              <a:rPr lang="en-US" dirty="0" err="1"/>
-              <a:t>B+Tree</a:t>
-            </a:r>
-            <a:endParaRPr lang="en-US" dirty="0"/>
+              <a:t>-Tree at Carnegie Mellon</a:t>
+            </a:r>
           </a:p>
         </p:txBody>
       </p:sp>
@@ -28079,32 +29205,59 @@
             <p:ph idx="1"/>
           </p:nvPr>
         </p:nvSpPr>
-        <p:spPr>
-          <a:xfrm>
-            <a:off x="838200" y="1825625"/>
-            <a:ext cx="10515600" cy="4351338"/>
-          </a:xfrm>
-        </p:spPr>
+        <p:spPr/>
         <p:txBody>
-          <a:bodyPr>
-            <a:normAutofit/>
-          </a:bodyPr>
+          <a:bodyPr/>
           <a:lstStyle/>
           <a:p>
             <a:r>
               <a:rPr lang="en-US" dirty="0"/>
-              <a:t>Originally proposed by Microsoft Research</a:t>
+              <a:t>First version</a:t>
             </a:r>
           </a:p>
           <a:p>
             <a:pPr lvl="1"/>
             <a:r>
               <a:rPr lang="en-US" dirty="0"/>
-              <a:t>Integrated into SQL Server </a:t>
+              <a:t>No optimization</a:t>
+            </a:r>
+          </a:p>
+          <a:p>
+            <a:pPr lvl="1"/>
+            <a:r>
+              <a:rPr lang="en-US" dirty="0"/>
+              <a:t>Poor performance</a:t>
+            </a:r>
+          </a:p>
+          <a:p>
+            <a:r>
+              <a:rPr lang="en-US" dirty="0"/>
+              <a:t>Current version</a:t>
+            </a:r>
+          </a:p>
+          <a:p>
+            <a:pPr lvl="1"/>
+            <a:r>
+              <a:rPr lang="en-US" dirty="0"/>
+              <a:t>Optimization enabled</a:t>
+            </a:r>
+          </a:p>
+          <a:p>
+            <a:pPr lvl="1"/>
+            <a:r>
+              <a:rPr lang="en-US" dirty="0"/>
+              <a:t>In-memory index of Peloton</a:t>
+            </a:r>
+          </a:p>
+          <a:p>
+            <a:pPr lvl="1"/>
+            <a:r>
+              <a:rPr lang="en-US" dirty="0"/>
+              <a:t>Open sourced on </a:t>
             </a:r>
             <a:r>
               <a:rPr lang="en-US" dirty="0" err="1"/>
-              <a:t>Hekaton</a:t>
+              <a:t>Github</a:t>
             </a:r>
             <a:endParaRPr lang="en-US" dirty="0"/>
           </a:p>
@@ -28112,73 +29265,8 @@
             <a:pPr lvl="1"/>
             <a:r>
               <a:rPr lang="en-US" dirty="0"/>
-              <a:t>Published in ICDE’13</a:t>
-            </a:r>
-          </a:p>
-          <a:p>
-            <a:pPr lvl="1"/>
-            <a:r>
-              <a:rPr lang="en-US" dirty="0"/>
-              <a:t>2x – 5x faster than </a:t>
-            </a:r>
-            <a:r>
-              <a:rPr lang="en-US" dirty="0" err="1"/>
-              <a:t>Skiplist</a:t>
-            </a:r>
-            <a:r>
-              <a:rPr lang="en-US" dirty="0"/>
-              <a:t> </a:t>
-            </a:r>
-            <a:r>
-              <a:rPr lang="en-US" altLang="zh-CN" dirty="0"/>
-              <a:t>claimed by the paper</a:t>
-            </a:r>
-          </a:p>
-          <a:p>
-            <a:r>
-              <a:rPr lang="en-US" dirty="0"/>
-              <a:t>What makes delta update feasible? The paper says…</a:t>
-            </a:r>
-          </a:p>
-          <a:p>
-            <a:pPr lvl="1"/>
-            <a:r>
-              <a:rPr lang="en-US" dirty="0"/>
-              <a:t>Delta update avoids cache line invalidation</a:t>
-            </a:r>
-          </a:p>
-          <a:p>
-            <a:pPr lvl="1"/>
-            <a:r>
-              <a:rPr lang="en-US" dirty="0"/>
-              <a:t>SSD favors log-structured writes</a:t>
-            </a:r>
-          </a:p>
-          <a:p>
-            <a:pPr lvl="1"/>
-            <a:endParaRPr lang="en-US" dirty="0"/>
-          </a:p>
-          <a:p>
-            <a:pPr lvl="1"/>
-            <a:endParaRPr lang="en-US" dirty="0"/>
-          </a:p>
-          <a:p>
-            <a:pPr lvl="1"/>
-            <a:endParaRPr lang="en-US" dirty="0"/>
-          </a:p>
-          <a:p>
-            <a:pPr marL="0" indent="0">
-              <a:buNone/>
-            </a:pPr>
-            <a:endParaRPr lang="en-US" dirty="0"/>
-          </a:p>
-          <a:p>
-            <a:pPr lvl="1"/>
-            <a:endParaRPr lang="en-US" dirty="0"/>
-          </a:p>
-          <a:p>
-            <a:pPr lvl="1"/>
-            <a:endParaRPr lang="en-US" dirty="0"/>
+              <a:t>https://github.com/wangziqi2013/BwTree</a:t>
+            </a:r>
           </a:p>
         </p:txBody>
       </p:sp>
@@ -28214,7 +29302,7 @@
     </p:spTree>
     <p:extLst>
       <p:ext uri="{BB962C8B-B14F-4D97-AF65-F5344CB8AC3E}">
-        <p14:creationId xmlns:p14="http://schemas.microsoft.com/office/powerpoint/2010/main" val="649842590"/>
+        <p14:creationId xmlns:p14="http://schemas.microsoft.com/office/powerpoint/2010/main" val="2690310739"/>
       </p:ext>
     </p:extLst>
   </p:cSld>
@@ -28246,7 +29334,7 @@
           <p:cNvPr id="2" name="Title 1">
             <a:extLst>
               <a:ext uri="{FF2B5EF4-FFF2-40B4-BE49-F238E27FC236}">
-                <a16:creationId xmlns:a16="http://schemas.microsoft.com/office/drawing/2014/main" id="{13679879-E4B2-4B6E-91A6-24034F74EE45}"/>
+                <a16:creationId xmlns:a16="http://schemas.microsoft.com/office/drawing/2014/main" id="{62B706F6-8C2A-45ED-A03D-BD135518BF91}"/>
               </a:ext>
             </a:extLst>
           </p:cNvPr>
@@ -28263,12 +29351,8 @@
           <a:lstStyle/>
           <a:p>
             <a:r>
-              <a:rPr lang="en-US" dirty="0" err="1"/>
-              <a:t>OpenBw</a:t>
-            </a:r>
-            <a:r>
               <a:rPr lang="en-US" dirty="0"/>
-              <a:t>-Tree at Carnegie Mellon</a:t>
+              <a:t>Today’s Question</a:t>
             </a:r>
           </a:p>
         </p:txBody>
@@ -28278,7 +29362,7 @@
           <p:cNvPr id="3" name="Content Placeholder 2">
             <a:extLst>
               <a:ext uri="{FF2B5EF4-FFF2-40B4-BE49-F238E27FC236}">
-                <a16:creationId xmlns:a16="http://schemas.microsoft.com/office/drawing/2014/main" id="{749BB588-1D1E-409D-B41A-6F0C1EB9F75F}"/>
+                <a16:creationId xmlns:a16="http://schemas.microsoft.com/office/drawing/2014/main" id="{9753F7CA-ABCC-456D-B486-5467CDC969A3}"/>
               </a:ext>
             </a:extLst>
           </p:cNvPr>
@@ -28295,66 +29379,48 @@
           <a:lstStyle/>
           <a:p>
             <a:r>
+              <a:rPr lang="en-US" b="1" dirty="0"/>
+              <a:t>Question #1: </a:t>
+            </a:r>
+            <a:r>
               <a:rPr lang="en-US" dirty="0"/>
-              <a:t>First version</a:t>
-            </a:r>
-          </a:p>
-          <a:p>
-            <a:pPr lvl="1"/>
+              <a:t>How does </a:t>
+            </a:r>
+            <a:r>
+              <a:rPr lang="en-US" dirty="0" err="1"/>
+              <a:t>OpenBw</a:t>
+            </a:r>
             <a:r>
               <a:rPr lang="en-US" dirty="0"/>
-              <a:t>Course project</a:t>
-            </a:r>
-          </a:p>
-          <a:p>
-            <a:pPr lvl="1"/>
+              <a:t>-Tree compare with other indices?</a:t>
+            </a:r>
+          </a:p>
+          <a:p>
+            <a:endParaRPr lang="en-US" dirty="0"/>
+          </a:p>
+          <a:p>
+            <a:endParaRPr lang="en-US" dirty="0"/>
+          </a:p>
+          <a:p>
+            <a:endParaRPr lang="en-US" dirty="0"/>
+          </a:p>
+          <a:p>
+            <a:r>
+              <a:rPr lang="en-US" b="1" dirty="0"/>
+              <a:t>Question #2: </a:t>
+            </a:r>
             <a:r>
               <a:rPr lang="en-US" dirty="0"/>
-              <a:t>Poor performance</a:t>
-            </a:r>
-          </a:p>
-          <a:p>
+              <a:t>Does lock-free features in </a:t>
+            </a:r>
+            <a:r>
+              <a:rPr lang="en-US" dirty="0" err="1"/>
+              <a:t>Bw</a:t>
+            </a:r>
             <a:r>
               <a:rPr lang="en-US" dirty="0"/>
-              <a:t>Current version</a:t>
-            </a:r>
-          </a:p>
-          <a:p>
-            <a:pPr lvl="1"/>
-            <a:r>
-              <a:rPr lang="en-US" dirty="0"/>
-              <a:t>Optimization enabled</a:t>
-            </a:r>
-          </a:p>
-          <a:p>
-            <a:pPr lvl="1"/>
-            <a:r>
-              <a:rPr lang="en-US" dirty="0"/>
-              <a:t>In-memory index of Peloton</a:t>
-            </a:r>
-          </a:p>
-          <a:p>
-            <a:pPr lvl="1"/>
-            <a:r>
-              <a:rPr lang="en-US" dirty="0"/>
-              <a:t>Open sourced on </a:t>
-            </a:r>
-            <a:r>
-              <a:rPr lang="en-US" dirty="0" err="1"/>
-              <a:t>Github</a:t>
-            </a:r>
-            <a:endParaRPr lang="en-US" dirty="0"/>
-          </a:p>
-          <a:p>
-            <a:pPr lvl="1"/>
-            <a:r>
-              <a:rPr lang="en-US" dirty="0"/>
-              <a:t>https://github.com/wangziqi2013/BwTree</a:t>
-            </a:r>
-          </a:p>
-          <a:p>
-            <a:pPr lvl="1"/>
-            <a:endParaRPr lang="en-US" dirty="0"/>
+              <a:t>-Tree cause noticeable slowdown?</a:t>
+            </a:r>
           </a:p>
         </p:txBody>
       </p:sp>
@@ -28363,7 +29429,7 @@
           <p:cNvPr id="4" name="Slide Number Placeholder 3">
             <a:extLst>
               <a:ext uri="{FF2B5EF4-FFF2-40B4-BE49-F238E27FC236}">
-                <a16:creationId xmlns:a16="http://schemas.microsoft.com/office/drawing/2014/main" id="{13D9160B-5DD2-4C81-897E-473640B6EDBA}"/>
+                <a16:creationId xmlns:a16="http://schemas.microsoft.com/office/drawing/2014/main" id="{1C02ABBF-5009-4848-9720-69130010A88D}"/>
               </a:ext>
             </a:extLst>
           </p:cNvPr>
@@ -28379,18 +29445,18 @@
           <a:bodyPr/>
           <a:lstStyle/>
           <a:p>
-            <a:fld id="{CD800F46-C580-4D0E-ADDF-60DD9E45FDF0}" type="slidenum">
+            <a:fld id="{47B6D843-D863-45CE-836E-3BAFBA29BED6}" type="slidenum">
               <a:rPr lang="en-US" smtClean="0"/>
               <a:t>9</a:t>
             </a:fld>
-            <a:endParaRPr lang="en-US"/>
+            <a:endParaRPr lang="en-US" dirty="0"/>
           </a:p>
         </p:txBody>
       </p:sp>
     </p:spTree>
     <p:extLst>
       <p:ext uri="{BB962C8B-B14F-4D97-AF65-F5344CB8AC3E}">
-        <p14:creationId xmlns:p14="http://schemas.microsoft.com/office/powerpoint/2010/main" val="2690310739"/>
+        <p14:creationId xmlns:p14="http://schemas.microsoft.com/office/powerpoint/2010/main" val="2597479700"/>
       </p:ext>
     </p:extLst>
   </p:cSld>

--- a/SIGMOD 2018.pptx
+++ b/SIGMOD 2018.pptx
@@ -27,7 +27,7 @@
     <p:sldId id="341" r:id="rId18"/>
     <p:sldId id="352" r:id="rId19"/>
     <p:sldId id="366" r:id="rId20"/>
-    <p:sldId id="360" r:id="rId21"/>
+    <p:sldId id="369" r:id="rId21"/>
   </p:sldIdLst>
   <p:sldSz cx="12192000" cy="6858000"/>
   <p:notesSz cx="9296400" cy="7010400"/>
@@ -493,7 +493,7 @@
               <a:lstStyle/>
               <a:p>
                 <a:pPr>
-                  <a:defRPr sz="1330" b="0" i="0" u="none" strike="noStrike" kern="1200" baseline="0">
+                  <a:defRPr sz="3200" b="0" i="0" u="none" strike="noStrike" kern="1200" baseline="0">
                     <a:solidFill>
                       <a:schemeClr val="tx1">
                         <a:lumMod val="65000"/>
@@ -506,14 +506,14 @@
                   </a:defRPr>
                 </a:pPr>
                 <a:r>
-                  <a:rPr lang="en-US" sz="2400" dirty="0"/>
+                  <a:rPr lang="en-US" sz="3200" dirty="0"/>
                   <a:t>Million</a:t>
                 </a:r>
                 <a:r>
-                  <a:rPr lang="en-US" sz="2400" baseline="0" dirty="0"/>
+                  <a:rPr lang="en-US" sz="3200" baseline="0" dirty="0"/>
                   <a:t> Op/Second</a:t>
                 </a:r>
-                <a:endParaRPr lang="en-US" sz="2400" dirty="0"/>
+                <a:endParaRPr lang="en-US" sz="3200" dirty="0"/>
               </a:p>
             </c:rich>
           </c:tx>
@@ -530,7 +530,7 @@
             <a:lstStyle/>
             <a:p>
               <a:pPr>
-                <a:defRPr sz="1330" b="0" i="0" u="none" strike="noStrike" kern="1200" baseline="0">
+                <a:defRPr sz="3200" b="0" i="0" u="none" strike="noStrike" kern="1200" baseline="0">
                   <a:solidFill>
                     <a:schemeClr val="tx1">
                       <a:lumMod val="65000"/>
@@ -562,7 +562,7 @@
           <a:lstStyle/>
           <a:p>
             <a:pPr>
-              <a:defRPr sz="2400" b="0" i="0" u="none" strike="noStrike" kern="1200" baseline="0">
+              <a:defRPr sz="4000" b="0" i="0" u="none" strike="noStrike" kern="1200" baseline="0">
                 <a:solidFill>
                   <a:schemeClr val="tx1">
                     <a:lumMod val="65000"/>
@@ -1015,7 +1015,7 @@
               <a:lstStyle/>
               <a:p>
                 <a:pPr>
-                  <a:defRPr sz="1330" b="0" i="0" u="none" strike="noStrike" kern="1200" baseline="0">
+                  <a:defRPr sz="3200" b="0" i="0" u="none" strike="noStrike" kern="1200" baseline="0">
                     <a:solidFill>
                       <a:schemeClr val="tx1">
                         <a:lumMod val="65000"/>
@@ -1028,14 +1028,14 @@
                   </a:defRPr>
                 </a:pPr>
                 <a:r>
-                  <a:rPr lang="en-US" sz="2400" dirty="0"/>
+                  <a:rPr lang="en-US" sz="3200" dirty="0"/>
                   <a:t>Million</a:t>
                 </a:r>
                 <a:r>
-                  <a:rPr lang="en-US" sz="2400" baseline="0" dirty="0"/>
+                  <a:rPr lang="en-US" sz="3200" baseline="0" dirty="0"/>
                   <a:t> Op/Second</a:t>
                 </a:r>
-                <a:endParaRPr lang="en-US" sz="2400" dirty="0"/>
+                <a:endParaRPr lang="en-US" sz="3200" dirty="0"/>
               </a:p>
             </c:rich>
           </c:tx>
@@ -1052,7 +1052,7 @@
             <a:lstStyle/>
             <a:p>
               <a:pPr>
-                <a:defRPr sz="1330" b="0" i="0" u="none" strike="noStrike" kern="1200" baseline="0">
+                <a:defRPr sz="3200" b="0" i="0" u="none" strike="noStrike" kern="1200" baseline="0">
                   <a:solidFill>
                     <a:schemeClr val="tx1">
                       <a:lumMod val="65000"/>
@@ -1084,7 +1084,7 @@
           <a:lstStyle/>
           <a:p>
             <a:pPr>
-              <a:defRPr sz="2400" b="0" i="0" u="none" strike="noStrike" kern="1200" baseline="0">
+              <a:defRPr sz="4000" b="0" i="0" u="none" strike="noStrike" kern="1200" baseline="0">
                 <a:solidFill>
                   <a:schemeClr val="tx1">
                     <a:lumMod val="65000"/>
@@ -1237,7 +1237,7 @@
               <c:strCache>
                 <c:ptCount val="1"/>
                 <c:pt idx="0">
-                  <c:v>LLC Miss </c:v>
+                  <c:v>LLC Misses </c:v>
                 </c:pt>
               </c:strCache>
             </c:strRef>
@@ -1290,7 +1290,7 @@
               <c:strCache>
                 <c:ptCount val="1"/>
                 <c:pt idx="0">
-                  <c:v>LLC Miss </c:v>
+                  <c:v>LLC Misses </c:v>
                 </c:pt>
               </c:strCache>
             </c:strRef>
@@ -1343,7 +1343,7 @@
               <c:strCache>
                 <c:ptCount val="1"/>
                 <c:pt idx="0">
-                  <c:v>LLC Miss </c:v>
+                  <c:v>LLC Misses </c:v>
                 </c:pt>
               </c:strCache>
             </c:strRef>
@@ -1396,7 +1396,7 @@
               <c:strCache>
                 <c:ptCount val="1"/>
                 <c:pt idx="0">
-                  <c:v>LLC Miss </c:v>
+                  <c:v>LLC Misses </c:v>
                 </c:pt>
               </c:strCache>
             </c:strRef>
@@ -1455,7 +1455,7 @@
               <c:strCache>
                 <c:ptCount val="1"/>
                 <c:pt idx="0">
-                  <c:v>LLC Miss </c:v>
+                  <c:v>LLC Misses </c:v>
                 </c:pt>
               </c:strCache>
             </c:strRef>
@@ -1570,7 +1570,7 @@
               <a:lstStyle/>
               <a:p>
                 <a:pPr>
-                  <a:defRPr sz="1330" b="0" i="0" u="none" strike="noStrike" kern="1200" baseline="0">
+                  <a:defRPr sz="3200" b="0" i="0" u="none" strike="noStrike" kern="1200" baseline="0">
                     <a:solidFill>
                       <a:schemeClr val="tx1">
                         <a:lumMod val="65000"/>
@@ -1583,11 +1583,11 @@
                   </a:defRPr>
                 </a:pPr>
                 <a:r>
-                  <a:rPr lang="en-US" sz="2400" dirty="0"/>
+                  <a:rPr lang="en-US" sz="3200" dirty="0"/>
                   <a:t>Misses, 10</a:t>
                 </a:r>
                 <a:r>
-                  <a:rPr lang="en-US" sz="2400" baseline="30000" dirty="0"/>
+                  <a:rPr lang="en-US" sz="3200" baseline="30000" dirty="0"/>
                   <a:t>9</a:t>
                 </a:r>
               </a:p>
@@ -1606,7 +1606,7 @@
             <a:lstStyle/>
             <a:p>
               <a:pPr>
-                <a:defRPr sz="1330" b="0" i="0" u="none" strike="noStrike" kern="1200" baseline="0">
+                <a:defRPr sz="3200" b="0" i="0" u="none" strike="noStrike" kern="1200" baseline="0">
                   <a:solidFill>
                     <a:schemeClr val="tx1">
                       <a:lumMod val="65000"/>
@@ -1638,7 +1638,7 @@
           <a:lstStyle/>
           <a:p>
             <a:pPr>
-              <a:defRPr sz="2400" b="0" i="0" u="none" strike="noStrike" kern="1200" baseline="0">
+              <a:defRPr sz="4000" b="0" i="0" u="none" strike="noStrike" kern="1200" baseline="0">
                 <a:solidFill>
                   <a:schemeClr val="tx1">
                     <a:lumMod val="65000"/>
@@ -2320,6 +2320,27 @@
           </c:spPr>
           <c:invertIfNegative val="0"/>
           <c:dLbls>
+            <c:dLbl>
+              <c:idx val="3"/>
+              <c:layout>
+                <c:manualLayout>
+                  <c:x val="2.4154589371980675E-3"/>
+                  <c:y val="2.9186424957105148E-2"/>
+                </c:manualLayout>
+              </c:layout>
+              <c:showLegendKey val="0"/>
+              <c:showVal val="1"/>
+              <c:showCatName val="0"/>
+              <c:showSerName val="0"/>
+              <c:showPercent val="0"/>
+              <c:showBubbleSize val="0"/>
+              <c:extLst>
+                <c:ext xmlns:c15="http://schemas.microsoft.com/office/drawing/2012/chart" uri="{CE6537A1-D6FC-4f65-9D91-7224C49458BB}"/>
+                <c:ext xmlns:c16="http://schemas.microsoft.com/office/drawing/2014/chart" uri="{C3380CC4-5D6E-409C-BE32-E72D297353CC}">
+                  <c16:uniqueId val="{00000000-E6A2-4C84-8BA1-BAC39885046C}"/>
+                </c:ext>
+              </c:extLst>
+            </c:dLbl>
             <c:spPr>
               <a:noFill/>
               <a:ln>
@@ -2334,7 +2355,7 @@
               <a:lstStyle/>
               <a:p>
                 <a:pPr>
-                  <a:defRPr sz="2000" b="0" i="0" u="none" strike="noStrike" kern="1200" baseline="0">
+                  <a:defRPr sz="2800" b="0" i="0" u="none" strike="noStrike" kern="1200" baseline="0">
                     <a:solidFill>
                       <a:schemeClr val="tx1">
                         <a:lumMod val="75000"/>
@@ -7025,15 +7046,12 @@
           <a:bodyPr/>
           <a:lstStyle/>
           <a:p>
+            <a:endParaRPr lang="en-US" dirty="0"/>
+          </a:p>
+          <a:p>
             <a:r>
               <a:rPr lang="en-US" dirty="0"/>
-              <a:t>Add: Mention the possible cause of performance problems in this diagram</a:t>
-            </a:r>
-          </a:p>
-          <a:p>
-            <a:r>
-              <a:rPr lang="en-US" dirty="0"/>
-              <a:t>Add: </a:t>
+              <a:t>The Microsoft introduced the mapping table………. (not “WE”)</a:t>
             </a:r>
           </a:p>
         </p:txBody>
@@ -7353,6 +7371,17 @@
             <a:r>
               <a:rPr lang="en-US" dirty="0"/>
               <a:t>Add optimizations in short phrases</a:t>
+            </a:r>
+          </a:p>
+          <a:p>
+            <a:pPr defTabSz="931774"/>
+            <a:endParaRPr lang="en-US" dirty="0"/>
+          </a:p>
+          <a:p>
+            <a:pPr defTabSz="931774"/>
+            <a:r>
+              <a:rPr lang="en-US" dirty="0"/>
+              <a:t>Adding that MSR people said it was good for SSD but we did not present it here</a:t>
             </a:r>
           </a:p>
           <a:p>
@@ -11234,7 +11263,7 @@
         <p:spPr/>
         <p:txBody>
           <a:bodyPr>
-            <a:normAutofit/>
+            <a:normAutofit lnSpcReduction="10000"/>
           </a:bodyPr>
           <a:lstStyle/>
           <a:p>
@@ -11280,6 +11309,27 @@
             </a:r>
           </a:p>
           <a:p>
+            <a:pPr lvl="1"/>
+            <a:r>
+              <a:rPr lang="en-US" dirty="0"/>
+              <a:t>Scalable garbage collection</a:t>
+            </a:r>
+          </a:p>
+          <a:p>
+            <a:pPr lvl="1"/>
+            <a:r>
+              <a:rPr lang="en-US" dirty="0"/>
+              <a:t>Pre-allocation of delta nodes</a:t>
+            </a:r>
+          </a:p>
+          <a:p>
+            <a:pPr lvl="1"/>
+            <a:r>
+              <a:rPr lang="en-US" dirty="0"/>
+              <a:t>Efficient binary search and delta replay</a:t>
+            </a:r>
+          </a:p>
+          <a:p>
             <a:endParaRPr lang="en-US" dirty="0"/>
           </a:p>
           <a:p>
@@ -11300,13 +11350,6 @@
             <a:r>
               <a:rPr lang="en-US" dirty="0"/>
               <a:t>No logging</a:t>
-            </a:r>
-          </a:p>
-          <a:p>
-            <a:pPr lvl="1"/>
-            <a:r>
-              <a:rPr lang="en-US" dirty="0"/>
-              <a:t>Focus on OLTP</a:t>
             </a:r>
           </a:p>
         </p:txBody>
@@ -11474,15 +11517,7 @@
             </a:r>
             <a:r>
               <a:rPr lang="en-US" dirty="0"/>
-              <a:t> (</a:t>
-            </a:r>
-            <a:r>
-              <a:rPr lang="en-US" dirty="0" err="1"/>
-              <a:t>synchrobench</a:t>
-            </a:r>
-            <a:r>
-              <a:rPr lang="en-US" dirty="0"/>
-              <a:t>; ICDCS’13)</a:t>
+              <a:t> (Univ. Sydney; ICDCS’13)</a:t>
             </a:r>
           </a:p>
           <a:p>
@@ -11854,7 +11889,7 @@
           <p:nvPr>
             <p:extLst>
               <p:ext uri="{D42A27DB-BD31-4B8C-83A1-F6EECF244321}">
-                <p14:modId xmlns:p14="http://schemas.microsoft.com/office/powerpoint/2010/main" val="2465675700"/>
+                <p14:modId xmlns:p14="http://schemas.microsoft.com/office/powerpoint/2010/main" val="3865464406"/>
               </p:ext>
             </p:extLst>
           </p:nvPr>
@@ -11924,8 +11959,8 @@
         </p:nvSpPr>
         <p:spPr>
           <a:xfrm>
-            <a:off x="2955235" y="4837044"/>
-            <a:ext cx="718466" cy="461665"/>
+            <a:off x="3193775" y="4837044"/>
+            <a:ext cx="899605" cy="584775"/>
           </a:xfrm>
           <a:prstGeom prst="rect">
             <a:avLst/>
@@ -11939,7 +11974,7 @@
           <a:lstStyle/>
           <a:p>
             <a:r>
-              <a:rPr lang="en-US" sz="2400" b="1" dirty="0"/>
+              <a:rPr lang="en-US" sz="3200" b="1" dirty="0"/>
               <a:t>1.0x</a:t>
             </a:r>
           </a:p>
@@ -11959,8 +11994,8 @@
         </p:nvSpPr>
         <p:spPr>
           <a:xfrm>
-            <a:off x="4302395" y="5298709"/>
-            <a:ext cx="873957" cy="461665"/>
+            <a:off x="4501179" y="5258953"/>
+            <a:ext cx="1107996" cy="584775"/>
           </a:xfrm>
           <a:prstGeom prst="rect">
             <a:avLst/>
@@ -11974,7 +12009,7 @@
           <a:lstStyle/>
           <a:p>
             <a:r>
-              <a:rPr lang="en-US" sz="2400" b="1" dirty="0">
+              <a:rPr lang="en-US" sz="3200" b="1" dirty="0">
                 <a:solidFill>
                   <a:srgbClr val="FF0000"/>
                 </a:solidFill>
@@ -11998,8 +12033,8 @@
         </p:nvSpPr>
         <p:spPr>
           <a:xfrm>
-            <a:off x="5730191" y="4314973"/>
-            <a:ext cx="787395" cy="461665"/>
+            <a:off x="5902471" y="4420989"/>
+            <a:ext cx="992579" cy="584775"/>
           </a:xfrm>
           <a:prstGeom prst="rect">
             <a:avLst/>
@@ -12013,7 +12048,7 @@
           <a:lstStyle/>
           <a:p>
             <a:r>
-              <a:rPr lang="en-US" sz="2400" b="1" dirty="0">
+              <a:rPr lang="en-US" sz="3200" b="1" dirty="0">
                 <a:solidFill>
                   <a:schemeClr val="accent6"/>
                 </a:solidFill>
@@ -12037,8 +12072,8 @@
         </p:nvSpPr>
         <p:spPr>
           <a:xfrm>
-            <a:off x="7104982" y="4958243"/>
-            <a:ext cx="873957" cy="461665"/>
+            <a:off x="7131488" y="4958243"/>
+            <a:ext cx="1107996" cy="584775"/>
           </a:xfrm>
           <a:prstGeom prst="rect">
             <a:avLst/>
@@ -12052,7 +12087,7 @@
           <a:lstStyle/>
           <a:p>
             <a:r>
-              <a:rPr lang="en-US" sz="2400" b="1" dirty="0">
+              <a:rPr lang="en-US" sz="3200" b="1" dirty="0">
                 <a:solidFill>
                   <a:srgbClr val="FF0000"/>
                 </a:solidFill>
@@ -12076,8 +12111,8 @@
         </p:nvSpPr>
         <p:spPr>
           <a:xfrm>
-            <a:off x="8544340" y="2486871"/>
-            <a:ext cx="718466" cy="461665"/>
+            <a:off x="8544342" y="3030210"/>
+            <a:ext cx="899605" cy="584775"/>
           </a:xfrm>
           <a:prstGeom prst="rect">
             <a:avLst/>
@@ -12091,7 +12126,7 @@
           <a:lstStyle/>
           <a:p>
             <a:r>
-              <a:rPr lang="en-US" sz="2400" b="1" dirty="0">
+              <a:rPr lang="en-US" sz="3200" b="1" dirty="0">
                 <a:solidFill>
                   <a:schemeClr val="accent6"/>
                 </a:solidFill>
@@ -12205,7 +12240,7 @@
           <p:nvPr>
             <p:extLst>
               <p:ext uri="{D42A27DB-BD31-4B8C-83A1-F6EECF244321}">
-                <p14:modId xmlns:p14="http://schemas.microsoft.com/office/powerpoint/2010/main" val="1750989254"/>
+                <p14:modId xmlns:p14="http://schemas.microsoft.com/office/powerpoint/2010/main" val="37493704"/>
               </p:ext>
             </p:extLst>
           </p:nvPr>
@@ -12275,8 +12310,8 @@
         </p:nvSpPr>
         <p:spPr>
           <a:xfrm>
-            <a:off x="2928731" y="4651516"/>
-            <a:ext cx="718466" cy="461665"/>
+            <a:off x="3260035" y="4611760"/>
+            <a:ext cx="899605" cy="584775"/>
           </a:xfrm>
           <a:prstGeom prst="rect">
             <a:avLst/>
@@ -12290,7 +12325,7 @@
           <a:lstStyle/>
           <a:p>
             <a:r>
-              <a:rPr lang="en-US" sz="2400" b="1" dirty="0"/>
+              <a:rPr lang="en-US" sz="3200" b="1" dirty="0"/>
               <a:t>1.0x</a:t>
             </a:r>
           </a:p>
@@ -12310,8 +12345,8 @@
         </p:nvSpPr>
         <p:spPr>
           <a:xfrm>
-            <a:off x="4275891" y="5497491"/>
-            <a:ext cx="873957" cy="461665"/>
+            <a:off x="4461420" y="5285459"/>
+            <a:ext cx="1107996" cy="584775"/>
           </a:xfrm>
           <a:prstGeom prst="rect">
             <a:avLst/>
@@ -12325,7 +12360,7 @@
           <a:lstStyle/>
           <a:p>
             <a:r>
-              <a:rPr lang="en-US" sz="2400" b="1" dirty="0">
+              <a:rPr lang="en-US" sz="3200" b="1" dirty="0">
                 <a:solidFill>
                   <a:srgbClr val="FF0000"/>
                 </a:solidFill>
@@ -12349,8 +12384,8 @@
         </p:nvSpPr>
         <p:spPr>
           <a:xfrm>
-            <a:off x="5743443" y="4089689"/>
-            <a:ext cx="718466" cy="461665"/>
+            <a:off x="5902470" y="4182453"/>
+            <a:ext cx="899605" cy="584775"/>
           </a:xfrm>
           <a:prstGeom prst="rect">
             <a:avLst/>
@@ -12364,7 +12399,7 @@
           <a:lstStyle/>
           <a:p>
             <a:r>
-              <a:rPr lang="en-US" sz="2400" b="1" dirty="0">
+              <a:rPr lang="en-US" sz="3200" b="1" dirty="0">
                 <a:solidFill>
                   <a:schemeClr val="accent6"/>
                 </a:solidFill>
@@ -12388,8 +12423,8 @@
         </p:nvSpPr>
         <p:spPr>
           <a:xfrm>
-            <a:off x="7118234" y="3858312"/>
-            <a:ext cx="718466" cy="461665"/>
+            <a:off x="7210998" y="4030588"/>
+            <a:ext cx="899605" cy="584775"/>
           </a:xfrm>
           <a:prstGeom prst="rect">
             <a:avLst/>
@@ -12403,7 +12438,7 @@
           <a:lstStyle/>
           <a:p>
             <a:r>
-              <a:rPr lang="en-US" sz="2400" b="1" dirty="0">
+              <a:rPr lang="en-US" sz="3200" b="1" dirty="0">
                 <a:solidFill>
                   <a:schemeClr val="accent6"/>
                 </a:solidFill>
@@ -12427,8 +12462,8 @@
         </p:nvSpPr>
         <p:spPr>
           <a:xfrm>
-            <a:off x="8517836" y="2698905"/>
-            <a:ext cx="718466" cy="461665"/>
+            <a:off x="8544340" y="3109721"/>
+            <a:ext cx="899605" cy="584775"/>
           </a:xfrm>
           <a:prstGeom prst="rect">
             <a:avLst/>
@@ -12442,7 +12477,7 @@
           <a:lstStyle/>
           <a:p>
             <a:r>
-              <a:rPr lang="en-US" sz="2400" b="1" dirty="0">
+              <a:rPr lang="en-US" sz="3200" b="1" dirty="0">
                 <a:solidFill>
                   <a:schemeClr val="accent6"/>
                 </a:solidFill>
@@ -12572,7 +12607,7 @@
           <p:nvPr>
             <p:extLst>
               <p:ext uri="{D42A27DB-BD31-4B8C-83A1-F6EECF244321}">
-                <p14:modId xmlns:p14="http://schemas.microsoft.com/office/powerpoint/2010/main" val="1109631896"/>
+                <p14:modId xmlns:p14="http://schemas.microsoft.com/office/powerpoint/2010/main" val="2464025160"/>
               </p:ext>
             </p:extLst>
           </p:nvPr>
@@ -12854,6 +12889,14 @@
           <a:prstGeom prst="rect">
             <a:avLst/>
           </a:prstGeom>
+          <a:ln>
+            <a:solidFill>
+              <a:schemeClr val="tx1">
+                <a:lumMod val="75000"/>
+                <a:lumOff val="25000"/>
+              </a:schemeClr>
+            </a:solidFill>
+          </a:ln>
         </p:spPr>
       </p:pic>
       <p:sp>
@@ -12983,7 +13026,7 @@
             <p:ph idx="1"/>
             <p:extLst>
               <p:ext uri="{D42A27DB-BD31-4B8C-83A1-F6EECF244321}">
-                <p14:modId xmlns:p14="http://schemas.microsoft.com/office/powerpoint/2010/main" val="2955252782"/>
+                <p14:modId xmlns:p14="http://schemas.microsoft.com/office/powerpoint/2010/main" val="1752212394"/>
               </p:ext>
             </p:extLst>
           </p:nvPr>
@@ -13062,7 +13105,7 @@
         <p:spPr>
           <a:xfrm>
             <a:off x="2520115" y="2251274"/>
-            <a:ext cx="638316" cy="400110"/>
+            <a:ext cx="824265" cy="523220"/>
           </a:xfrm>
           <a:prstGeom prst="rect">
             <a:avLst/>
@@ -13076,7 +13119,7 @@
           <a:lstStyle/>
           <a:p>
             <a:r>
-              <a:rPr lang="en-US" sz="2000" dirty="0"/>
+              <a:rPr lang="en-US" sz="2800" dirty="0"/>
               <a:t>2.27</a:t>
             </a:r>
           </a:p>
@@ -13096,8 +13139,8 @@
         </p:nvSpPr>
         <p:spPr>
           <a:xfrm>
-            <a:off x="3179299" y="3179775"/>
-            <a:ext cx="1834156" cy="523220"/>
+            <a:off x="3470844" y="3179775"/>
+            <a:ext cx="1218603" cy="523220"/>
           </a:xfrm>
           <a:prstGeom prst="rect">
             <a:avLst/>
@@ -13116,7 +13159,7 @@
                   <a:schemeClr val="accent6"/>
                 </a:solidFill>
               </a:rPr>
-              <a:t>0.3/23% ↑</a:t>
+              <a:t>23% ↑</a:t>
             </a:r>
           </a:p>
         </p:txBody>
@@ -13135,8 +13178,8 @@
         </p:nvSpPr>
         <p:spPr>
           <a:xfrm>
-            <a:off x="7929106" y="2807074"/>
-            <a:ext cx="1834156" cy="523220"/>
+            <a:off x="8247156" y="2807074"/>
+            <a:ext cx="1218603" cy="523220"/>
           </a:xfrm>
           <a:prstGeom prst="rect">
             <a:avLst/>
@@ -13155,7 +13198,7 @@
                   <a:schemeClr val="accent6"/>
                 </a:solidFill>
               </a:rPr>
-              <a:t>0.3/18% ↑</a:t>
+              <a:t>18% ↑</a:t>
             </a:r>
           </a:p>
         </p:txBody>
@@ -13353,8 +13396,8 @@
         </p:nvSpPr>
         <p:spPr>
           <a:xfrm>
-            <a:off x="5555905" y="3068684"/>
-            <a:ext cx="1834156" cy="523220"/>
+            <a:off x="5940218" y="3068684"/>
+            <a:ext cx="1497526" cy="523220"/>
           </a:xfrm>
           <a:prstGeom prst="rect">
             <a:avLst/>
@@ -13373,7 +13416,7 @@
                   <a:schemeClr val="accent6"/>
                 </a:solidFill>
               </a:rPr>
-              <a:t>0.06/0% ↑</a:t>
+              <a:t>0.02% ↑</a:t>
             </a:r>
           </a:p>
         </p:txBody>
@@ -13522,30 +13565,66 @@
           <a:p>
             <a:pPr lvl="1"/>
             <a:r>
-              <a:rPr lang="en-US" b="1" dirty="0"/>
+              <a:rPr lang="en-US" b="1" dirty="0">
+                <a:solidFill>
+                  <a:schemeClr val="accent1">
+                    <a:lumMod val="75000"/>
+                  </a:schemeClr>
+                </a:solidFill>
+              </a:rPr>
               <a:t>Answer: </a:t>
             </a:r>
             <a:r>
-              <a:rPr lang="en-US" dirty="0"/>
+              <a:rPr lang="en-US" dirty="0">
+                <a:solidFill>
+                  <a:schemeClr val="accent1">
+                    <a:lumMod val="75000"/>
+                  </a:schemeClr>
+                </a:solidFill>
+              </a:rPr>
               <a:t>It depends!</a:t>
             </a:r>
           </a:p>
           <a:p>
             <a:pPr lvl="1"/>
             <a:r>
-              <a:rPr lang="en-US" dirty="0"/>
+              <a:rPr lang="en-US" dirty="0">
+                <a:solidFill>
+                  <a:schemeClr val="accent1">
+                    <a:lumMod val="75000"/>
+                  </a:schemeClr>
+                </a:solidFill>
+              </a:rPr>
               <a:t>In general, not as fast as ARTOLC or </a:t>
             </a:r>
             <a:r>
-              <a:rPr lang="en-US" dirty="0" err="1"/>
+              <a:rPr lang="en-US" dirty="0" err="1">
+                <a:solidFill>
+                  <a:schemeClr val="accent1">
+                    <a:lumMod val="75000"/>
+                  </a:schemeClr>
+                </a:solidFill>
+              </a:rPr>
               <a:t>Masstree</a:t>
             </a:r>
-            <a:endParaRPr lang="en-US" dirty="0"/>
+            <a:endParaRPr lang="en-US" dirty="0">
+              <a:solidFill>
+                <a:schemeClr val="accent1">
+                  <a:lumMod val="75000"/>
+                </a:schemeClr>
+              </a:solidFill>
+            </a:endParaRPr>
           </a:p>
           <a:p>
             <a:pPr lvl="1"/>
             <a:r>
-              <a:rPr lang="en-US" dirty="0"/>
+              <a:rPr lang="en-US" dirty="0">
+                <a:solidFill>
+                  <a:schemeClr val="accent1">
+                    <a:lumMod val="75000"/>
+                  </a:schemeClr>
+                </a:solidFill>
+              </a:rPr>
               <a:t>Insert-only performance meets expectation</a:t>
             </a:r>
           </a:p>
@@ -13574,11 +13653,23 @@
           <a:p>
             <a:pPr lvl="1"/>
             <a:r>
-              <a:rPr lang="en-US" b="1" dirty="0"/>
+              <a:rPr lang="en-US" b="1" dirty="0">
+                <a:solidFill>
+                  <a:schemeClr val="accent1">
+                    <a:lumMod val="75000"/>
+                  </a:schemeClr>
+                </a:solidFill>
+              </a:rPr>
               <a:t>Answer: </a:t>
             </a:r>
             <a:r>
-              <a:rPr lang="en-US" dirty="0"/>
+              <a:rPr lang="en-US" dirty="0">
+                <a:solidFill>
+                  <a:schemeClr val="accent1">
+                    <a:lumMod val="75000"/>
+                  </a:schemeClr>
+                </a:solidFill>
+              </a:rPr>
               <a:t>Yes</a:t>
             </a:r>
           </a:p>
@@ -13714,7 +13805,7 @@
             </a:r>
             <a:r>
               <a:rPr lang="en-US" dirty="0"/>
-              <a:t>oupling is effective in reducing locking overhead on modern architecture</a:t>
+              <a:t>oupling (OLC) is effective in reducing locking overhead on modern architecture</a:t>
             </a:r>
           </a:p>
           <a:p>
@@ -13722,6 +13813,46 @@
               <a:rPr lang="en-US" dirty="0"/>
               <a:t>Synchronization using background thread does not work well for large data sets</a:t>
             </a:r>
+          </a:p>
+          <a:p>
+            <a:r>
+              <a:rPr lang="en-US" dirty="0"/>
+              <a:t>Writing an Open-</a:t>
+            </a:r>
+            <a:r>
+              <a:rPr lang="en-US" dirty="0" err="1"/>
+              <a:t>BwTree</a:t>
+            </a:r>
+            <a:r>
+              <a:rPr lang="en-US" dirty="0"/>
+              <a:t> is not easy</a:t>
+            </a:r>
+          </a:p>
+          <a:p>
+            <a:pPr lvl="1"/>
+            <a:r>
+              <a:rPr lang="en-US" dirty="0"/>
+              <a:t>10,000 LOC</a:t>
+            </a:r>
+          </a:p>
+          <a:p>
+            <a:pPr lvl="1"/>
+            <a:r>
+              <a:rPr lang="en-US" dirty="0"/>
+              <a:t>9 months</a:t>
+            </a:r>
+          </a:p>
+          <a:p>
+            <a:pPr lvl="1"/>
+            <a:r>
+              <a:rPr lang="en-US" dirty="0"/>
+              <a:t>Dense and complex code compared with </a:t>
+            </a:r>
+            <a:r>
+              <a:rPr lang="en-US" dirty="0" err="1"/>
+              <a:t>B+Tree</a:t>
+            </a:r>
+            <a:endParaRPr lang="en-US" dirty="0"/>
           </a:p>
         </p:txBody>
       </p:sp>
@@ -14011,7 +14142,7 @@
           <p:cNvPr id="2" name="Title 1">
             <a:extLst>
               <a:ext uri="{FF2B5EF4-FFF2-40B4-BE49-F238E27FC236}">
-                <a16:creationId xmlns:a16="http://schemas.microsoft.com/office/drawing/2014/main" id="{D9D099F9-AA5D-4BDF-9A4E-5C4C8193DD69}"/>
+                <a16:creationId xmlns:a16="http://schemas.microsoft.com/office/drawing/2014/main" id="{B939967F-693F-427E-ADEE-EAE65765F393}"/>
               </a:ext>
             </a:extLst>
           </p:cNvPr>
@@ -14027,10 +14158,7 @@
           <a:bodyPr/>
           <a:lstStyle/>
           <a:p>
-            <a:r>
-              <a:rPr lang="en-US" dirty="0"/>
-              <a:t>Future Work</a:t>
-            </a:r>
+            <a:endParaRPr lang="en-US"/>
           </a:p>
         </p:txBody>
       </p:sp>
@@ -14039,7 +14167,7 @@
           <p:cNvPr id="3" name="Content Placeholder 2">
             <a:extLst>
               <a:ext uri="{FF2B5EF4-FFF2-40B4-BE49-F238E27FC236}">
-                <a16:creationId xmlns:a16="http://schemas.microsoft.com/office/drawing/2014/main" id="{94E04DCE-BAB8-4C98-9E8C-05F1745596E4}"/>
+                <a16:creationId xmlns:a16="http://schemas.microsoft.com/office/drawing/2014/main" id="{1087F4FF-FB31-410A-B43A-D22209848B95}"/>
               </a:ext>
             </a:extLst>
           </p:cNvPr>
@@ -14052,27 +14180,42 @@
         </p:nvSpPr>
         <p:spPr/>
         <p:txBody>
-          <a:bodyPr/>
+          <a:bodyPr>
+            <a:normAutofit/>
+          </a:bodyPr>
           <a:lstStyle/>
           <a:p>
-            <a:r>
-              <a:rPr lang="en-US" dirty="0"/>
-              <a:t>We only evaluated </a:t>
-            </a:r>
-            <a:r>
-              <a:rPr lang="en-US" dirty="0" err="1"/>
-              <a:t>Bw</a:t>
-            </a:r>
-            <a:r>
-              <a:rPr lang="en-US" dirty="0"/>
-              <a:t>-Tree in main-memory environment</a:t>
-            </a:r>
-          </a:p>
-          <a:p>
-            <a:pPr lvl="1"/>
-            <a:r>
-              <a:rPr lang="en-US" dirty="0"/>
-              <a:t>SSD? NVRAM?</a:t>
+            <a:pPr marL="0" indent="0" algn="ctr">
+              <a:buNone/>
+            </a:pPr>
+            <a:r>
+              <a:rPr lang="en-US" sz="7200" b="1" dirty="0"/>
+              <a:t>Questions?</a:t>
+            </a:r>
+          </a:p>
+          <a:p>
+            <a:pPr marL="0" indent="0" algn="ctr">
+              <a:buNone/>
+            </a:pPr>
+            <a:r>
+              <a:rPr lang="en-US" sz="4000" dirty="0">
+                <a:hlinkClick r:id="rId2"/>
+              </a:rPr>
+              <a:t>ziqiw@cs.cmu.edu</a:t>
+            </a:r>
+            <a:endParaRPr lang="en-US" sz="4000" dirty="0"/>
+          </a:p>
+          <a:p>
+            <a:pPr algn="ctr"/>
+            <a:endParaRPr lang="en-US" sz="4000" dirty="0"/>
+          </a:p>
+          <a:p>
+            <a:pPr marL="0" indent="0" algn="ctr">
+              <a:buNone/>
+            </a:pPr>
+            <a:r>
+              <a:rPr lang="en-US" sz="4000" dirty="0"/>
+              <a:t>https://www.github.com/wangziqi2013/BwTree/</a:t>
             </a:r>
           </a:p>
         </p:txBody>
@@ -14082,7 +14225,7 @@
           <p:cNvPr id="4" name="Slide Number Placeholder 3">
             <a:extLst>
               <a:ext uri="{FF2B5EF4-FFF2-40B4-BE49-F238E27FC236}">
-                <a16:creationId xmlns:a16="http://schemas.microsoft.com/office/drawing/2014/main" id="{40ED5A98-926C-4707-B94D-4BFCB8F59ACE}"/>
+                <a16:creationId xmlns:a16="http://schemas.microsoft.com/office/drawing/2014/main" id="{8A2BE659-DA6C-48D2-89DF-96A9C5D821A6}"/>
               </a:ext>
             </a:extLst>
           </p:cNvPr>
@@ -14109,7 +14252,7 @@
     </p:spTree>
     <p:extLst>
       <p:ext uri="{BB962C8B-B14F-4D97-AF65-F5344CB8AC3E}">
-        <p14:creationId xmlns:p14="http://schemas.microsoft.com/office/powerpoint/2010/main" val="1731408233"/>
+        <p14:creationId xmlns:p14="http://schemas.microsoft.com/office/powerpoint/2010/main" val="53793232"/>
       </p:ext>
     </p:extLst>
   </p:cSld>
@@ -21543,8 +21686,8 @@
         </p:nvSpPr>
         <p:spPr>
           <a:xfrm>
-            <a:off x="5147940" y="3529393"/>
-            <a:ext cx="1615507" cy="646331"/>
+            <a:off x="4326304" y="3396872"/>
+            <a:ext cx="2664768" cy="646331"/>
           </a:xfrm>
           <a:prstGeom prst="rect">
             <a:avLst/>
@@ -21563,7 +21706,7 @@
                   <a:srgbClr val="FF0000"/>
                 </a:solidFill>
               </a:rPr>
-              <a:t>Wrong!</a:t>
+              <a:t>Inconsistent!</a:t>
             </a:r>
           </a:p>
         </p:txBody>
@@ -29212,7 +29355,7 @@
           <a:p>
             <a:r>
               <a:rPr lang="en-US" dirty="0"/>
-              <a:t>First version</a:t>
+              <a:t>First version based on Microsoft paper</a:t>
             </a:r>
           </a:p>
           <a:p>
@@ -29232,41 +29375,38 @@
           <a:p>
             <a:r>
               <a:rPr lang="en-US" dirty="0"/>
-              <a:t>Current version</a:t>
+              <a:t>Second version for Peloton DBMS</a:t>
             </a:r>
           </a:p>
           <a:p>
             <a:pPr lvl="1"/>
             <a:r>
               <a:rPr lang="en-US" dirty="0"/>
-              <a:t>Optimization enabled</a:t>
+              <a:t>Developed optimizations to improve performance</a:t>
             </a:r>
           </a:p>
           <a:p>
             <a:pPr lvl="1"/>
             <a:r>
               <a:rPr lang="en-US" dirty="0"/>
-              <a:t>In-memory index of Peloton</a:t>
+              <a:t>Consulted with </a:t>
+            </a:r>
+            <a:r>
+              <a:rPr lang="en-US" dirty="0" err="1"/>
+              <a:t>Bw</a:t>
+            </a:r>
+            <a:r>
+              <a:rPr lang="en-US" dirty="0"/>
+              <a:t>-Tree developers at Microsoft</a:t>
             </a:r>
           </a:p>
           <a:p>
             <a:pPr lvl="1"/>
-            <a:r>
-              <a:rPr lang="en-US" dirty="0"/>
-              <a:t>Open sourced on </a:t>
-            </a:r>
-            <a:r>
-              <a:rPr lang="en-US" dirty="0" err="1"/>
-              <a:t>Github</a:t>
-            </a:r>
             <a:endParaRPr lang="en-US" dirty="0"/>
           </a:p>
           <a:p>
             <a:pPr lvl="1"/>
-            <a:r>
-              <a:rPr lang="en-US" dirty="0"/>
-              <a:t>https://github.com/wangziqi2013/BwTree</a:t>
-            </a:r>
+            <a:endParaRPr lang="en-US" dirty="0"/>
           </a:p>
         </p:txBody>
       </p:sp>
@@ -29296,6 +29436,45 @@
               <a:t>8</a:t>
             </a:fld>
             <a:endParaRPr lang="en-US"/>
+          </a:p>
+        </p:txBody>
+      </p:sp>
+      <p:sp>
+        <p:nvSpPr>
+          <p:cNvPr id="5" name="TextBox 4">
+            <a:extLst>
+              <a:ext uri="{FF2B5EF4-FFF2-40B4-BE49-F238E27FC236}">
+                <a16:creationId xmlns:a16="http://schemas.microsoft.com/office/drawing/2014/main" id="{D4827C76-DBEE-45BD-BA13-D17074083242}"/>
+              </a:ext>
+            </a:extLst>
+          </p:cNvPr>
+          <p:cNvSpPr txBox="1"/>
+          <p:nvPr/>
+        </p:nvSpPr>
+        <p:spPr>
+          <a:xfrm>
+            <a:off x="1039455" y="5141119"/>
+            <a:ext cx="10113090" cy="1046440"/>
+          </a:xfrm>
+          <a:prstGeom prst="rect">
+            <a:avLst/>
+          </a:prstGeom>
+          <a:noFill/>
+        </p:spPr>
+        <p:txBody>
+          <a:bodyPr wrap="none" rtlCol="0">
+            <a:spAutoFit/>
+          </a:bodyPr>
+          <a:lstStyle/>
+          <a:p>
+            <a:pPr algn="ctr"/>
+            <a:r>
+              <a:rPr lang="en-US" sz="4400" b="1" dirty="0"/>
+              <a:t>https://github.com/wangziqi2013/BwTree</a:t>
+            </a:r>
+          </a:p>
+          <a:p>
+            <a:endParaRPr lang="en-US" dirty="0"/>
           </a:p>
         </p:txBody>
       </p:sp>
@@ -29352,7 +29531,7 @@
           <a:p>
             <a:r>
               <a:rPr lang="en-US" dirty="0"/>
-              <a:t>Today’s Question</a:t>
+              <a:t>Today’s Talk</a:t>
             </a:r>
           </a:p>
         </p:txBody>
